--- a/Presentazione/presentazione TaxiToGo.pptx
+++ b/Presentazione/presentazione TaxiToGo.pptx
@@ -9051,7 +9051,7 @@
         <p:spPr>
           <a:xfrm>
             <a:off x="581192" y="2170071"/>
-            <a:ext cx="7600282" cy="4247317"/>
+            <a:ext cx="7600282" cy="4524315"/>
           </a:xfrm>
           <a:prstGeom prst="rect">
             <a:avLst/>
@@ -9085,20 +9085,7 @@
                 <a:effectLst/>
                 <a:latin typeface="Arial" panose="020B0604020202020204" pitchFamily="34" charset="0"/>
               </a:rPr>
-              <a:t>Permette di gestire i pagamenti con carta di credito e </a:t>
-            </a:r>
-            <a:r>
-              <a:rPr lang="it-IT" dirty="0">
-                <a:latin typeface="Arial" panose="020B0604020202020204" pitchFamily="34" charset="0"/>
-              </a:rPr>
-              <a:t>P</a:t>
-            </a:r>
-            <a:r>
-              <a:rPr lang="it-IT" dirty="0">
-                <a:effectLst/>
-                <a:latin typeface="Arial" panose="020B0604020202020204" pitchFamily="34" charset="0"/>
-              </a:rPr>
-              <a:t>ayPal</a:t>
+              <a:t>Permette di gestire i pagamenti con carta di credito, bancomat e contanti.</a:t>
             </a:r>
             <a:br>
               <a:rPr lang="it-IT" dirty="0">

--- a/Presentazione/presentazione TaxiToGo.pptx
+++ b/Presentazione/presentazione TaxiToGo.pptx
@@ -5,10 +5,10 @@
     <p:sldMasterId id="2147483712" r:id="rId1"/>
   </p:sldMasterIdLst>
   <p:notesMasterIdLst>
-    <p:notesMasterId r:id="rId13"/>
+    <p:notesMasterId r:id="rId14"/>
   </p:notesMasterIdLst>
   <p:handoutMasterIdLst>
-    <p:handoutMasterId r:id="rId14"/>
+    <p:handoutMasterId r:id="rId15"/>
   </p:handoutMasterIdLst>
   <p:sldIdLst>
     <p:sldId id="257" r:id="rId2"/>
@@ -22,6 +22,7 @@
     <p:sldId id="269" r:id="rId10"/>
     <p:sldId id="270" r:id="rId11"/>
     <p:sldId id="271" r:id="rId12"/>
+    <p:sldId id="272" r:id="rId13"/>
   </p:sldIdLst>
   <p:sldSz cx="12192000" cy="6858000"/>
   <p:notesSz cx="6858000" cy="9144000"/>
@@ -1328,7 +1329,7 @@
             <a:pPr rtl="0"/>
             <a:fld id="{03A22DD2-5486-4F92-92F0-C5CF7CD86EC4}" type="datetime1">
               <a:rPr lang="it-IT" smtClean="0"/>
-              <a:t>11/02/24</a:t>
+              <a:t>12/02/24</a:t>
             </a:fld>
             <a:endParaRPr lang="en-US" dirty="0"/>
           </a:p>
@@ -1498,7 +1499,7 @@
             <a:pPr rtl="0"/>
             <a:fld id="{8D536D80-00B6-4C61-84A7-2B257A1E56B7}" type="datetime1">
               <a:rPr lang="it-IT" smtClean="0"/>
-              <a:t>11/02/24</a:t>
+              <a:t>12/02/24</a:t>
             </a:fld>
             <a:endParaRPr lang="en-US"/>
           </a:p>
@@ -5756,6 +5757,13 @@
             <a:schemeClr val="lt1"/>
           </a:fontRef>
         </p:style>
+        <p:txBody>
+          <a:bodyPr/>
+          <a:lstStyle/>
+          <a:p>
+            <a:endParaRPr lang="it-IT"/>
+          </a:p>
+        </p:txBody>
       </p:sp>
       <p:sp>
         <p:nvSpPr>
@@ -5810,6 +5818,13 @@
             <a:schemeClr val="lt1"/>
           </a:fontRef>
         </p:style>
+        <p:txBody>
+          <a:bodyPr/>
+          <a:lstStyle/>
+          <a:p>
+            <a:endParaRPr lang="it-IT"/>
+          </a:p>
+        </p:txBody>
       </p:sp>
       <p:sp>
         <p:nvSpPr>
@@ -5864,6 +5879,13 @@
             <a:schemeClr val="lt1"/>
           </a:fontRef>
         </p:style>
+        <p:txBody>
+          <a:bodyPr/>
+          <a:lstStyle/>
+          <a:p>
+            <a:endParaRPr lang="it-IT"/>
+          </a:p>
+        </p:txBody>
       </p:sp>
       <p:pic>
         <p:nvPicPr>
@@ -6768,6 +6790,313 @@
     <p:extLst>
       <p:ext uri="{BB962C8B-B14F-4D97-AF65-F5344CB8AC3E}">
         <p14:creationId xmlns:p14="http://schemas.microsoft.com/office/powerpoint/2010/main" val="3991688138"/>
+      </p:ext>
+    </p:extLst>
+  </p:cSld>
+  <p:clrMapOvr>
+    <a:masterClrMapping/>
+  </p:clrMapOvr>
+</p:sld>
+</file>
+
+<file path=ppt/slides/slide12.xml><?xml version="1.0" encoding="utf-8"?>
+<p:sld xmlns:a="http://schemas.openxmlformats.org/drawingml/2006/main" xmlns:r="http://schemas.openxmlformats.org/officeDocument/2006/relationships" xmlns:p="http://schemas.openxmlformats.org/presentationml/2006/main">
+  <p:cSld>
+    <p:spTree>
+      <p:nvGrpSpPr>
+        <p:cNvPr id="1" name="">
+          <a:extLst>
+            <a:ext uri="{FF2B5EF4-FFF2-40B4-BE49-F238E27FC236}">
+              <a16:creationId xmlns:a16="http://schemas.microsoft.com/office/drawing/2014/main" id="{564E2547-6F90-0B38-32D2-DC101EC61968}"/>
+            </a:ext>
+          </a:extLst>
+        </p:cNvPr>
+        <p:cNvGrpSpPr/>
+        <p:nvPr/>
+      </p:nvGrpSpPr>
+      <p:grpSpPr>
+        <a:xfrm>
+          <a:off x="0" y="0"/>
+          <a:ext cx="0" cy="0"/>
+          <a:chOff x="0" y="0"/>
+          <a:chExt cx="0" cy="0"/>
+        </a:xfrm>
+      </p:grpSpPr>
+      <p:sp>
+        <p:nvSpPr>
+          <p:cNvPr id="2" name="Titolo 1">
+            <a:extLst>
+              <a:ext uri="{FF2B5EF4-FFF2-40B4-BE49-F238E27FC236}">
+                <a16:creationId xmlns:a16="http://schemas.microsoft.com/office/drawing/2014/main" id="{8C7B4CD6-C975-FD6D-2A07-51911EDC31DD}"/>
+              </a:ext>
+            </a:extLst>
+          </p:cNvPr>
+          <p:cNvSpPr>
+            <a:spLocks noGrp="1"/>
+          </p:cNvSpPr>
+          <p:nvPr>
+            <p:ph type="title"/>
+          </p:nvPr>
+        </p:nvSpPr>
+        <p:spPr/>
+        <p:txBody>
+          <a:bodyPr/>
+          <a:lstStyle/>
+          <a:p>
+            <a:r>
+              <a:rPr lang="it-IT" dirty="0"/>
+              <a:t>Progettazione – Design Patterns Utilizzati</a:t>
+            </a:r>
+          </a:p>
+        </p:txBody>
+      </p:sp>
+      <p:sp>
+        <p:nvSpPr>
+          <p:cNvPr id="4" name="Segnaposto data 3">
+            <a:extLst>
+              <a:ext uri="{FF2B5EF4-FFF2-40B4-BE49-F238E27FC236}">
+                <a16:creationId xmlns:a16="http://schemas.microsoft.com/office/drawing/2014/main" id="{60D1336E-42A3-47D9-AE3B-C47CCC12C34D}"/>
+              </a:ext>
+            </a:extLst>
+          </p:cNvPr>
+          <p:cNvSpPr>
+            <a:spLocks noGrp="1"/>
+          </p:cNvSpPr>
+          <p:nvPr>
+            <p:ph type="dt" sz="half" idx="10"/>
+          </p:nvPr>
+        </p:nvSpPr>
+        <p:spPr>
+          <a:xfrm>
+            <a:off x="8766009" y="4784562"/>
+            <a:ext cx="2844799" cy="365125"/>
+          </a:xfrm>
+        </p:spPr>
+        <p:txBody>
+          <a:bodyPr/>
+          <a:lstStyle/>
+          <a:p>
+            <a:pPr rtl="0"/>
+            <a:r>
+              <a:rPr lang="it-IT"/>
+              <a:t>    </a:t>
+            </a:r>
+            <a:endParaRPr lang="en-US" dirty="0"/>
+          </a:p>
+        </p:txBody>
+      </p:sp>
+      <p:sp>
+        <p:nvSpPr>
+          <p:cNvPr id="5" name="CasellaDiTesto 4">
+            <a:extLst>
+              <a:ext uri="{FF2B5EF4-FFF2-40B4-BE49-F238E27FC236}">
+                <a16:creationId xmlns:a16="http://schemas.microsoft.com/office/drawing/2014/main" id="{79A18D63-6262-AB22-DF56-FC5F4CAB6422}"/>
+              </a:ext>
+            </a:extLst>
+          </p:cNvPr>
+          <p:cNvSpPr txBox="1"/>
+          <p:nvPr/>
+        </p:nvSpPr>
+        <p:spPr>
+          <a:xfrm>
+            <a:off x="581190" y="2245405"/>
+            <a:ext cx="8001333" cy="3693319"/>
+          </a:xfrm>
+          <a:prstGeom prst="rect">
+            <a:avLst/>
+          </a:prstGeom>
+          <a:noFill/>
+        </p:spPr>
+        <p:txBody>
+          <a:bodyPr wrap="square" rtlCol="0">
+            <a:spAutoFit/>
+          </a:bodyPr>
+          <a:lstStyle/>
+          <a:p>
+            <a:pPr marL="285750" indent="-285750">
+              <a:buFont typeface="Arial" panose="020B0604020202020204" pitchFamily="34" charset="0"/>
+              <a:buChar char="•"/>
+            </a:pPr>
+            <a:r>
+              <a:rPr lang="it-IT" b="1" dirty="0">
+                <a:effectLst/>
+              </a:rPr>
+              <a:t>Model-</a:t>
+            </a:r>
+            <a:r>
+              <a:rPr lang="it-IT" b="1" dirty="0" err="1">
+                <a:effectLst/>
+              </a:rPr>
+              <a:t>View</a:t>
+            </a:r>
+            <a:r>
+              <a:rPr lang="it-IT" b="1" dirty="0">
+                <a:effectLst/>
+              </a:rPr>
+              <a:t>-Controller (MVC): </a:t>
+            </a:r>
+            <a:r>
+              <a:rPr lang="it-IT" dirty="0">
+                <a:effectLst/>
+              </a:rPr>
+              <a:t>utilizzato all’ interno dei controller del progetto. dove il controller gestisce le richieste HTTP, chiama il servizio appropriato e restituisce una risposta</a:t>
+            </a:r>
+            <a:br>
+              <a:rPr lang="it-IT" dirty="0">
+                <a:effectLst/>
+              </a:rPr>
+            </a:br>
+            <a:endParaRPr lang="it-IT" dirty="0">
+              <a:effectLst/>
+            </a:endParaRPr>
+          </a:p>
+          <a:p>
+            <a:pPr marL="285750" indent="-285750">
+              <a:buFont typeface="Arial" panose="020B0604020202020204" pitchFamily="34" charset="0"/>
+              <a:buChar char="•"/>
+            </a:pPr>
+            <a:r>
+              <a:rPr lang="it-IT" b="1" dirty="0"/>
+              <a:t>Repository Pattern: </a:t>
+            </a:r>
+            <a:r>
+              <a:rPr lang="it-IT" dirty="0"/>
+              <a:t>utilizzo i repository per implementare le interfacce che estendono </a:t>
+            </a:r>
+            <a:r>
+              <a:rPr lang="it-IT" dirty="0" err="1"/>
+              <a:t>JPARepository</a:t>
+            </a:r>
+            <a:r>
+              <a:rPr lang="it-IT" dirty="0"/>
+              <a:t>, separando la logica di accesso ai dati</a:t>
+            </a:r>
+            <a:br>
+              <a:rPr lang="it-IT" dirty="0"/>
+            </a:br>
+            <a:endParaRPr lang="it-IT" dirty="0"/>
+          </a:p>
+          <a:p>
+            <a:pPr marL="285750" indent="-285750">
+              <a:buFont typeface="Arial" panose="020B0604020202020204" pitchFamily="34" charset="0"/>
+              <a:buChar char="•"/>
+            </a:pPr>
+            <a:r>
+              <a:rPr lang="it-IT" b="1" dirty="0">
+                <a:effectLst/>
+              </a:rPr>
+              <a:t>Mapper Pattern: </a:t>
+            </a:r>
+            <a:r>
+              <a:rPr lang="it-IT" dirty="0">
+                <a:effectLst/>
+              </a:rPr>
+              <a:t>per gestire la conversione tra oggetti DTO e oggetti di modello. </a:t>
+            </a:r>
+            <a:r>
+              <a:rPr lang="it-IT" dirty="0"/>
+              <a:t>P</a:t>
+            </a:r>
+            <a:r>
+              <a:rPr lang="it-IT" dirty="0">
+                <a:effectLst/>
+              </a:rPr>
+              <a:t>attern di mappatura che aiuta a mantenere separati i modelli di dominio dai modelli di presentazione</a:t>
+            </a:r>
+          </a:p>
+          <a:p>
+            <a:pPr marL="285750" indent="-285750">
+              <a:buFont typeface="Arial" panose="020B0604020202020204" pitchFamily="34" charset="0"/>
+              <a:buChar char="•"/>
+            </a:pPr>
+            <a:endParaRPr lang="it-IT" dirty="0">
+              <a:effectLst/>
+            </a:endParaRPr>
+          </a:p>
+          <a:p>
+            <a:br>
+              <a:rPr lang="it-IT" b="0" i="0" dirty="0">
+                <a:solidFill>
+                  <a:srgbClr val="5D6879"/>
+                </a:solidFill>
+                <a:effectLst/>
+                <a:latin typeface="Lato" panose="020B0604020202020204" pitchFamily="34" charset="0"/>
+              </a:rPr>
+            </a:br>
+            <a:endParaRPr lang="it-IT" dirty="0"/>
+          </a:p>
+        </p:txBody>
+      </p:sp>
+      <p:pic>
+        <p:nvPicPr>
+          <p:cNvPr id="7" name="Immagine 6">
+            <a:extLst>
+              <a:ext uri="{FF2B5EF4-FFF2-40B4-BE49-F238E27FC236}">
+                <a16:creationId xmlns:a16="http://schemas.microsoft.com/office/drawing/2014/main" id="{6698A109-1EEF-F0F5-37FF-9EC28CF2B9FD}"/>
+              </a:ext>
+            </a:extLst>
+          </p:cNvPr>
+          <p:cNvPicPr>
+            <a:picLocks noChangeAspect="1"/>
+          </p:cNvPicPr>
+          <p:nvPr/>
+        </p:nvPicPr>
+        <p:blipFill>
+          <a:blip r:embed="rId2">
+            <a:extLst>
+              <a:ext uri="{28A0092B-C50C-407E-A947-70E740481C1C}">
+                <a14:useLocalDpi xmlns:a14="http://schemas.microsoft.com/office/drawing/2010/main" val="0"/>
+              </a:ext>
+            </a:extLst>
+          </a:blip>
+          <a:stretch>
+            <a:fillRect/>
+          </a:stretch>
+        </p:blipFill>
+        <p:spPr>
+          <a:xfrm>
+            <a:off x="8134183" y="1890876"/>
+            <a:ext cx="3476625" cy="3810000"/>
+          </a:xfrm>
+          <a:prstGeom prst="rect">
+            <a:avLst/>
+          </a:prstGeom>
+        </p:spPr>
+      </p:pic>
+      <p:sp>
+        <p:nvSpPr>
+          <p:cNvPr id="8" name="Segnaposto numero diapositiva 7">
+            <a:extLst>
+              <a:ext uri="{FF2B5EF4-FFF2-40B4-BE49-F238E27FC236}">
+                <a16:creationId xmlns:a16="http://schemas.microsoft.com/office/drawing/2014/main" id="{C423A547-6614-6767-1688-30944C76FDBB}"/>
+              </a:ext>
+            </a:extLst>
+          </p:cNvPr>
+          <p:cNvSpPr>
+            <a:spLocks noGrp="1"/>
+          </p:cNvSpPr>
+          <p:nvPr>
+            <p:ph type="sldNum" sz="quarter" idx="12"/>
+          </p:nvPr>
+        </p:nvSpPr>
+        <p:spPr/>
+        <p:txBody>
+          <a:bodyPr/>
+          <a:lstStyle/>
+          <a:p>
+            <a:pPr rtl="0"/>
+            <a:fld id="{3A98EE3D-8CD1-4C3F-BD1C-C98C9596463C}" type="slidenum">
+              <a:rPr lang="en-US" smtClean="0"/>
+              <a:t>12</a:t>
+            </a:fld>
+            <a:endParaRPr lang="en-US" dirty="0"/>
+          </a:p>
+        </p:txBody>
+      </p:sp>
+    </p:spTree>
+    <p:extLst>
+      <p:ext uri="{BB962C8B-B14F-4D97-AF65-F5344CB8AC3E}">
+        <p14:creationId xmlns:p14="http://schemas.microsoft.com/office/powerpoint/2010/main" val="2616922299"/>
       </p:ext>
     </p:extLst>
   </p:cSld>
@@ -8006,6 +8335,13 @@
             <a:schemeClr val="lt1"/>
           </a:fontRef>
         </p:style>
+        <p:txBody>
+          <a:bodyPr/>
+          <a:lstStyle/>
+          <a:p>
+            <a:endParaRPr lang="it-IT"/>
+          </a:p>
+        </p:txBody>
       </p:sp>
       <p:sp>
         <p:nvSpPr>
@@ -8060,6 +8396,13 @@
             <a:schemeClr val="lt1"/>
           </a:fontRef>
         </p:style>
+        <p:txBody>
+          <a:bodyPr/>
+          <a:lstStyle/>
+          <a:p>
+            <a:endParaRPr lang="it-IT"/>
+          </a:p>
+        </p:txBody>
       </p:sp>
       <p:sp>
         <p:nvSpPr>
@@ -8114,6 +8457,13 @@
             <a:schemeClr val="lt1"/>
           </a:fontRef>
         </p:style>
+        <p:txBody>
+          <a:bodyPr/>
+          <a:lstStyle/>
+          <a:p>
+            <a:endParaRPr lang="it-IT"/>
+          </a:p>
+        </p:txBody>
       </p:sp>
       <p:pic>
         <p:nvPicPr>

--- a/Presentazione/presentazione TaxiToGo.pptx
+++ b/Presentazione/presentazione TaxiToGo.pptx
@@ -5,10 +5,10 @@
     <p:sldMasterId id="2147483712" r:id="rId1"/>
   </p:sldMasterIdLst>
   <p:notesMasterIdLst>
-    <p:notesMasterId r:id="rId14"/>
+    <p:notesMasterId r:id="rId15"/>
   </p:notesMasterIdLst>
   <p:handoutMasterIdLst>
-    <p:handoutMasterId r:id="rId15"/>
+    <p:handoutMasterId r:id="rId16"/>
   </p:handoutMasterIdLst>
   <p:sldIdLst>
     <p:sldId id="257" r:id="rId2"/>
@@ -23,6 +23,7 @@
     <p:sldId id="270" r:id="rId11"/>
     <p:sldId id="271" r:id="rId12"/>
     <p:sldId id="272" r:id="rId13"/>
+    <p:sldId id="273" r:id="rId14"/>
   </p:sldIdLst>
   <p:sldSz cx="12192000" cy="6858000"/>
   <p:notesSz cx="6858000" cy="9144000"/>
@@ -7097,6 +7098,406 @@
     <p:extLst>
       <p:ext uri="{BB962C8B-B14F-4D97-AF65-F5344CB8AC3E}">
         <p14:creationId xmlns:p14="http://schemas.microsoft.com/office/powerpoint/2010/main" val="2616922299"/>
+      </p:ext>
+    </p:extLst>
+  </p:cSld>
+  <p:clrMapOvr>
+    <a:masterClrMapping/>
+  </p:clrMapOvr>
+</p:sld>
+</file>
+
+<file path=ppt/slides/slide13.xml><?xml version="1.0" encoding="utf-8"?>
+<p:sld xmlns:a="http://schemas.openxmlformats.org/drawingml/2006/main" xmlns:r="http://schemas.openxmlformats.org/officeDocument/2006/relationships" xmlns:p="http://schemas.openxmlformats.org/presentationml/2006/main">
+  <p:cSld>
+    <p:spTree>
+      <p:nvGrpSpPr>
+        <p:cNvPr id="1" name="">
+          <a:extLst>
+            <a:ext uri="{FF2B5EF4-FFF2-40B4-BE49-F238E27FC236}">
+              <a16:creationId xmlns:a16="http://schemas.microsoft.com/office/drawing/2014/main" id="{2D57A686-B9BE-FE8B-17D4-92C2F41CEB84}"/>
+            </a:ext>
+          </a:extLst>
+        </p:cNvPr>
+        <p:cNvGrpSpPr/>
+        <p:nvPr/>
+      </p:nvGrpSpPr>
+      <p:grpSpPr>
+        <a:xfrm>
+          <a:off x="0" y="0"/>
+          <a:ext cx="0" cy="0"/>
+          <a:chOff x="0" y="0"/>
+          <a:chExt cx="0" cy="0"/>
+        </a:xfrm>
+      </p:grpSpPr>
+      <p:sp>
+        <p:nvSpPr>
+          <p:cNvPr id="2" name="Titolo 1">
+            <a:extLst>
+              <a:ext uri="{FF2B5EF4-FFF2-40B4-BE49-F238E27FC236}">
+                <a16:creationId xmlns:a16="http://schemas.microsoft.com/office/drawing/2014/main" id="{4B60B2D4-FCB3-5B66-1D3E-BB423044106F}"/>
+              </a:ext>
+            </a:extLst>
+          </p:cNvPr>
+          <p:cNvSpPr>
+            <a:spLocks noGrp="1"/>
+          </p:cNvSpPr>
+          <p:nvPr>
+            <p:ph type="title"/>
+          </p:nvPr>
+        </p:nvSpPr>
+        <p:spPr/>
+        <p:txBody>
+          <a:bodyPr/>
+          <a:lstStyle/>
+          <a:p>
+            <a:r>
+              <a:rPr lang="it-IT" dirty="0"/>
+              <a:t>Progettazione – Design Patterns Utilizzati</a:t>
+            </a:r>
+          </a:p>
+        </p:txBody>
+      </p:sp>
+      <p:sp>
+        <p:nvSpPr>
+          <p:cNvPr id="4" name="Segnaposto data 3">
+            <a:extLst>
+              <a:ext uri="{FF2B5EF4-FFF2-40B4-BE49-F238E27FC236}">
+                <a16:creationId xmlns:a16="http://schemas.microsoft.com/office/drawing/2014/main" id="{D2B0C686-E2CE-516A-9530-F3618A5F5727}"/>
+              </a:ext>
+            </a:extLst>
+          </p:cNvPr>
+          <p:cNvSpPr>
+            <a:spLocks noGrp="1"/>
+          </p:cNvSpPr>
+          <p:nvPr>
+            <p:ph type="dt" sz="half" idx="10"/>
+          </p:nvPr>
+        </p:nvSpPr>
+        <p:spPr>
+          <a:xfrm>
+            <a:off x="8766009" y="4784562"/>
+            <a:ext cx="2844799" cy="365125"/>
+          </a:xfrm>
+        </p:spPr>
+        <p:txBody>
+          <a:bodyPr/>
+          <a:lstStyle/>
+          <a:p>
+            <a:pPr rtl="0"/>
+            <a:r>
+              <a:rPr lang="it-IT"/>
+              <a:t>    </a:t>
+            </a:r>
+            <a:endParaRPr lang="en-US" dirty="0"/>
+          </a:p>
+        </p:txBody>
+      </p:sp>
+      <p:sp>
+        <p:nvSpPr>
+          <p:cNvPr id="5" name="CasellaDiTesto 4">
+            <a:extLst>
+              <a:ext uri="{FF2B5EF4-FFF2-40B4-BE49-F238E27FC236}">
+                <a16:creationId xmlns:a16="http://schemas.microsoft.com/office/drawing/2014/main" id="{F2B5D141-53E6-70C9-FECC-7F3F4D39C4D8}"/>
+              </a:ext>
+            </a:extLst>
+          </p:cNvPr>
+          <p:cNvSpPr txBox="1"/>
+          <p:nvPr/>
+        </p:nvSpPr>
+        <p:spPr>
+          <a:xfrm>
+            <a:off x="581190" y="2245405"/>
+            <a:ext cx="8001333" cy="3693319"/>
+          </a:xfrm>
+          <a:prstGeom prst="rect">
+            <a:avLst/>
+          </a:prstGeom>
+          <a:noFill/>
+        </p:spPr>
+        <p:txBody>
+          <a:bodyPr wrap="square" rtlCol="0">
+            <a:spAutoFit/>
+          </a:bodyPr>
+          <a:lstStyle/>
+          <a:p>
+            <a:pPr marL="285750" indent="-285750">
+              <a:buFont typeface="Arial" panose="020B0604020202020204" pitchFamily="34" charset="0"/>
+              <a:buChar char="•"/>
+            </a:pPr>
+            <a:r>
+              <a:rPr lang="it-IT" b="1" dirty="0"/>
+              <a:t>Observer</a:t>
+            </a:r>
+            <a:r>
+              <a:rPr lang="it-IT" b="1" dirty="0">
+                <a:effectLst/>
+              </a:rPr>
+              <a:t>: </a:t>
+            </a:r>
+            <a:r>
+              <a:rPr lang="it-IT" dirty="0">
+                <a:effectLst/>
+              </a:rPr>
+              <a:t>la classe </a:t>
+            </a:r>
+            <a:r>
+              <a:rPr lang="it-IT" dirty="0" err="1">
+                <a:effectLst/>
+              </a:rPr>
+              <a:t>emailListener</a:t>
+            </a:r>
+            <a:r>
+              <a:rPr lang="it-IT" dirty="0">
+                <a:effectLst/>
+              </a:rPr>
+              <a:t> implementa l’interfaccia «</a:t>
+            </a:r>
+            <a:r>
+              <a:rPr lang="it-IT" dirty="0" err="1">
+                <a:effectLst/>
+              </a:rPr>
+              <a:t>MessageCountListener</a:t>
+            </a:r>
+            <a:r>
+              <a:rPr lang="it-IT" dirty="0">
+                <a:effectLst/>
+              </a:rPr>
+              <a:t>», </a:t>
+            </a:r>
+            <a:r>
+              <a:rPr lang="it-IT" dirty="0" err="1">
+                <a:effectLst/>
+              </a:rPr>
+              <a:t>EmailListener</a:t>
+            </a:r>
+            <a:r>
+              <a:rPr lang="it-IT" dirty="0">
+                <a:effectLst/>
+              </a:rPr>
+              <a:t> in questo caso osserva i cambiamenti nel conteggio dei messaggi nella cartella IMAP.</a:t>
+            </a:r>
+            <a:br>
+              <a:rPr lang="it-IT" dirty="0">
+                <a:effectLst/>
+              </a:rPr>
+            </a:br>
+            <a:endParaRPr lang="it-IT" dirty="0">
+              <a:effectLst/>
+            </a:endParaRPr>
+          </a:p>
+          <a:p>
+            <a:pPr marL="285750" indent="-285750">
+              <a:buFont typeface="Arial" panose="020B0604020202020204" pitchFamily="34" charset="0"/>
+              <a:buChar char="•"/>
+            </a:pPr>
+            <a:r>
+              <a:rPr lang="it-IT" b="1" dirty="0"/>
+              <a:t>Strategy: </a:t>
+            </a:r>
+            <a:r>
+              <a:rPr lang="it-IT" dirty="0"/>
+              <a:t>nel metodo </a:t>
+            </a:r>
+            <a:r>
+              <a:rPr lang="it-IT" dirty="0" err="1"/>
+              <a:t>extractTextFromMultipart</a:t>
+            </a:r>
+            <a:r>
+              <a:rPr lang="it-IT" dirty="0"/>
+              <a:t> di </a:t>
+            </a:r>
+            <a:r>
+              <a:rPr lang="it-IT" dirty="0" err="1"/>
+              <a:t>EmailListener</a:t>
+            </a:r>
+            <a:r>
+              <a:rPr lang="it-IT" dirty="0"/>
+              <a:t> il codice varia in base al tipo di contenuto (</a:t>
+            </a:r>
+            <a:r>
+              <a:rPr lang="it-IT" dirty="0" err="1"/>
+              <a:t>plain</a:t>
+            </a:r>
+            <a:r>
+              <a:rPr lang="it-IT" dirty="0"/>
+              <a:t> text, html o </a:t>
+            </a:r>
+            <a:r>
+              <a:rPr lang="it-IT" dirty="0" err="1"/>
+              <a:t>multipart</a:t>
+            </a:r>
+            <a:r>
+              <a:rPr lang="it-IT" dirty="0"/>
+              <a:t>).</a:t>
+            </a:r>
+          </a:p>
+          <a:p>
+            <a:pPr marL="285750" indent="-285750">
+              <a:buFont typeface="Arial" panose="020B0604020202020204" pitchFamily="34" charset="0"/>
+              <a:buChar char="•"/>
+            </a:pPr>
+            <a:endParaRPr lang="it-IT" dirty="0"/>
+          </a:p>
+          <a:p>
+            <a:pPr marL="285750" indent="-285750">
+              <a:buFont typeface="Arial" panose="020B0604020202020204" pitchFamily="34" charset="0"/>
+              <a:buChar char="•"/>
+            </a:pPr>
+            <a:r>
+              <a:rPr lang="it-IT" b="1" dirty="0" err="1"/>
+              <a:t>Dependency</a:t>
+            </a:r>
+            <a:r>
+              <a:rPr lang="it-IT" dirty="0"/>
+              <a:t> </a:t>
+            </a:r>
+            <a:r>
+              <a:rPr lang="it-IT" b="1" dirty="0"/>
+              <a:t>Injection</a:t>
+            </a:r>
+            <a:r>
+              <a:rPr lang="it-IT" dirty="0"/>
+              <a:t>:  utilizzando le </a:t>
+            </a:r>
+            <a:r>
+              <a:rPr lang="it-IT" dirty="0" err="1"/>
+              <a:t>annotation</a:t>
+            </a:r>
+            <a:r>
+              <a:rPr lang="it-IT" dirty="0"/>
+              <a:t> @</a:t>
+            </a:r>
+            <a:r>
+              <a:rPr lang="it-IT" dirty="0" err="1"/>
+              <a:t>Autowired</a:t>
+            </a:r>
+            <a:r>
+              <a:rPr lang="it-IT" dirty="0"/>
+              <a:t>, andando ad iniettare </a:t>
+            </a:r>
+            <a:r>
+              <a:rPr lang="it-IT" dirty="0" err="1"/>
+              <a:t>automaticamnte</a:t>
+            </a:r>
+            <a:r>
+              <a:rPr lang="it-IT" dirty="0"/>
+              <a:t> l’istanza </a:t>
+            </a:r>
+            <a:r>
+              <a:rPr lang="it-IT" dirty="0" err="1"/>
+              <a:t>EmailService</a:t>
+            </a:r>
+            <a:r>
+              <a:rPr lang="it-IT" dirty="0"/>
+              <a:t> quando viene </a:t>
+            </a:r>
+            <a:r>
+              <a:rPr lang="it-IT" dirty="0" err="1"/>
+              <a:t>instanziato</a:t>
+            </a:r>
+            <a:r>
+              <a:rPr lang="it-IT" dirty="0"/>
+              <a:t> l’</a:t>
+            </a:r>
+            <a:r>
+              <a:rPr lang="it-IT" dirty="0" err="1"/>
+              <a:t>emailListener</a:t>
+            </a:r>
+            <a:r>
+              <a:rPr lang="it-IT" dirty="0"/>
+              <a:t>.</a:t>
+            </a:r>
+          </a:p>
+          <a:p>
+            <a:endParaRPr lang="it-IT" dirty="0">
+              <a:effectLst/>
+            </a:endParaRPr>
+          </a:p>
+          <a:p>
+            <a:br>
+              <a:rPr lang="it-IT" b="0" i="0" dirty="0">
+                <a:solidFill>
+                  <a:srgbClr val="5D6879"/>
+                </a:solidFill>
+                <a:effectLst/>
+                <a:latin typeface="Lato" panose="020B0604020202020204" pitchFamily="34" charset="0"/>
+              </a:rPr>
+            </a:br>
+            <a:endParaRPr lang="it-IT" dirty="0"/>
+          </a:p>
+        </p:txBody>
+      </p:sp>
+      <p:pic>
+        <p:nvPicPr>
+          <p:cNvPr id="7" name="Immagine 6">
+            <a:extLst>
+              <a:ext uri="{FF2B5EF4-FFF2-40B4-BE49-F238E27FC236}">
+                <a16:creationId xmlns:a16="http://schemas.microsoft.com/office/drawing/2014/main" id="{3E395350-D468-E144-9120-8E1C2B507C9F}"/>
+              </a:ext>
+            </a:extLst>
+          </p:cNvPr>
+          <p:cNvPicPr>
+            <a:picLocks noChangeAspect="1"/>
+          </p:cNvPicPr>
+          <p:nvPr/>
+        </p:nvPicPr>
+        <p:blipFill>
+          <a:blip r:embed="rId2">
+            <a:extLst>
+              <a:ext uri="{28A0092B-C50C-407E-A947-70E740481C1C}">
+                <a14:useLocalDpi xmlns:a14="http://schemas.microsoft.com/office/drawing/2010/main" val="0"/>
+              </a:ext>
+            </a:extLst>
+          </a:blip>
+          <a:stretch>
+            <a:fillRect/>
+          </a:stretch>
+        </p:blipFill>
+        <p:spPr>
+          <a:xfrm>
+            <a:off x="8134183" y="1890876"/>
+            <a:ext cx="3476625" cy="3810000"/>
+          </a:xfrm>
+          <a:prstGeom prst="rect">
+            <a:avLst/>
+          </a:prstGeom>
+        </p:spPr>
+      </p:pic>
+      <p:sp>
+        <p:nvSpPr>
+          <p:cNvPr id="8" name="Segnaposto numero diapositiva 7">
+            <a:extLst>
+              <a:ext uri="{FF2B5EF4-FFF2-40B4-BE49-F238E27FC236}">
+                <a16:creationId xmlns:a16="http://schemas.microsoft.com/office/drawing/2014/main" id="{61003198-77B3-3609-1530-B55D048F5AE1}"/>
+              </a:ext>
+            </a:extLst>
+          </p:cNvPr>
+          <p:cNvSpPr>
+            <a:spLocks noGrp="1"/>
+          </p:cNvSpPr>
+          <p:nvPr>
+            <p:ph type="sldNum" sz="quarter" idx="12"/>
+          </p:nvPr>
+        </p:nvSpPr>
+        <p:spPr/>
+        <p:txBody>
+          <a:bodyPr/>
+          <a:lstStyle/>
+          <a:p>
+            <a:pPr rtl="0"/>
+            <a:fld id="{3A98EE3D-8CD1-4C3F-BD1C-C98C9596463C}" type="slidenum">
+              <a:rPr lang="en-US" smtClean="0"/>
+              <a:t>13</a:t>
+            </a:fld>
+            <a:endParaRPr lang="en-US" dirty="0"/>
+          </a:p>
+        </p:txBody>
+      </p:sp>
+    </p:spTree>
+    <p:extLst>
+      <p:ext uri="{BB962C8B-B14F-4D97-AF65-F5344CB8AC3E}">
+        <p14:creationId xmlns:p14="http://schemas.microsoft.com/office/powerpoint/2010/main" val="831359135"/>
       </p:ext>
     </p:extLst>
   </p:cSld>

--- a/Presentazione/presentazione TaxiToGo.pptx
+++ b/Presentazione/presentazione TaxiToGo.pptx
@@ -5,25 +5,26 @@
     <p:sldMasterId id="2147483712" r:id="rId1"/>
   </p:sldMasterIdLst>
   <p:notesMasterIdLst>
-    <p:notesMasterId r:id="rId15"/>
+    <p:notesMasterId r:id="rId16"/>
   </p:notesMasterIdLst>
   <p:handoutMasterIdLst>
-    <p:handoutMasterId r:id="rId16"/>
+    <p:handoutMasterId r:id="rId17"/>
   </p:handoutMasterIdLst>
   <p:sldIdLst>
     <p:sldId id="257" r:id="rId2"/>
     <p:sldId id="258" r:id="rId3"/>
     <p:sldId id="261" r:id="rId4"/>
-    <p:sldId id="262" r:id="rId5"/>
-    <p:sldId id="264" r:id="rId6"/>
-    <p:sldId id="263" r:id="rId7"/>
-    <p:sldId id="265" r:id="rId8"/>
-    <p:sldId id="266" r:id="rId9"/>
-    <p:sldId id="269" r:id="rId10"/>
-    <p:sldId id="270" r:id="rId11"/>
-    <p:sldId id="271" r:id="rId12"/>
-    <p:sldId id="272" r:id="rId13"/>
-    <p:sldId id="273" r:id="rId14"/>
+    <p:sldId id="264" r:id="rId5"/>
+    <p:sldId id="263" r:id="rId6"/>
+    <p:sldId id="265" r:id="rId7"/>
+    <p:sldId id="266" r:id="rId8"/>
+    <p:sldId id="274" r:id="rId9"/>
+    <p:sldId id="270" r:id="rId10"/>
+    <p:sldId id="275" r:id="rId11"/>
+    <p:sldId id="276" r:id="rId12"/>
+    <p:sldId id="277" r:id="rId13"/>
+    <p:sldId id="271" r:id="rId14"/>
+    <p:sldId id="272" r:id="rId15"/>
   </p:sldIdLst>
   <p:sldSz cx="12192000" cy="6858000"/>
   <p:notesSz cx="6858000" cy="9144000"/>
@@ -133,1119 +134,6 @@
 </p:presentation>
 </file>
 
-<file path=ppt/charts/chart1.xml><?xml version="1.0" encoding="utf-8"?>
-<c:chartSpace xmlns:c="http://schemas.openxmlformats.org/drawingml/2006/chart" xmlns:a="http://schemas.openxmlformats.org/drawingml/2006/main" xmlns:r="http://schemas.openxmlformats.org/officeDocument/2006/relationships" xmlns:c16r2="http://schemas.microsoft.com/office/drawing/2015/06/chart">
-  <c:date1904 val="0"/>
-  <c:lang val="it-IT"/>
-  <c:roundedCorners val="0"/>
-  <mc:AlternateContent xmlns:mc="http://schemas.openxmlformats.org/markup-compatibility/2006">
-    <mc:Choice xmlns:c14="http://schemas.microsoft.com/office/drawing/2007/8/2/chart" Requires="c14">
-      <c14:style val="102"/>
-    </mc:Choice>
-    <mc:Fallback>
-      <c:style val="2"/>
-    </mc:Fallback>
-  </mc:AlternateContent>
-  <c:chart>
-    <c:title>
-      <c:tx>
-        <c:rich>
-          <a:bodyPr rot="0" spcFirstLastPara="1" vertOverflow="ellipsis" vert="horz" wrap="square" anchor="ctr" anchorCtr="1"/>
-          <a:lstStyle/>
-          <a:p>
-            <a:pPr>
-              <a:defRPr sz="1862" b="0" i="0" u="none" strike="noStrike" kern="1200" spc="0" baseline="0">
-                <a:solidFill>
-                  <a:schemeClr val="tx1">
-                    <a:lumMod val="65000"/>
-                    <a:lumOff val="35000"/>
-                  </a:schemeClr>
-                </a:solidFill>
-                <a:latin typeface="+mn-lt"/>
-                <a:ea typeface="+mn-ea"/>
-                <a:cs typeface="+mn-cs"/>
-              </a:defRPr>
-            </a:pPr>
-            <a:r>
-              <a:rPr lang="it-IT" dirty="0" err="1"/>
-              <a:t>TaxiToGo</a:t>
-            </a:r>
-            <a:r>
-              <a:rPr lang="it-IT" baseline="0" dirty="0"/>
-              <a:t> </a:t>
-            </a:r>
-            <a:r>
-              <a:rPr lang="it-IT" baseline="0" dirty="0" err="1"/>
-              <a:t>FeedBack</a:t>
-            </a:r>
-            <a:endParaRPr lang="it-IT" dirty="0"/>
-          </a:p>
-        </c:rich>
-      </c:tx>
-      <c:overlay val="0"/>
-      <c:spPr>
-        <a:noFill/>
-        <a:ln>
-          <a:noFill/>
-        </a:ln>
-        <a:effectLst/>
-      </c:spPr>
-      <c:txPr>
-        <a:bodyPr rot="0" spcFirstLastPara="1" vertOverflow="ellipsis" vert="horz" wrap="square" anchor="ctr" anchorCtr="1"/>
-        <a:lstStyle/>
-        <a:p>
-          <a:pPr>
-            <a:defRPr sz="1862" b="0" i="0" u="none" strike="noStrike" kern="1200" spc="0" baseline="0">
-              <a:solidFill>
-                <a:schemeClr val="tx1">
-                  <a:lumMod val="65000"/>
-                  <a:lumOff val="35000"/>
-                </a:schemeClr>
-              </a:solidFill>
-              <a:latin typeface="+mn-lt"/>
-              <a:ea typeface="+mn-ea"/>
-              <a:cs typeface="+mn-cs"/>
-            </a:defRPr>
-          </a:pPr>
-          <a:endParaRPr lang="it-IT"/>
-        </a:p>
-      </c:txPr>
-    </c:title>
-    <c:autoTitleDeleted val="0"/>
-    <c:plotArea>
-      <c:layout/>
-      <c:barChart>
-        <c:barDir val="col"/>
-        <c:grouping val="clustered"/>
-        <c:varyColors val="0"/>
-        <c:ser>
-          <c:idx val="0"/>
-          <c:order val="0"/>
-          <c:tx>
-            <c:strRef>
-              <c:f>Foglio1!$B$1</c:f>
-              <c:strCache>
-                <c:ptCount val="1"/>
-                <c:pt idx="0">
-                  <c:v>Serie 1</c:v>
-                </c:pt>
-              </c:strCache>
-            </c:strRef>
-          </c:tx>
-          <c:spPr>
-            <a:solidFill>
-              <a:schemeClr val="accent1"/>
-            </a:solidFill>
-            <a:ln>
-              <a:noFill/>
-            </a:ln>
-            <a:effectLst/>
-          </c:spPr>
-          <c:invertIfNegative val="0"/>
-          <c:cat>
-            <c:strRef>
-              <c:f>Foglio1!$A$2:$A$5</c:f>
-              <c:strCache>
-                <c:ptCount val="4"/>
-                <c:pt idx="0">
-                  <c:v>Semplicità</c:v>
-                </c:pt>
-                <c:pt idx="1">
-                  <c:v>Velocità</c:v>
-                </c:pt>
-                <c:pt idx="2">
-                  <c:v>Smart</c:v>
-                </c:pt>
-                <c:pt idx="3">
-                  <c:v>Affidabilità</c:v>
-                </c:pt>
-              </c:strCache>
-            </c:strRef>
-          </c:cat>
-          <c:val>
-            <c:numRef>
-              <c:f>Foglio1!$B$2:$B$5</c:f>
-              <c:numCache>
-                <c:formatCode>General</c:formatCode>
-                <c:ptCount val="4"/>
-                <c:pt idx="0">
-                  <c:v>4.3</c:v>
-                </c:pt>
-                <c:pt idx="1">
-                  <c:v>2.5</c:v>
-                </c:pt>
-                <c:pt idx="2">
-                  <c:v>3.5</c:v>
-                </c:pt>
-                <c:pt idx="3">
-                  <c:v>4.5</c:v>
-                </c:pt>
-              </c:numCache>
-            </c:numRef>
-          </c:val>
-          <c:extLst>
-            <c:ext xmlns:c16="http://schemas.microsoft.com/office/drawing/2014/chart" uri="{C3380CC4-5D6E-409C-BE32-E72D297353CC}">
-              <c16:uniqueId val="{00000000-9094-4C38-B437-37096D13FD95}"/>
-            </c:ext>
-          </c:extLst>
-        </c:ser>
-        <c:ser>
-          <c:idx val="1"/>
-          <c:order val="1"/>
-          <c:tx>
-            <c:strRef>
-              <c:f>Foglio1!$C$1</c:f>
-              <c:strCache>
-                <c:ptCount val="1"/>
-                <c:pt idx="0">
-                  <c:v>Serie 2</c:v>
-                </c:pt>
-              </c:strCache>
-            </c:strRef>
-          </c:tx>
-          <c:spPr>
-            <a:solidFill>
-              <a:schemeClr val="accent2"/>
-            </a:solidFill>
-            <a:ln>
-              <a:noFill/>
-            </a:ln>
-            <a:effectLst/>
-          </c:spPr>
-          <c:invertIfNegative val="0"/>
-          <c:cat>
-            <c:strRef>
-              <c:f>Foglio1!$A$2:$A$5</c:f>
-              <c:strCache>
-                <c:ptCount val="4"/>
-                <c:pt idx="0">
-                  <c:v>Semplicità</c:v>
-                </c:pt>
-                <c:pt idx="1">
-                  <c:v>Velocità</c:v>
-                </c:pt>
-                <c:pt idx="2">
-                  <c:v>Smart</c:v>
-                </c:pt>
-                <c:pt idx="3">
-                  <c:v>Affidabilità</c:v>
-                </c:pt>
-              </c:strCache>
-            </c:strRef>
-          </c:cat>
-          <c:val>
-            <c:numRef>
-              <c:f>Foglio1!$C$2:$C$5</c:f>
-              <c:numCache>
-                <c:formatCode>General</c:formatCode>
-                <c:ptCount val="4"/>
-                <c:pt idx="0">
-                  <c:v>2.4</c:v>
-                </c:pt>
-                <c:pt idx="1">
-                  <c:v>4.4000000000000004</c:v>
-                </c:pt>
-                <c:pt idx="2">
-                  <c:v>1.8</c:v>
-                </c:pt>
-                <c:pt idx="3">
-                  <c:v>2.8</c:v>
-                </c:pt>
-              </c:numCache>
-            </c:numRef>
-          </c:val>
-          <c:extLst>
-            <c:ext xmlns:c16="http://schemas.microsoft.com/office/drawing/2014/chart" uri="{C3380CC4-5D6E-409C-BE32-E72D297353CC}">
-              <c16:uniqueId val="{00000001-9094-4C38-B437-37096D13FD95}"/>
-            </c:ext>
-          </c:extLst>
-        </c:ser>
-        <c:dLbls>
-          <c:showLegendKey val="0"/>
-          <c:showVal val="0"/>
-          <c:showCatName val="0"/>
-          <c:showSerName val="0"/>
-          <c:showPercent val="0"/>
-          <c:showBubbleSize val="0"/>
-        </c:dLbls>
-        <c:gapWidth val="219"/>
-        <c:overlap val="-27"/>
-        <c:axId val="460000304"/>
-        <c:axId val="460003216"/>
-      </c:barChart>
-      <c:lineChart>
-        <c:grouping val="standard"/>
-        <c:varyColors val="0"/>
-        <c:ser>
-          <c:idx val="2"/>
-          <c:order val="2"/>
-          <c:tx>
-            <c:strRef>
-              <c:f>Foglio1!$D$1</c:f>
-              <c:strCache>
-                <c:ptCount val="1"/>
-                <c:pt idx="0">
-                  <c:v>Serie 3</c:v>
-                </c:pt>
-              </c:strCache>
-            </c:strRef>
-          </c:tx>
-          <c:spPr>
-            <a:ln w="28575" cap="rnd">
-              <a:solidFill>
-                <a:schemeClr val="accent3"/>
-              </a:solidFill>
-              <a:round/>
-            </a:ln>
-            <a:effectLst/>
-          </c:spPr>
-          <c:marker>
-            <c:symbol val="none"/>
-          </c:marker>
-          <c:cat>
-            <c:strRef>
-              <c:f>Foglio1!$A$2:$A$5</c:f>
-              <c:strCache>
-                <c:ptCount val="4"/>
-                <c:pt idx="0">
-                  <c:v>Semplicità</c:v>
-                </c:pt>
-                <c:pt idx="1">
-                  <c:v>Velocità</c:v>
-                </c:pt>
-                <c:pt idx="2">
-                  <c:v>Smart</c:v>
-                </c:pt>
-                <c:pt idx="3">
-                  <c:v>Affidabilità</c:v>
-                </c:pt>
-              </c:strCache>
-            </c:strRef>
-          </c:cat>
-          <c:val>
-            <c:numRef>
-              <c:f>Foglio1!$D$2:$D$5</c:f>
-              <c:numCache>
-                <c:formatCode>General</c:formatCode>
-                <c:ptCount val="4"/>
-                <c:pt idx="0">
-                  <c:v>2</c:v>
-                </c:pt>
-                <c:pt idx="1">
-                  <c:v>2</c:v>
-                </c:pt>
-                <c:pt idx="2">
-                  <c:v>3</c:v>
-                </c:pt>
-                <c:pt idx="3">
-                  <c:v>5</c:v>
-                </c:pt>
-              </c:numCache>
-            </c:numRef>
-          </c:val>
-          <c:smooth val="0"/>
-          <c:extLst>
-            <c:ext xmlns:c16="http://schemas.microsoft.com/office/drawing/2014/chart" uri="{C3380CC4-5D6E-409C-BE32-E72D297353CC}">
-              <c16:uniqueId val="{00000002-9094-4C38-B437-37096D13FD95}"/>
-            </c:ext>
-          </c:extLst>
-        </c:ser>
-        <c:dLbls>
-          <c:showLegendKey val="0"/>
-          <c:showVal val="0"/>
-          <c:showCatName val="0"/>
-          <c:showSerName val="0"/>
-          <c:showPercent val="0"/>
-          <c:showBubbleSize val="0"/>
-        </c:dLbls>
-        <c:marker val="1"/>
-        <c:smooth val="0"/>
-        <c:axId val="418923520"/>
-        <c:axId val="418921856"/>
-      </c:lineChart>
-      <c:catAx>
-        <c:axId val="460000304"/>
-        <c:scaling>
-          <c:orientation val="minMax"/>
-        </c:scaling>
-        <c:delete val="0"/>
-        <c:axPos val="b"/>
-        <c:numFmt formatCode="General" sourceLinked="1"/>
-        <c:majorTickMark val="none"/>
-        <c:minorTickMark val="none"/>
-        <c:tickLblPos val="nextTo"/>
-        <c:spPr>
-          <a:noFill/>
-          <a:ln w="9525" cap="flat" cmpd="sng" algn="ctr">
-            <a:solidFill>
-              <a:schemeClr val="tx1">
-                <a:lumMod val="15000"/>
-                <a:lumOff val="85000"/>
-              </a:schemeClr>
-            </a:solidFill>
-            <a:round/>
-          </a:ln>
-          <a:effectLst/>
-        </c:spPr>
-        <c:txPr>
-          <a:bodyPr rot="-60000000" spcFirstLastPara="1" vertOverflow="ellipsis" vert="horz" wrap="square" anchor="ctr" anchorCtr="1"/>
-          <a:lstStyle/>
-          <a:p>
-            <a:pPr>
-              <a:defRPr sz="1197" b="0" i="0" u="none" strike="noStrike" kern="1200" baseline="0">
-                <a:solidFill>
-                  <a:schemeClr val="tx1">
-                    <a:lumMod val="65000"/>
-                    <a:lumOff val="35000"/>
-                  </a:schemeClr>
-                </a:solidFill>
-                <a:latin typeface="+mn-lt"/>
-                <a:ea typeface="+mn-ea"/>
-                <a:cs typeface="+mn-cs"/>
-              </a:defRPr>
-            </a:pPr>
-            <a:endParaRPr lang="it-IT"/>
-          </a:p>
-        </c:txPr>
-        <c:crossAx val="460003216"/>
-        <c:crosses val="autoZero"/>
-        <c:auto val="1"/>
-        <c:lblAlgn val="ctr"/>
-        <c:lblOffset val="100"/>
-        <c:noMultiLvlLbl val="0"/>
-      </c:catAx>
-      <c:valAx>
-        <c:axId val="460003216"/>
-        <c:scaling>
-          <c:orientation val="minMax"/>
-        </c:scaling>
-        <c:delete val="0"/>
-        <c:axPos val="l"/>
-        <c:majorGridlines>
-          <c:spPr>
-            <a:ln w="9525" cap="flat" cmpd="sng" algn="ctr">
-              <a:solidFill>
-                <a:schemeClr val="tx1">
-                  <a:lumMod val="15000"/>
-                  <a:lumOff val="85000"/>
-                </a:schemeClr>
-              </a:solidFill>
-              <a:round/>
-            </a:ln>
-            <a:effectLst/>
-          </c:spPr>
-        </c:majorGridlines>
-        <c:numFmt formatCode="General" sourceLinked="1"/>
-        <c:majorTickMark val="none"/>
-        <c:minorTickMark val="none"/>
-        <c:tickLblPos val="nextTo"/>
-        <c:spPr>
-          <a:noFill/>
-          <a:ln>
-            <a:noFill/>
-          </a:ln>
-          <a:effectLst/>
-        </c:spPr>
-        <c:txPr>
-          <a:bodyPr rot="-60000000" spcFirstLastPara="1" vertOverflow="ellipsis" vert="horz" wrap="square" anchor="ctr" anchorCtr="1"/>
-          <a:lstStyle/>
-          <a:p>
-            <a:pPr>
-              <a:defRPr sz="1197" b="0" i="0" u="none" strike="noStrike" kern="1200" baseline="0">
-                <a:solidFill>
-                  <a:schemeClr val="tx1">
-                    <a:lumMod val="65000"/>
-                    <a:lumOff val="35000"/>
-                  </a:schemeClr>
-                </a:solidFill>
-                <a:latin typeface="+mn-lt"/>
-                <a:ea typeface="+mn-ea"/>
-                <a:cs typeface="+mn-cs"/>
-              </a:defRPr>
-            </a:pPr>
-            <a:endParaRPr lang="it-IT"/>
-          </a:p>
-        </c:txPr>
-        <c:crossAx val="460000304"/>
-        <c:crosses val="autoZero"/>
-        <c:crossBetween val="between"/>
-      </c:valAx>
-      <c:valAx>
-        <c:axId val="418921856"/>
-        <c:scaling>
-          <c:orientation val="minMax"/>
-        </c:scaling>
-        <c:delete val="0"/>
-        <c:axPos val="r"/>
-        <c:numFmt formatCode="General" sourceLinked="1"/>
-        <c:majorTickMark val="out"/>
-        <c:minorTickMark val="none"/>
-        <c:tickLblPos val="nextTo"/>
-        <c:spPr>
-          <a:noFill/>
-          <a:ln>
-            <a:noFill/>
-          </a:ln>
-          <a:effectLst/>
-        </c:spPr>
-        <c:txPr>
-          <a:bodyPr rot="-60000000" spcFirstLastPara="1" vertOverflow="ellipsis" vert="horz" wrap="square" anchor="ctr" anchorCtr="1"/>
-          <a:lstStyle/>
-          <a:p>
-            <a:pPr>
-              <a:defRPr sz="1197" b="0" i="0" u="none" strike="noStrike" kern="1200" baseline="0">
-                <a:solidFill>
-                  <a:schemeClr val="tx1">
-                    <a:lumMod val="65000"/>
-                    <a:lumOff val="35000"/>
-                  </a:schemeClr>
-                </a:solidFill>
-                <a:latin typeface="+mn-lt"/>
-                <a:ea typeface="+mn-ea"/>
-                <a:cs typeface="+mn-cs"/>
-              </a:defRPr>
-            </a:pPr>
-            <a:endParaRPr lang="it-IT"/>
-          </a:p>
-        </c:txPr>
-        <c:crossAx val="418923520"/>
-        <c:crosses val="max"/>
-        <c:crossBetween val="between"/>
-      </c:valAx>
-      <c:catAx>
-        <c:axId val="418923520"/>
-        <c:scaling>
-          <c:orientation val="minMax"/>
-        </c:scaling>
-        <c:delete val="1"/>
-        <c:axPos val="b"/>
-        <c:numFmt formatCode="General" sourceLinked="1"/>
-        <c:majorTickMark val="out"/>
-        <c:minorTickMark val="none"/>
-        <c:tickLblPos val="nextTo"/>
-        <c:crossAx val="418921856"/>
-        <c:crosses val="autoZero"/>
-        <c:auto val="1"/>
-        <c:lblAlgn val="ctr"/>
-        <c:lblOffset val="100"/>
-        <c:noMultiLvlLbl val="0"/>
-      </c:catAx>
-      <c:spPr>
-        <a:noFill/>
-        <a:ln>
-          <a:noFill/>
-        </a:ln>
-        <a:effectLst/>
-      </c:spPr>
-    </c:plotArea>
-    <c:legend>
-      <c:legendPos val="b"/>
-      <c:overlay val="0"/>
-      <c:spPr>
-        <a:noFill/>
-        <a:ln>
-          <a:noFill/>
-        </a:ln>
-        <a:effectLst/>
-      </c:spPr>
-      <c:txPr>
-        <a:bodyPr rot="0" spcFirstLastPara="1" vertOverflow="ellipsis" vert="horz" wrap="square" anchor="ctr" anchorCtr="1"/>
-        <a:lstStyle/>
-        <a:p>
-          <a:pPr>
-            <a:defRPr sz="1197" b="0" i="0" u="none" strike="noStrike" kern="1200" baseline="0">
-              <a:solidFill>
-                <a:schemeClr val="tx1">
-                  <a:lumMod val="65000"/>
-                  <a:lumOff val="35000"/>
-                </a:schemeClr>
-              </a:solidFill>
-              <a:latin typeface="+mn-lt"/>
-              <a:ea typeface="+mn-ea"/>
-              <a:cs typeface="+mn-cs"/>
-            </a:defRPr>
-          </a:pPr>
-          <a:endParaRPr lang="it-IT"/>
-        </a:p>
-      </c:txPr>
-    </c:legend>
-    <c:plotVisOnly val="1"/>
-    <c:dispBlanksAs val="gap"/>
-    <c:extLst>
-      <c:ext xmlns:c16r3="http://schemas.microsoft.com/office/drawing/2017/03/chart" uri="{56B9EC1D-385E-4148-901F-78D8002777C0}">
-        <c16r3:dataDisplayOptions16>
-          <c16r3:dispNaAsBlank val="1"/>
-        </c16r3:dataDisplayOptions16>
-      </c:ext>
-    </c:extLst>
-    <c:showDLblsOverMax val="0"/>
-  </c:chart>
-  <c:spPr>
-    <a:noFill/>
-    <a:ln>
-      <a:noFill/>
-    </a:ln>
-    <a:effectLst/>
-  </c:spPr>
-  <c:txPr>
-    <a:bodyPr/>
-    <a:lstStyle/>
-    <a:p>
-      <a:pPr>
-        <a:defRPr/>
-      </a:pPr>
-      <a:endParaRPr lang="it-IT"/>
-    </a:p>
-  </c:txPr>
-  <c:externalData r:id="rId3">
-    <c:autoUpdate val="0"/>
-  </c:externalData>
-</c:chartSpace>
-</file>
-
-<file path=ppt/charts/colors1.xml><?xml version="1.0" encoding="utf-8"?>
-<cs:colorStyle xmlns:cs="http://schemas.microsoft.com/office/drawing/2012/chartStyle" xmlns:a="http://schemas.openxmlformats.org/drawingml/2006/main" meth="cycle" id="10">
-  <a:schemeClr val="accent1"/>
-  <a:schemeClr val="accent2"/>
-  <a:schemeClr val="accent3"/>
-  <a:schemeClr val="accent4"/>
-  <a:schemeClr val="accent5"/>
-  <a:schemeClr val="accent6"/>
-  <cs:variation/>
-  <cs:variation>
-    <a:lumMod val="60000"/>
-  </cs:variation>
-  <cs:variation>
-    <a:lumMod val="80000"/>
-    <a:lumOff val="20000"/>
-  </cs:variation>
-  <cs:variation>
-    <a:lumMod val="80000"/>
-  </cs:variation>
-  <cs:variation>
-    <a:lumMod val="60000"/>
-    <a:lumOff val="40000"/>
-  </cs:variation>
-  <cs:variation>
-    <a:lumMod val="50000"/>
-  </cs:variation>
-  <cs:variation>
-    <a:lumMod val="70000"/>
-    <a:lumOff val="30000"/>
-  </cs:variation>
-  <cs:variation>
-    <a:lumMod val="70000"/>
-  </cs:variation>
-  <cs:variation>
-    <a:lumMod val="50000"/>
-    <a:lumOff val="50000"/>
-  </cs:variation>
-</cs:colorStyle>
-</file>
-
-<file path=ppt/charts/style1.xml><?xml version="1.0" encoding="utf-8"?>
-<cs:chartStyle xmlns:cs="http://schemas.microsoft.com/office/drawing/2012/chartStyle" xmlns:a="http://schemas.openxmlformats.org/drawingml/2006/main" id="201">
-  <cs:axisTitle>
-    <cs:lnRef idx="0"/>
-    <cs:fillRef idx="0"/>
-    <cs:effectRef idx="0"/>
-    <cs:fontRef idx="minor">
-      <a:schemeClr val="tx1">
-        <a:lumMod val="65000"/>
-        <a:lumOff val="35000"/>
-      </a:schemeClr>
-    </cs:fontRef>
-    <cs:defRPr sz="1330" kern="1200"/>
-  </cs:axisTitle>
-  <cs:categoryAxis>
-    <cs:lnRef idx="0"/>
-    <cs:fillRef idx="0"/>
-    <cs:effectRef idx="0"/>
-    <cs:fontRef idx="minor">
-      <a:schemeClr val="tx1">
-        <a:lumMod val="65000"/>
-        <a:lumOff val="35000"/>
-      </a:schemeClr>
-    </cs:fontRef>
-    <cs:spPr>
-      <a:ln w="9525" cap="flat" cmpd="sng" algn="ctr">
-        <a:solidFill>
-          <a:schemeClr val="tx1">
-            <a:lumMod val="15000"/>
-            <a:lumOff val="85000"/>
-          </a:schemeClr>
-        </a:solidFill>
-        <a:round/>
-      </a:ln>
-    </cs:spPr>
-    <cs:defRPr sz="1197" kern="1200"/>
-  </cs:categoryAxis>
-  <cs:chartArea mods="allowNoFillOverride allowNoLineOverride">
-    <cs:lnRef idx="0"/>
-    <cs:fillRef idx="0"/>
-    <cs:effectRef idx="0"/>
-    <cs:fontRef idx="minor">
-      <a:schemeClr val="tx1"/>
-    </cs:fontRef>
-    <cs:spPr>
-      <a:solidFill>
-        <a:schemeClr val="bg1"/>
-      </a:solidFill>
-      <a:ln w="9525" cap="flat" cmpd="sng" algn="ctr">
-        <a:solidFill>
-          <a:schemeClr val="tx1">
-            <a:lumMod val="15000"/>
-            <a:lumOff val="85000"/>
-          </a:schemeClr>
-        </a:solidFill>
-        <a:round/>
-      </a:ln>
-    </cs:spPr>
-    <cs:defRPr sz="1330" kern="1200"/>
-  </cs:chartArea>
-  <cs:dataLabel>
-    <cs:lnRef idx="0"/>
-    <cs:fillRef idx="0"/>
-    <cs:effectRef idx="0"/>
-    <cs:fontRef idx="minor">
-      <a:schemeClr val="tx1">
-        <a:lumMod val="75000"/>
-        <a:lumOff val="25000"/>
-      </a:schemeClr>
-    </cs:fontRef>
-    <cs:defRPr sz="1197" kern="1200"/>
-  </cs:dataLabel>
-  <cs:dataLabelCallout>
-    <cs:lnRef idx="0"/>
-    <cs:fillRef idx="0"/>
-    <cs:effectRef idx="0"/>
-    <cs:fontRef idx="minor">
-      <a:schemeClr val="dk1">
-        <a:lumMod val="65000"/>
-        <a:lumOff val="35000"/>
-      </a:schemeClr>
-    </cs:fontRef>
-    <cs:spPr>
-      <a:solidFill>
-        <a:schemeClr val="lt1"/>
-      </a:solidFill>
-      <a:ln>
-        <a:solidFill>
-          <a:schemeClr val="dk1">
-            <a:lumMod val="25000"/>
-            <a:lumOff val="75000"/>
-          </a:schemeClr>
-        </a:solidFill>
-      </a:ln>
-    </cs:spPr>
-    <cs:defRPr sz="1197" kern="1200"/>
-    <cs:bodyPr rot="0" spcFirstLastPara="1" vertOverflow="clip" horzOverflow="clip" vert="horz" wrap="square" lIns="36576" tIns="18288" rIns="36576" bIns="18288" anchor="ctr" anchorCtr="1">
-      <a:spAutoFit/>
-    </cs:bodyPr>
-  </cs:dataLabelCallout>
-  <cs:dataPoint>
-    <cs:lnRef idx="0"/>
-    <cs:fillRef idx="1">
-      <cs:styleClr val="auto"/>
-    </cs:fillRef>
-    <cs:effectRef idx="0"/>
-    <cs:fontRef idx="minor">
-      <a:schemeClr val="tx1"/>
-    </cs:fontRef>
-  </cs:dataPoint>
-  <cs:dataPoint3D>
-    <cs:lnRef idx="0"/>
-    <cs:fillRef idx="1">
-      <cs:styleClr val="auto"/>
-    </cs:fillRef>
-    <cs:effectRef idx="0"/>
-    <cs:fontRef idx="minor">
-      <a:schemeClr val="tx1"/>
-    </cs:fontRef>
-  </cs:dataPoint3D>
-  <cs:dataPointLine>
-    <cs:lnRef idx="0">
-      <cs:styleClr val="auto"/>
-    </cs:lnRef>
-    <cs:fillRef idx="1"/>
-    <cs:effectRef idx="0"/>
-    <cs:fontRef idx="minor">
-      <a:schemeClr val="tx1"/>
-    </cs:fontRef>
-    <cs:spPr>
-      <a:ln w="28575" cap="rnd">
-        <a:solidFill>
-          <a:schemeClr val="phClr"/>
-        </a:solidFill>
-        <a:round/>
-      </a:ln>
-    </cs:spPr>
-  </cs:dataPointLine>
-  <cs:dataPointMarker>
-    <cs:lnRef idx="0">
-      <cs:styleClr val="auto"/>
-    </cs:lnRef>
-    <cs:fillRef idx="1">
-      <cs:styleClr val="auto"/>
-    </cs:fillRef>
-    <cs:effectRef idx="0"/>
-    <cs:fontRef idx="minor">
-      <a:schemeClr val="tx1"/>
-    </cs:fontRef>
-    <cs:spPr>
-      <a:ln w="9525">
-        <a:solidFill>
-          <a:schemeClr val="phClr"/>
-        </a:solidFill>
-      </a:ln>
-    </cs:spPr>
-  </cs:dataPointMarker>
-  <cs:dataPointMarkerLayout symbol="circle" size="5"/>
-  <cs:dataPointWireframe>
-    <cs:lnRef idx="0">
-      <cs:styleClr val="auto"/>
-    </cs:lnRef>
-    <cs:fillRef idx="1"/>
-    <cs:effectRef idx="0"/>
-    <cs:fontRef idx="minor">
-      <a:schemeClr val="tx1"/>
-    </cs:fontRef>
-    <cs:spPr>
-      <a:ln w="9525" cap="rnd">
-        <a:solidFill>
-          <a:schemeClr val="phClr"/>
-        </a:solidFill>
-        <a:round/>
-      </a:ln>
-    </cs:spPr>
-  </cs:dataPointWireframe>
-  <cs:dataTable>
-    <cs:lnRef idx="0"/>
-    <cs:fillRef idx="0"/>
-    <cs:effectRef idx="0"/>
-    <cs:fontRef idx="minor">
-      <a:schemeClr val="tx1">
-        <a:lumMod val="65000"/>
-        <a:lumOff val="35000"/>
-      </a:schemeClr>
-    </cs:fontRef>
-    <cs:spPr>
-      <a:noFill/>
-      <a:ln w="9525" cap="flat" cmpd="sng" algn="ctr">
-        <a:solidFill>
-          <a:schemeClr val="tx1">
-            <a:lumMod val="15000"/>
-            <a:lumOff val="85000"/>
-          </a:schemeClr>
-        </a:solidFill>
-        <a:round/>
-      </a:ln>
-    </cs:spPr>
-    <cs:defRPr sz="1197" kern="1200"/>
-  </cs:dataTable>
-  <cs:downBar>
-    <cs:lnRef idx="0"/>
-    <cs:fillRef idx="0"/>
-    <cs:effectRef idx="0"/>
-    <cs:fontRef idx="minor">
-      <a:schemeClr val="dk1"/>
-    </cs:fontRef>
-    <cs:spPr>
-      <a:solidFill>
-        <a:schemeClr val="dk1">
-          <a:lumMod val="65000"/>
-          <a:lumOff val="35000"/>
-        </a:schemeClr>
-      </a:solidFill>
-      <a:ln w="9525">
-        <a:solidFill>
-          <a:schemeClr val="tx1">
-            <a:lumMod val="65000"/>
-            <a:lumOff val="35000"/>
-          </a:schemeClr>
-        </a:solidFill>
-      </a:ln>
-    </cs:spPr>
-  </cs:downBar>
-  <cs:dropLine>
-    <cs:lnRef idx="0"/>
-    <cs:fillRef idx="0"/>
-    <cs:effectRef idx="0"/>
-    <cs:fontRef idx="minor">
-      <a:schemeClr val="tx1"/>
-    </cs:fontRef>
-    <cs:spPr>
-      <a:ln w="9525" cap="flat" cmpd="sng" algn="ctr">
-        <a:solidFill>
-          <a:schemeClr val="tx1">
-            <a:lumMod val="35000"/>
-            <a:lumOff val="65000"/>
-          </a:schemeClr>
-        </a:solidFill>
-        <a:round/>
-      </a:ln>
-    </cs:spPr>
-  </cs:dropLine>
-  <cs:errorBar>
-    <cs:lnRef idx="0"/>
-    <cs:fillRef idx="0"/>
-    <cs:effectRef idx="0"/>
-    <cs:fontRef idx="minor">
-      <a:schemeClr val="tx1"/>
-    </cs:fontRef>
-    <cs:spPr>
-      <a:ln w="9525" cap="flat" cmpd="sng" algn="ctr">
-        <a:solidFill>
-          <a:schemeClr val="tx1">
-            <a:lumMod val="65000"/>
-            <a:lumOff val="35000"/>
-          </a:schemeClr>
-        </a:solidFill>
-        <a:round/>
-      </a:ln>
-    </cs:spPr>
-  </cs:errorBar>
-  <cs:floor>
-    <cs:lnRef idx="0"/>
-    <cs:fillRef idx="0"/>
-    <cs:effectRef idx="0"/>
-    <cs:fontRef idx="minor">
-      <a:schemeClr val="tx1"/>
-    </cs:fontRef>
-    <cs:spPr>
-      <a:noFill/>
-      <a:ln>
-        <a:noFill/>
-      </a:ln>
-    </cs:spPr>
-  </cs:floor>
-  <cs:gridlineMajor>
-    <cs:lnRef idx="0"/>
-    <cs:fillRef idx="0"/>
-    <cs:effectRef idx="0"/>
-    <cs:fontRef idx="minor">
-      <a:schemeClr val="tx1"/>
-    </cs:fontRef>
-    <cs:spPr>
-      <a:ln w="9525" cap="flat" cmpd="sng" algn="ctr">
-        <a:solidFill>
-          <a:schemeClr val="tx1">
-            <a:lumMod val="15000"/>
-            <a:lumOff val="85000"/>
-          </a:schemeClr>
-        </a:solidFill>
-        <a:round/>
-      </a:ln>
-    </cs:spPr>
-  </cs:gridlineMajor>
-  <cs:gridlineMinor>
-    <cs:lnRef idx="0"/>
-    <cs:fillRef idx="0"/>
-    <cs:effectRef idx="0"/>
-    <cs:fontRef idx="minor">
-      <a:schemeClr val="tx1"/>
-    </cs:fontRef>
-    <cs:spPr>
-      <a:ln w="9525" cap="flat" cmpd="sng" algn="ctr">
-        <a:solidFill>
-          <a:schemeClr val="tx1">
-            <a:lumMod val="5000"/>
-            <a:lumOff val="95000"/>
-          </a:schemeClr>
-        </a:solidFill>
-        <a:round/>
-      </a:ln>
-    </cs:spPr>
-  </cs:gridlineMinor>
-  <cs:hiLoLine>
-    <cs:lnRef idx="0"/>
-    <cs:fillRef idx="0"/>
-    <cs:effectRef idx="0"/>
-    <cs:fontRef idx="minor">
-      <a:schemeClr val="tx1"/>
-    </cs:fontRef>
-    <cs:spPr>
-      <a:ln w="9525" cap="flat" cmpd="sng" algn="ctr">
-        <a:solidFill>
-          <a:schemeClr val="tx1">
-            <a:lumMod val="75000"/>
-            <a:lumOff val="25000"/>
-          </a:schemeClr>
-        </a:solidFill>
-        <a:round/>
-      </a:ln>
-    </cs:spPr>
-  </cs:hiLoLine>
-  <cs:leaderLine>
-    <cs:lnRef idx="0"/>
-    <cs:fillRef idx="0"/>
-    <cs:effectRef idx="0"/>
-    <cs:fontRef idx="minor">
-      <a:schemeClr val="tx1"/>
-    </cs:fontRef>
-    <cs:spPr>
-      <a:ln w="9525" cap="flat" cmpd="sng" algn="ctr">
-        <a:solidFill>
-          <a:schemeClr val="tx1">
-            <a:lumMod val="35000"/>
-            <a:lumOff val="65000"/>
-          </a:schemeClr>
-        </a:solidFill>
-        <a:round/>
-      </a:ln>
-    </cs:spPr>
-  </cs:leaderLine>
-  <cs:legend>
-    <cs:lnRef idx="0"/>
-    <cs:fillRef idx="0"/>
-    <cs:effectRef idx="0"/>
-    <cs:fontRef idx="minor">
-      <a:schemeClr val="tx1">
-        <a:lumMod val="65000"/>
-        <a:lumOff val="35000"/>
-      </a:schemeClr>
-    </cs:fontRef>
-    <cs:defRPr sz="1197" kern="1200"/>
-  </cs:legend>
-  <cs:plotArea mods="allowNoFillOverride allowNoLineOverride">
-    <cs:lnRef idx="0"/>
-    <cs:fillRef idx="0"/>
-    <cs:effectRef idx="0"/>
-    <cs:fontRef idx="minor">
-      <a:schemeClr val="tx1"/>
-    </cs:fontRef>
-  </cs:plotArea>
-  <cs:plotArea3D mods="allowNoFillOverride allowNoLineOverride">
-    <cs:lnRef idx="0"/>
-    <cs:fillRef idx="0"/>
-    <cs:effectRef idx="0"/>
-    <cs:fontRef idx="minor">
-      <a:schemeClr val="tx1"/>
-    </cs:fontRef>
-  </cs:plotArea3D>
-  <cs:seriesAxis>
-    <cs:lnRef idx="0"/>
-    <cs:fillRef idx="0"/>
-    <cs:effectRef idx="0"/>
-    <cs:fontRef idx="minor">
-      <a:schemeClr val="tx1">
-        <a:lumMod val="65000"/>
-        <a:lumOff val="35000"/>
-      </a:schemeClr>
-    </cs:fontRef>
-    <cs:defRPr sz="1197" kern="1200"/>
-  </cs:seriesAxis>
-  <cs:seriesLine>
-    <cs:lnRef idx="0"/>
-    <cs:fillRef idx="0"/>
-    <cs:effectRef idx="0"/>
-    <cs:fontRef idx="minor">
-      <a:schemeClr val="tx1"/>
-    </cs:fontRef>
-    <cs:spPr>
-      <a:ln w="9525" cap="flat" cmpd="sng" algn="ctr">
-        <a:solidFill>
-          <a:schemeClr val="tx1">
-            <a:lumMod val="35000"/>
-            <a:lumOff val="65000"/>
-          </a:schemeClr>
-        </a:solidFill>
-        <a:round/>
-      </a:ln>
-    </cs:spPr>
-  </cs:seriesLine>
-  <cs:title>
-    <cs:lnRef idx="0"/>
-    <cs:fillRef idx="0"/>
-    <cs:effectRef idx="0"/>
-    <cs:fontRef idx="minor">
-      <a:schemeClr val="tx1">
-        <a:lumMod val="65000"/>
-        <a:lumOff val="35000"/>
-      </a:schemeClr>
-    </cs:fontRef>
-    <cs:defRPr sz="1862" b="0" kern="1200" spc="0" baseline="0"/>
-  </cs:title>
-  <cs:trendline>
-    <cs:lnRef idx="0">
-      <cs:styleClr val="auto"/>
-    </cs:lnRef>
-    <cs:fillRef idx="0"/>
-    <cs:effectRef idx="0"/>
-    <cs:fontRef idx="minor">
-      <a:schemeClr val="tx1"/>
-    </cs:fontRef>
-    <cs:spPr>
-      <a:ln w="19050" cap="rnd">
-        <a:solidFill>
-          <a:schemeClr val="phClr"/>
-        </a:solidFill>
-        <a:prstDash val="sysDot"/>
-      </a:ln>
-    </cs:spPr>
-  </cs:trendline>
-  <cs:trendlineLabel>
-    <cs:lnRef idx="0"/>
-    <cs:fillRef idx="0"/>
-    <cs:effectRef idx="0"/>
-    <cs:fontRef idx="minor">
-      <a:schemeClr val="tx1">
-        <a:lumMod val="65000"/>
-        <a:lumOff val="35000"/>
-      </a:schemeClr>
-    </cs:fontRef>
-    <cs:defRPr sz="1197" kern="1200"/>
-  </cs:trendlineLabel>
-  <cs:upBar>
-    <cs:lnRef idx="0"/>
-    <cs:fillRef idx="0"/>
-    <cs:effectRef idx="0"/>
-    <cs:fontRef idx="minor">
-      <a:schemeClr val="dk1"/>
-    </cs:fontRef>
-    <cs:spPr>
-      <a:solidFill>
-        <a:schemeClr val="lt1"/>
-      </a:solidFill>
-      <a:ln w="9525">
-        <a:solidFill>
-          <a:schemeClr val="tx1">
-            <a:lumMod val="15000"/>
-            <a:lumOff val="85000"/>
-          </a:schemeClr>
-        </a:solidFill>
-      </a:ln>
-    </cs:spPr>
-  </cs:upBar>
-  <cs:valueAxis>
-    <cs:lnRef idx="0"/>
-    <cs:fillRef idx="0"/>
-    <cs:effectRef idx="0"/>
-    <cs:fontRef idx="minor">
-      <a:schemeClr val="tx1">
-        <a:lumMod val="65000"/>
-        <a:lumOff val="35000"/>
-      </a:schemeClr>
-    </cs:fontRef>
-    <cs:defRPr sz="1197" kern="1200"/>
-  </cs:valueAxis>
-  <cs:wall>
-    <cs:lnRef idx="0"/>
-    <cs:fillRef idx="0"/>
-    <cs:effectRef idx="0"/>
-    <cs:fontRef idx="minor">
-      <a:schemeClr val="tx1"/>
-    </cs:fontRef>
-    <cs:spPr>
-      <a:noFill/>
-      <a:ln>
-        <a:noFill/>
-      </a:ln>
-    </cs:spPr>
-  </cs:wall>
-</cs:chartStyle>
-</file>
-
 <file path=ppt/handoutMasters/handoutMaster1.xml><?xml version="1.0" encoding="utf-8"?>
 <p:handoutMaster xmlns:a="http://schemas.openxmlformats.org/drawingml/2006/main" xmlns:r="http://schemas.openxmlformats.org/officeDocument/2006/relationships" xmlns:p="http://schemas.openxmlformats.org/presentationml/2006/main">
   <p:cSld>
@@ -1330,7 +218,7 @@
             <a:pPr rtl="0"/>
             <a:fld id="{03A22DD2-5486-4F92-92F0-C5CF7CD86EC4}" type="datetime1">
               <a:rPr lang="it-IT" smtClean="0"/>
-              <a:t>12/02/24</a:t>
+              <a:t>18/02/24</a:t>
             </a:fld>
             <a:endParaRPr lang="en-US" dirty="0"/>
           </a:p>
@@ -1500,7 +388,7 @@
             <a:pPr rtl="0"/>
             <a:fld id="{8D536D80-00B6-4C61-84A7-2B257A1E56B7}" type="datetime1">
               <a:rPr lang="it-IT" smtClean="0"/>
-              <a:t>12/02/24</a:t>
+              <a:t>18/02/24</a:t>
             </a:fld>
             <a:endParaRPr lang="en-US"/>
           </a:p>
@@ -6097,13 +4985,7 @@
   <p:cSld>
     <p:spTree>
       <p:nvGrpSpPr>
-        <p:cNvPr id="1" name="">
-          <a:extLst>
-            <a:ext uri="{FF2B5EF4-FFF2-40B4-BE49-F238E27FC236}">
-              <a16:creationId xmlns:a16="http://schemas.microsoft.com/office/drawing/2014/main" id="{426B3FB5-8C8A-9719-C3A1-666573E0A25C}"/>
-            </a:ext>
-          </a:extLst>
-        </p:cNvPr>
+        <p:cNvPr id="1" name=""/>
         <p:cNvGrpSpPr/>
         <p:nvPr/>
       </p:nvGrpSpPr>
@@ -6120,7 +5002,7 @@
           <p:cNvPr id="2" name="Titolo 1">
             <a:extLst>
               <a:ext uri="{FF2B5EF4-FFF2-40B4-BE49-F238E27FC236}">
-                <a16:creationId xmlns:a16="http://schemas.microsoft.com/office/drawing/2014/main" id="{9576969B-07D5-A3E6-F960-21D273ED9CD8}"/>
+                <a16:creationId xmlns:a16="http://schemas.microsoft.com/office/drawing/2014/main" id="{19BD7C44-1338-9945-1190-21BC6757B93D}"/>
               </a:ext>
             </a:extLst>
           </p:cNvPr>
@@ -6138,7 +5020,7 @@
           <a:p>
             <a:r>
               <a:rPr lang="it-IT" dirty="0"/>
-              <a:t>Progettazione – Software</a:t>
+              <a:t>IMPLEMENTAZIONE – Attori</a:t>
             </a:r>
           </a:p>
         </p:txBody>
@@ -6148,7 +5030,7 @@
           <p:cNvPr id="4" name="Segnaposto data 3">
             <a:extLst>
               <a:ext uri="{FF2B5EF4-FFF2-40B4-BE49-F238E27FC236}">
-                <a16:creationId xmlns:a16="http://schemas.microsoft.com/office/drawing/2014/main" id="{02F77D51-C43B-A96F-E830-42353EE6CCDE}"/>
+                <a16:creationId xmlns:a16="http://schemas.microsoft.com/office/drawing/2014/main" id="{1E809507-9697-4F94-3852-4D910D63FC2C}"/>
               </a:ext>
             </a:extLst>
           </p:cNvPr>
@@ -6183,7 +5065,7 @@
           <p:cNvPr id="5" name="CasellaDiTesto 4">
             <a:extLst>
               <a:ext uri="{FF2B5EF4-FFF2-40B4-BE49-F238E27FC236}">
-                <a16:creationId xmlns:a16="http://schemas.microsoft.com/office/drawing/2014/main" id="{9D1A699C-48D9-751F-96D9-32F5F228D575}"/>
+                <a16:creationId xmlns:a16="http://schemas.microsoft.com/office/drawing/2014/main" id="{989FAF90-838F-E2FA-EE19-A41565126B4F}"/>
               </a:ext>
             </a:extLst>
           </p:cNvPr>
@@ -6193,7 +5075,7 @@
         <p:spPr>
           <a:xfrm>
             <a:off x="581192" y="2170071"/>
-            <a:ext cx="7135061" cy="3693319"/>
+            <a:ext cx="7600282" cy="4524315"/>
           </a:xfrm>
           <a:prstGeom prst="rect">
             <a:avLst/>
@@ -6209,80 +5091,90 @@
             <a:pPr algn="l" rtl="0"/>
             <a:r>
               <a:rPr lang="it-IT" dirty="0"/>
-              <a:t>Il</a:t>
-            </a:r>
+              <a:t>3 attori: </a:t>
+            </a:r>
+          </a:p>
+          <a:p>
+            <a:pPr algn="l" rtl="0"/>
+            <a:endParaRPr lang="it-IT" dirty="0"/>
+          </a:p>
+          <a:p>
+            <a:pPr marL="285750" indent="-285750" algn="l" rtl="0">
+              <a:buFont typeface="Arial" panose="020B0604020202020204" pitchFamily="34" charset="0"/>
+              <a:buChar char="•"/>
+            </a:pPr>
             <a:r>
               <a:rPr lang="it-IT" dirty="0">
                 <a:effectLst/>
               </a:rPr>
-              <a:t> </a:t>
-            </a:r>
-            <a:r>
-              <a:rPr lang="it-IT" b="1" dirty="0">
-                <a:effectLst/>
-              </a:rPr>
-              <a:t>Prototipo</a:t>
-            </a:r>
-            <a:r>
-              <a:rPr lang="it-IT" dirty="0">
-                <a:effectLst/>
-              </a:rPr>
-              <a:t> del progetto è stato realizzato utilizzando MySQL per il database, il framework </a:t>
-            </a:r>
-            <a:r>
-              <a:rPr lang="it-IT" dirty="0" err="1">
-                <a:effectLst/>
-              </a:rPr>
-              <a:t>SpringBoot</a:t>
-            </a:r>
-            <a:r>
-              <a:rPr lang="it-IT" dirty="0">
-                <a:effectLst/>
-              </a:rPr>
-              <a:t> per la parte Back-End e </a:t>
-            </a:r>
-            <a:r>
-              <a:rPr lang="it-IT" dirty="0" err="1">
-                <a:effectLst/>
-              </a:rPr>
-              <a:t>Angulr</a:t>
-            </a:r>
-            <a:r>
-              <a:rPr lang="it-IT" dirty="0">
-                <a:effectLst/>
-              </a:rPr>
-              <a:t> JS per la parte front-end. </a:t>
-            </a:r>
-          </a:p>
-          <a:p>
-            <a:pPr algn="l" rtl="0"/>
+              <a:t>Admin : ha la possibilità di inserire/modificare/disattivare utenti-corse-destinazioni e di visualizzare le statistiche all’interno di una dashboard. </a:t>
+            </a:r>
+          </a:p>
+          <a:p>
+            <a:pPr marL="285750" indent="-285750" algn="l" rtl="0">
+              <a:buFont typeface="Arial" panose="020B0604020202020204" pitchFamily="34" charset="0"/>
+              <a:buChar char="•"/>
+            </a:pPr>
             <a:endParaRPr lang="it-IT" dirty="0">
               <a:effectLst/>
             </a:endParaRPr>
           </a:p>
           <a:p>
-            <a:pPr algn="l" rtl="0"/>
+            <a:pPr marL="285750" indent="-285750" algn="l" rtl="0">
+              <a:buFont typeface="Arial" panose="020B0604020202020204" pitchFamily="34" charset="0"/>
+              <a:buChar char="•"/>
+            </a:pPr>
             <a:r>
               <a:rPr lang="it-IT" dirty="0"/>
-              <a:t>Il tutto è stato sviluppato all’interno di un repository GitHub</a:t>
-            </a:r>
-          </a:p>
-          <a:p>
-            <a:pPr algn="l" rtl="0"/>
-            <a:endParaRPr lang="it-IT" dirty="0">
-              <a:effectLst/>
-            </a:endParaRPr>
-          </a:p>
-          <a:p>
-            <a:pPr algn="l" rtl="0"/>
-            <a:br>
+              <a:t>Utente: ha la possibilità di prenotare una corsa in due modi, interfaccia web compilando il </a:t>
+            </a:r>
+            <a:r>
+              <a:rPr lang="it-IT" dirty="0" err="1"/>
+              <a:t>form</a:t>
+            </a:r>
+            <a:r>
+              <a:rPr lang="it-IT" dirty="0"/>
+              <a:t> e procedendo con il pagamento online, inviando una mail a </a:t>
+            </a:r>
+            <a:r>
               <a:rPr lang="it-IT" dirty="0">
-                <a:effectLst/>
-              </a:rPr>
-            </a:br>
-            <a:endParaRPr lang="it-IT" dirty="0">
-              <a:effectLst/>
-            </a:endParaRPr>
+                <a:hlinkClick r:id="rId2"/>
+              </a:rPr>
+              <a:t>taxitogo2024@gmail.com</a:t>
+            </a:r>
+            <a:r>
+              <a:rPr lang="it-IT" dirty="0"/>
+              <a:t>. </a:t>
+            </a:r>
+          </a:p>
+          <a:p>
+            <a:pPr marL="285750" indent="-285750" algn="l" rtl="0">
+              <a:buFont typeface="Arial" panose="020B0604020202020204" pitchFamily="34" charset="0"/>
+              <a:buChar char="•"/>
+            </a:pPr>
+            <a:endParaRPr lang="it-IT" dirty="0"/>
+          </a:p>
+          <a:p>
+            <a:pPr marL="285750" indent="-285750" algn="l" rtl="0">
+              <a:buFont typeface="Arial" panose="020B0604020202020204" pitchFamily="34" charset="0"/>
+              <a:buChar char="•"/>
+            </a:pPr>
+            <a:r>
+              <a:rPr lang="it-IT" dirty="0">
+                <a:effectLst/>
+              </a:rPr>
+              <a:t>Tass</a:t>
+            </a:r>
+            <a:r>
+              <a:rPr lang="it-IT" dirty="0"/>
+              <a:t>ista: accettare o rifiutare una chiamata, potrà visualizzare le sue corse. </a:t>
+            </a:r>
+            <a:r>
+              <a:rPr lang="it-IT" dirty="0">
+                <a:effectLst/>
+              </a:rPr>
+              <a:t> </a:t>
+            </a:r>
           </a:p>
           <a:p>
             <a:br>
@@ -6319,46 +5211,10 @@
       </p:sp>
       <p:pic>
         <p:nvPicPr>
-          <p:cNvPr id="7" name="Immagine 6">
-            <a:extLst>
-              <a:ext uri="{FF2B5EF4-FFF2-40B4-BE49-F238E27FC236}">
-                <a16:creationId xmlns:a16="http://schemas.microsoft.com/office/drawing/2014/main" id="{A85D1EC7-F277-FDCB-7487-EBD8D43C563B}"/>
-              </a:ext>
-            </a:extLst>
-          </p:cNvPr>
-          <p:cNvPicPr>
-            <a:picLocks noChangeAspect="1"/>
-          </p:cNvPicPr>
-          <p:nvPr/>
-        </p:nvPicPr>
-        <p:blipFill>
-          <a:blip r:embed="rId2">
-            <a:extLst>
-              <a:ext uri="{28A0092B-C50C-407E-A947-70E740481C1C}">
-                <a14:useLocalDpi xmlns:a14="http://schemas.microsoft.com/office/drawing/2010/main" val="0"/>
-              </a:ext>
-            </a:extLst>
-          </a:blip>
-          <a:stretch>
-            <a:fillRect/>
-          </a:stretch>
-        </p:blipFill>
-        <p:spPr>
-          <a:xfrm>
-            <a:off x="8069179" y="1097908"/>
-            <a:ext cx="3724191" cy="4420405"/>
-          </a:xfrm>
-          <a:prstGeom prst="rect">
-            <a:avLst/>
-          </a:prstGeom>
-        </p:spPr>
-      </p:pic>
-      <p:pic>
-        <p:nvPicPr>
-          <p:cNvPr id="10" name="Immagine 9">
-            <a:extLst>
-              <a:ext uri="{FF2B5EF4-FFF2-40B4-BE49-F238E27FC236}">
-                <a16:creationId xmlns:a16="http://schemas.microsoft.com/office/drawing/2014/main" id="{1E93F28F-5A86-53F6-1116-FA19AF440F36}"/>
+          <p:cNvPr id="6" name="Immagine 5">
+            <a:extLst>
+              <a:ext uri="{FF2B5EF4-FFF2-40B4-BE49-F238E27FC236}">
+                <a16:creationId xmlns:a16="http://schemas.microsoft.com/office/drawing/2014/main" id="{595784BF-0AD3-450E-89CA-B753BC183529}"/>
               </a:ext>
             </a:extLst>
           </p:cNvPr>
@@ -6380,9 +5236,9 @@
           </a:stretch>
         </p:blipFill>
         <p:spPr>
-          <a:xfrm rot="1734579">
-            <a:off x="-437845" y="4619396"/>
-            <a:ext cx="2617110" cy="2703149"/>
+          <a:xfrm>
+            <a:off x="8181474" y="3036013"/>
+            <a:ext cx="3810000" cy="3381375"/>
           </a:xfrm>
           <a:prstGeom prst="rect">
             <a:avLst/>
@@ -6391,10 +5247,10 @@
       </p:pic>
       <p:sp>
         <p:nvSpPr>
-          <p:cNvPr id="8" name="Segnaposto numero diapositiva 7">
-            <a:extLst>
-              <a:ext uri="{FF2B5EF4-FFF2-40B4-BE49-F238E27FC236}">
-                <a16:creationId xmlns:a16="http://schemas.microsoft.com/office/drawing/2014/main" id="{17C5DABF-6058-C96A-5268-812CF7101198}"/>
+          <p:cNvPr id="9" name="Segnaposto numero diapositiva 8">
+            <a:extLst>
+              <a:ext uri="{FF2B5EF4-FFF2-40B4-BE49-F238E27FC236}">
+                <a16:creationId xmlns:a16="http://schemas.microsoft.com/office/drawing/2014/main" id="{70C8A1C6-9C34-7256-584B-C74F2C121606}"/>
               </a:ext>
             </a:extLst>
           </p:cNvPr>
@@ -6419,48 +5275,10 @@
           </a:p>
         </p:txBody>
       </p:sp>
-      <p:sp>
-        <p:nvSpPr>
-          <p:cNvPr id="3" name="CasellaDiTesto 2">
-            <a:extLst>
-              <a:ext uri="{FF2B5EF4-FFF2-40B4-BE49-F238E27FC236}">
-                <a16:creationId xmlns:a16="http://schemas.microsoft.com/office/drawing/2014/main" id="{20D783F3-FFCE-682E-5A89-5ADC86C92101}"/>
-              </a:ext>
-            </a:extLst>
-          </p:cNvPr>
-          <p:cNvSpPr txBox="1"/>
-          <p:nvPr/>
-        </p:nvSpPr>
-        <p:spPr>
-          <a:xfrm>
-            <a:off x="581192" y="3876035"/>
-            <a:ext cx="6389763" cy="369332"/>
-          </a:xfrm>
-          <a:prstGeom prst="rect">
-            <a:avLst/>
-          </a:prstGeom>
-          <a:noFill/>
-        </p:spPr>
-        <p:txBody>
-          <a:bodyPr wrap="none" rtlCol="0">
-            <a:spAutoFit/>
-          </a:bodyPr>
-          <a:lstStyle/>
-          <a:p>
-            <a:r>
-              <a:rPr lang="it-IT" dirty="0">
-                <a:hlinkClick r:id="rId4"/>
-              </a:rPr>
-              <a:t>https://github.com/Emanuele-Chiummo/Taxi-Project/tree/main</a:t>
-            </a:r>
-            <a:endParaRPr lang="it-IT" dirty="0"/>
-          </a:p>
-        </p:txBody>
-      </p:sp>
     </p:spTree>
     <p:extLst>
       <p:ext uri="{BB962C8B-B14F-4D97-AF65-F5344CB8AC3E}">
-        <p14:creationId xmlns:p14="http://schemas.microsoft.com/office/powerpoint/2010/main" val="3670658406"/>
+        <p14:creationId xmlns:p14="http://schemas.microsoft.com/office/powerpoint/2010/main" val="1905324156"/>
       </p:ext>
     </p:extLst>
   </p:cSld>
@@ -6471,6 +5289,588 @@
 </file>
 
 <file path=ppt/slides/slide11.xml><?xml version="1.0" encoding="utf-8"?>
+<p:sld xmlns:a="http://schemas.openxmlformats.org/drawingml/2006/main" xmlns:r="http://schemas.openxmlformats.org/officeDocument/2006/relationships" xmlns:p="http://schemas.openxmlformats.org/presentationml/2006/main">
+  <p:cSld>
+    <p:spTree>
+      <p:nvGrpSpPr>
+        <p:cNvPr id="1" name=""/>
+        <p:cNvGrpSpPr/>
+        <p:nvPr/>
+      </p:nvGrpSpPr>
+      <p:grpSpPr>
+        <a:xfrm>
+          <a:off x="0" y="0"/>
+          <a:ext cx="0" cy="0"/>
+          <a:chOff x="0" y="0"/>
+          <a:chExt cx="0" cy="0"/>
+        </a:xfrm>
+      </p:grpSpPr>
+      <p:sp>
+        <p:nvSpPr>
+          <p:cNvPr id="2" name="Titolo 1">
+            <a:extLst>
+              <a:ext uri="{FF2B5EF4-FFF2-40B4-BE49-F238E27FC236}">
+                <a16:creationId xmlns:a16="http://schemas.microsoft.com/office/drawing/2014/main" id="{E497B05B-01D6-66BA-EB5C-46C8C68E0A5E}"/>
+              </a:ext>
+            </a:extLst>
+          </p:cNvPr>
+          <p:cNvSpPr>
+            <a:spLocks noGrp="1"/>
+          </p:cNvSpPr>
+          <p:nvPr>
+            <p:ph type="title"/>
+          </p:nvPr>
+        </p:nvSpPr>
+        <p:spPr/>
+        <p:txBody>
+          <a:bodyPr/>
+          <a:lstStyle/>
+          <a:p>
+            <a:r>
+              <a:rPr lang="it-IT" dirty="0"/>
+              <a:t>IMPLEMENTAZIONE - STRUTTURA</a:t>
+            </a:r>
+          </a:p>
+        </p:txBody>
+      </p:sp>
+      <p:sp>
+        <p:nvSpPr>
+          <p:cNvPr id="3" name="Segnaposto contenuto 2">
+            <a:extLst>
+              <a:ext uri="{FF2B5EF4-FFF2-40B4-BE49-F238E27FC236}">
+                <a16:creationId xmlns:a16="http://schemas.microsoft.com/office/drawing/2014/main" id="{041F9B84-21E6-B392-9A6A-C944E3D10992}"/>
+              </a:ext>
+            </a:extLst>
+          </p:cNvPr>
+          <p:cNvSpPr>
+            <a:spLocks noGrp="1"/>
+          </p:cNvSpPr>
+          <p:nvPr>
+            <p:ph idx="1"/>
+          </p:nvPr>
+        </p:nvSpPr>
+        <p:spPr/>
+        <p:txBody>
+          <a:bodyPr>
+            <a:normAutofit fontScale="92500" lnSpcReduction="20000"/>
+          </a:bodyPr>
+          <a:lstStyle/>
+          <a:p>
+            <a:r>
+              <a:rPr lang="it-IT" b="1" dirty="0" err="1"/>
+              <a:t>It.parthenope.taxi</a:t>
+            </a:r>
+            <a:r>
+              <a:rPr lang="it-IT" b="1" dirty="0"/>
+              <a:t> </a:t>
+            </a:r>
+            <a:r>
+              <a:rPr lang="it-IT" dirty="0"/>
+              <a:t>= classe principale del progetto. Qui troviamo il </a:t>
+            </a:r>
+            <a:r>
+              <a:rPr lang="it-IT" dirty="0" err="1"/>
+              <a:t>main</a:t>
+            </a:r>
+            <a:r>
+              <a:rPr lang="it-IT" dirty="0"/>
+              <a:t> che esegue l’applicazione</a:t>
+            </a:r>
+          </a:p>
+          <a:p>
+            <a:r>
+              <a:rPr lang="it-IT" b="1" dirty="0" err="1"/>
+              <a:t>It.parthenope.taxi.controller</a:t>
+            </a:r>
+            <a:r>
+              <a:rPr lang="it-IT" b="1" dirty="0"/>
+              <a:t> </a:t>
+            </a:r>
+            <a:r>
+              <a:rPr lang="it-IT" dirty="0"/>
+              <a:t>= contiene i controller che gestiscono le richieste http. Rappresentano la faccia dell’app</a:t>
+            </a:r>
+          </a:p>
+          <a:p>
+            <a:r>
+              <a:rPr lang="it-IT" b="1" dirty="0" err="1"/>
+              <a:t>It.parthenope.taxi.dto</a:t>
+            </a:r>
+            <a:r>
+              <a:rPr lang="it-IT" b="1" dirty="0"/>
+              <a:t> </a:t>
+            </a:r>
+            <a:r>
+              <a:rPr lang="it-IT" dirty="0"/>
+              <a:t>= contiene classi che servono per trasferire dati tra vari strati dell’applicazione, da FE a BE</a:t>
+            </a:r>
+          </a:p>
+          <a:p>
+            <a:r>
+              <a:rPr lang="it-IT" b="1" dirty="0" err="1"/>
+              <a:t>It.parthenope.mapper</a:t>
+            </a:r>
+            <a:r>
+              <a:rPr lang="it-IT" b="1" dirty="0"/>
+              <a:t> </a:t>
+            </a:r>
+            <a:r>
+              <a:rPr lang="it-IT" dirty="0"/>
+              <a:t>= contiene le interfacce che si occupano della mappatura tra le entità (model) e DTO</a:t>
+            </a:r>
+          </a:p>
+          <a:p>
+            <a:r>
+              <a:rPr lang="it-IT" b="1" dirty="0" err="1"/>
+              <a:t>It.parthenope.mapper.impl</a:t>
+            </a:r>
+            <a:r>
+              <a:rPr lang="it-IT" b="1" dirty="0"/>
+              <a:t> </a:t>
+            </a:r>
+            <a:r>
+              <a:rPr lang="it-IT" dirty="0"/>
+              <a:t>= contiene l’implementazione del mapper</a:t>
+            </a:r>
+          </a:p>
+          <a:p>
+            <a:r>
+              <a:rPr lang="it-IT" b="1" dirty="0" err="1"/>
+              <a:t>It.parthenope.taxi.model</a:t>
+            </a:r>
+            <a:r>
+              <a:rPr lang="it-IT" b="1" dirty="0"/>
+              <a:t> </a:t>
+            </a:r>
+            <a:r>
+              <a:rPr lang="it-IT" dirty="0"/>
+              <a:t>= Gestisce la relazione con il DB tramite ORM (Object </a:t>
+            </a:r>
+            <a:r>
+              <a:rPr lang="it-IT" dirty="0" err="1"/>
+              <a:t>Relational</a:t>
+            </a:r>
+            <a:r>
+              <a:rPr lang="it-IT" dirty="0"/>
+              <a:t> Mapping) come JPA.</a:t>
+            </a:r>
+          </a:p>
+          <a:p>
+            <a:r>
+              <a:rPr lang="it-IT" b="1" dirty="0" err="1"/>
+              <a:t>It.parthenope.taxi.repository</a:t>
+            </a:r>
+            <a:r>
+              <a:rPr lang="it-IT" b="1" dirty="0"/>
+              <a:t> </a:t>
+            </a:r>
+            <a:r>
+              <a:rPr lang="it-IT" dirty="0"/>
+              <a:t>= contiene le classi che astraggono la logica di accesso ai dati. </a:t>
+            </a:r>
+          </a:p>
+          <a:p>
+            <a:r>
+              <a:rPr lang="it-IT" b="1" dirty="0" err="1"/>
+              <a:t>It.parthenope.taxi.service</a:t>
+            </a:r>
+            <a:r>
+              <a:rPr lang="it-IT" b="1" dirty="0"/>
+              <a:t> </a:t>
+            </a:r>
+            <a:r>
+              <a:rPr lang="it-IT" dirty="0"/>
+              <a:t>= contiene le interfacce che verranno utilizzate per recuperare e persistere i dati</a:t>
+            </a:r>
+          </a:p>
+          <a:p>
+            <a:r>
+              <a:rPr lang="it-IT" b="1" dirty="0" err="1"/>
+              <a:t>It.parthenope.taxi.service.impl</a:t>
+            </a:r>
+            <a:r>
+              <a:rPr lang="it-IT" b="1" dirty="0"/>
+              <a:t> </a:t>
+            </a:r>
+            <a:r>
+              <a:rPr lang="it-IT" dirty="0"/>
+              <a:t>= contiene l’implementazione dei servizi. </a:t>
+            </a:r>
+          </a:p>
+          <a:p>
+            <a:r>
+              <a:rPr lang="it-IT" b="1" dirty="0" err="1"/>
+              <a:t>It.parthenope.taxi.email</a:t>
+            </a:r>
+            <a:r>
+              <a:rPr lang="it-IT" b="1" dirty="0"/>
+              <a:t> </a:t>
+            </a:r>
+            <a:r>
+              <a:rPr lang="it-IT" dirty="0"/>
+              <a:t>= contiene il </a:t>
+            </a:r>
+            <a:r>
+              <a:rPr lang="it-IT" dirty="0" err="1"/>
+              <a:t>configuration</a:t>
+            </a:r>
+            <a:r>
+              <a:rPr lang="it-IT" dirty="0"/>
+              <a:t>, il </a:t>
+            </a:r>
+            <a:r>
+              <a:rPr lang="it-IT" dirty="0" err="1"/>
+              <a:t>listener</a:t>
+            </a:r>
+            <a:r>
+              <a:rPr lang="it-IT" dirty="0"/>
+              <a:t>, e il </a:t>
+            </a:r>
+            <a:r>
+              <a:rPr lang="it-IT" dirty="0" err="1"/>
+              <a:t>thread</a:t>
+            </a:r>
+            <a:r>
+              <a:rPr lang="it-IT" dirty="0"/>
+              <a:t> per la gestione del server email. </a:t>
+            </a:r>
+          </a:p>
+        </p:txBody>
+      </p:sp>
+      <p:sp>
+        <p:nvSpPr>
+          <p:cNvPr id="4" name="Segnaposto data 3">
+            <a:extLst>
+              <a:ext uri="{FF2B5EF4-FFF2-40B4-BE49-F238E27FC236}">
+                <a16:creationId xmlns:a16="http://schemas.microsoft.com/office/drawing/2014/main" id="{9DD6D8E3-AB2E-BD92-D2FC-D4BB4699940E}"/>
+              </a:ext>
+            </a:extLst>
+          </p:cNvPr>
+          <p:cNvSpPr>
+            <a:spLocks noGrp="1"/>
+          </p:cNvSpPr>
+          <p:nvPr>
+            <p:ph type="dt" sz="half" idx="10"/>
+          </p:nvPr>
+        </p:nvSpPr>
+        <p:spPr/>
+        <p:txBody>
+          <a:bodyPr/>
+          <a:lstStyle/>
+          <a:p>
+            <a:pPr rtl="0"/>
+            <a:r>
+              <a:rPr lang="it-IT"/>
+              <a:t>    </a:t>
+            </a:r>
+            <a:endParaRPr lang="en-US" dirty="0"/>
+          </a:p>
+        </p:txBody>
+      </p:sp>
+      <p:sp>
+        <p:nvSpPr>
+          <p:cNvPr id="5" name="Segnaposto numero diapositiva 4">
+            <a:extLst>
+              <a:ext uri="{FF2B5EF4-FFF2-40B4-BE49-F238E27FC236}">
+                <a16:creationId xmlns:a16="http://schemas.microsoft.com/office/drawing/2014/main" id="{69AA77EC-3537-B2EF-F1F0-B76E42E5AC5E}"/>
+              </a:ext>
+            </a:extLst>
+          </p:cNvPr>
+          <p:cNvSpPr>
+            <a:spLocks noGrp="1"/>
+          </p:cNvSpPr>
+          <p:nvPr>
+            <p:ph type="sldNum" sz="quarter" idx="12"/>
+          </p:nvPr>
+        </p:nvSpPr>
+        <p:spPr/>
+        <p:txBody>
+          <a:bodyPr/>
+          <a:lstStyle/>
+          <a:p>
+            <a:pPr rtl="0"/>
+            <a:fld id="{3A98EE3D-8CD1-4C3F-BD1C-C98C9596463C}" type="slidenum">
+              <a:rPr lang="en-US" smtClean="0"/>
+              <a:t>11</a:t>
+            </a:fld>
+            <a:endParaRPr lang="en-US" dirty="0"/>
+          </a:p>
+        </p:txBody>
+      </p:sp>
+    </p:spTree>
+    <p:extLst>
+      <p:ext uri="{BB962C8B-B14F-4D97-AF65-F5344CB8AC3E}">
+        <p14:creationId xmlns:p14="http://schemas.microsoft.com/office/powerpoint/2010/main" val="2281297610"/>
+      </p:ext>
+    </p:extLst>
+  </p:cSld>
+  <p:clrMapOvr>
+    <a:masterClrMapping/>
+  </p:clrMapOvr>
+</p:sld>
+</file>
+
+<file path=ppt/slides/slide12.xml><?xml version="1.0" encoding="utf-8"?>
+<p:sld xmlns:a="http://schemas.openxmlformats.org/drawingml/2006/main" xmlns:r="http://schemas.openxmlformats.org/officeDocument/2006/relationships" xmlns:p="http://schemas.openxmlformats.org/presentationml/2006/main">
+  <p:cSld>
+    <p:spTree>
+      <p:nvGrpSpPr>
+        <p:cNvPr id="1" name=""/>
+        <p:cNvGrpSpPr/>
+        <p:nvPr/>
+      </p:nvGrpSpPr>
+      <p:grpSpPr>
+        <a:xfrm>
+          <a:off x="0" y="0"/>
+          <a:ext cx="0" cy="0"/>
+          <a:chOff x="0" y="0"/>
+          <a:chExt cx="0" cy="0"/>
+        </a:xfrm>
+      </p:grpSpPr>
+      <p:sp>
+        <p:nvSpPr>
+          <p:cNvPr id="2" name="Titolo 1">
+            <a:extLst>
+              <a:ext uri="{FF2B5EF4-FFF2-40B4-BE49-F238E27FC236}">
+                <a16:creationId xmlns:a16="http://schemas.microsoft.com/office/drawing/2014/main" id="{6F23003B-EA7C-E086-93D9-75D744D6B62F}"/>
+              </a:ext>
+            </a:extLst>
+          </p:cNvPr>
+          <p:cNvSpPr>
+            <a:spLocks noGrp="1"/>
+          </p:cNvSpPr>
+          <p:nvPr>
+            <p:ph type="title"/>
+          </p:nvPr>
+        </p:nvSpPr>
+        <p:spPr/>
+        <p:txBody>
+          <a:bodyPr/>
+          <a:lstStyle/>
+          <a:p>
+            <a:r>
+              <a:rPr lang="it-IT" dirty="0"/>
+              <a:t>IMPLEMENTAZIONE - SOLID</a:t>
+            </a:r>
+          </a:p>
+        </p:txBody>
+      </p:sp>
+      <p:sp>
+        <p:nvSpPr>
+          <p:cNvPr id="3" name="Segnaposto contenuto 2">
+            <a:extLst>
+              <a:ext uri="{FF2B5EF4-FFF2-40B4-BE49-F238E27FC236}">
+                <a16:creationId xmlns:a16="http://schemas.microsoft.com/office/drawing/2014/main" id="{36A59B6F-8AE4-C03D-46D0-04F47240BB3C}"/>
+              </a:ext>
+            </a:extLst>
+          </p:cNvPr>
+          <p:cNvSpPr>
+            <a:spLocks noGrp="1"/>
+          </p:cNvSpPr>
+          <p:nvPr>
+            <p:ph idx="1"/>
+          </p:nvPr>
+        </p:nvSpPr>
+        <p:spPr/>
+        <p:txBody>
+          <a:bodyPr>
+            <a:normAutofit fontScale="92500" lnSpcReduction="20000"/>
+          </a:bodyPr>
+          <a:lstStyle/>
+          <a:p>
+            <a:r>
+              <a:rPr lang="it-IT" sz="3200" b="1" dirty="0" err="1"/>
+              <a:t>S</a:t>
+            </a:r>
+            <a:r>
+              <a:rPr lang="it-IT" sz="3200" dirty="0"/>
+              <a:t> </a:t>
+            </a:r>
+            <a:r>
+              <a:rPr lang="it-IT" dirty="0"/>
+              <a:t>: Rispetta il principio Sigle </a:t>
+            </a:r>
+            <a:r>
+              <a:rPr lang="it-IT" dirty="0" err="1"/>
+              <a:t>Responsability</a:t>
+            </a:r>
+            <a:r>
+              <a:rPr lang="it-IT" dirty="0"/>
+              <a:t> in quanto ogni package ha una responsabilità unica</a:t>
+            </a:r>
+          </a:p>
+          <a:p>
+            <a:r>
+              <a:rPr lang="it-IT" sz="3200" b="1" dirty="0"/>
+              <a:t>O</a:t>
+            </a:r>
+            <a:r>
+              <a:rPr lang="it-IT" dirty="0"/>
+              <a:t> : Rispetta l’Open / </a:t>
+            </a:r>
+            <a:r>
+              <a:rPr lang="it-IT" dirty="0" err="1"/>
+              <a:t>Closed</a:t>
+            </a:r>
+            <a:r>
+              <a:rPr lang="it-IT" dirty="0"/>
+              <a:t> in quanto grazie ai service e ai mapper può essere esteso senza modificare il codice </a:t>
+            </a:r>
+          </a:p>
+          <a:p>
+            <a:r>
+              <a:rPr lang="it-IT" sz="3200" b="1" dirty="0"/>
+              <a:t>L</a:t>
+            </a:r>
+            <a:r>
+              <a:rPr lang="it-IT" dirty="0"/>
+              <a:t> : Rispetta il </a:t>
+            </a:r>
+            <a:r>
+              <a:rPr lang="it-IT" dirty="0" err="1"/>
+              <a:t>Liskov</a:t>
+            </a:r>
+            <a:r>
+              <a:rPr lang="it-IT" dirty="0"/>
+              <a:t> </a:t>
+            </a:r>
+            <a:r>
+              <a:rPr lang="it-IT" dirty="0" err="1"/>
+              <a:t>Substitution</a:t>
+            </a:r>
+            <a:r>
+              <a:rPr lang="it-IT" dirty="0"/>
+              <a:t> in quanto l’uso di interfacce ed implementazione consentono la sostituzione delle implementazioni senza cambiare il comportamento</a:t>
+            </a:r>
+          </a:p>
+          <a:p>
+            <a:r>
+              <a:rPr lang="it-IT" sz="3500" b="1" dirty="0"/>
+              <a:t>I </a:t>
+            </a:r>
+            <a:r>
+              <a:rPr lang="it-IT" dirty="0"/>
+              <a:t>: Rispetta Interface </a:t>
+            </a:r>
+            <a:r>
+              <a:rPr lang="it-IT" dirty="0" err="1"/>
+              <a:t>Segregation</a:t>
+            </a:r>
+            <a:r>
+              <a:rPr lang="it-IT" dirty="0"/>
+              <a:t> in quanto l’uso di interfacce per definire operazioni permette al client di non dipendere da metodi che non </a:t>
+            </a:r>
+            <a:r>
+              <a:rPr lang="it-IT" dirty="0" err="1"/>
+              <a:t>utiliza</a:t>
+            </a:r>
+            <a:endParaRPr lang="it-IT" dirty="0"/>
+          </a:p>
+          <a:p>
+            <a:r>
+              <a:rPr lang="it-IT" sz="3500" b="1" dirty="0"/>
+              <a:t>D </a:t>
+            </a:r>
+            <a:r>
+              <a:rPr lang="it-IT" sz="1600" dirty="0"/>
+              <a:t>: Rispetta </a:t>
+            </a:r>
+            <a:r>
+              <a:rPr lang="it-IT" sz="1600" dirty="0" err="1"/>
+              <a:t>Dependency</a:t>
+            </a:r>
+            <a:r>
+              <a:rPr lang="it-IT" sz="1600" dirty="0"/>
+              <a:t> </a:t>
+            </a:r>
+            <a:r>
+              <a:rPr lang="it-IT" sz="1600" dirty="0" err="1"/>
+              <a:t>Inversion</a:t>
+            </a:r>
+            <a:r>
+              <a:rPr lang="it-IT" sz="1600" dirty="0"/>
+              <a:t> in quanto le classi di alto livello come il controller non dipendono da classi di basso livello come i repository, ma entrambe dipendono da astrazioni. </a:t>
+            </a:r>
+          </a:p>
+          <a:p>
+            <a:endParaRPr lang="it-IT" dirty="0"/>
+          </a:p>
+        </p:txBody>
+      </p:sp>
+      <p:sp>
+        <p:nvSpPr>
+          <p:cNvPr id="4" name="Segnaposto data 3">
+            <a:extLst>
+              <a:ext uri="{FF2B5EF4-FFF2-40B4-BE49-F238E27FC236}">
+                <a16:creationId xmlns:a16="http://schemas.microsoft.com/office/drawing/2014/main" id="{727CD983-F01C-91A1-BD4E-573B35C920E2}"/>
+              </a:ext>
+            </a:extLst>
+          </p:cNvPr>
+          <p:cNvSpPr>
+            <a:spLocks noGrp="1"/>
+          </p:cNvSpPr>
+          <p:nvPr>
+            <p:ph type="dt" sz="half" idx="10"/>
+          </p:nvPr>
+        </p:nvSpPr>
+        <p:spPr/>
+        <p:txBody>
+          <a:bodyPr/>
+          <a:lstStyle/>
+          <a:p>
+            <a:pPr rtl="0"/>
+            <a:r>
+              <a:rPr lang="it-IT"/>
+              <a:t>    </a:t>
+            </a:r>
+            <a:endParaRPr lang="en-US" dirty="0"/>
+          </a:p>
+        </p:txBody>
+      </p:sp>
+      <p:sp>
+        <p:nvSpPr>
+          <p:cNvPr id="5" name="Segnaposto numero diapositiva 4">
+            <a:extLst>
+              <a:ext uri="{FF2B5EF4-FFF2-40B4-BE49-F238E27FC236}">
+                <a16:creationId xmlns:a16="http://schemas.microsoft.com/office/drawing/2014/main" id="{0D786169-1A0D-9863-5038-1A4EC6875AB1}"/>
+              </a:ext>
+            </a:extLst>
+          </p:cNvPr>
+          <p:cNvSpPr>
+            <a:spLocks noGrp="1"/>
+          </p:cNvSpPr>
+          <p:nvPr>
+            <p:ph type="sldNum" sz="quarter" idx="12"/>
+          </p:nvPr>
+        </p:nvSpPr>
+        <p:spPr/>
+        <p:txBody>
+          <a:bodyPr/>
+          <a:lstStyle/>
+          <a:p>
+            <a:pPr rtl="0"/>
+            <a:fld id="{3A98EE3D-8CD1-4C3F-BD1C-C98C9596463C}" type="slidenum">
+              <a:rPr lang="en-US" smtClean="0"/>
+              <a:t>12</a:t>
+            </a:fld>
+            <a:endParaRPr lang="en-US" dirty="0"/>
+          </a:p>
+        </p:txBody>
+      </p:sp>
+    </p:spTree>
+    <p:extLst>
+      <p:ext uri="{BB962C8B-B14F-4D97-AF65-F5344CB8AC3E}">
+        <p14:creationId xmlns:p14="http://schemas.microsoft.com/office/powerpoint/2010/main" val="3152717658"/>
+      </p:ext>
+    </p:extLst>
+  </p:cSld>
+  <p:clrMapOvr>
+    <a:masterClrMapping/>
+  </p:clrMapOvr>
+</p:sld>
+</file>
+
+<file path=ppt/slides/slide13.xml><?xml version="1.0" encoding="utf-8"?>
 <p:sld xmlns:a="http://schemas.openxmlformats.org/drawingml/2006/main" xmlns:r="http://schemas.openxmlformats.org/officeDocument/2006/relationships" xmlns:p="http://schemas.openxmlformats.org/presentationml/2006/main">
   <p:cSld>
     <p:spTree>
@@ -6516,8 +5916,13 @@
           <a:p>
             <a:r>
               <a:rPr lang="it-IT" dirty="0"/>
-              <a:t>Progettazione – Design Patterns Utilizzati</a:t>
-            </a:r>
+              <a:t>Progettazione – Componente </a:t>
+            </a:r>
+            <a:r>
+              <a:rPr lang="it-IT" dirty="0" err="1"/>
+              <a:t>EMAIl</a:t>
+            </a:r>
+            <a:endParaRPr lang="it-IT" dirty="0"/>
           </a:p>
         </p:txBody>
       </p:sp>
@@ -6571,7 +5976,7 @@
         <p:spPr>
           <a:xfrm>
             <a:off x="581190" y="2245405"/>
-            <a:ext cx="8001333" cy="4524315"/>
+            <a:ext cx="8001333" cy="4555093"/>
           </a:xfrm>
           <a:prstGeom prst="rect">
             <a:avLst/>
@@ -6589,22 +5994,140 @@
               <a:buChar char="•"/>
             </a:pPr>
             <a:r>
-              <a:rPr lang="it-IT" b="1" dirty="0" err="1">
-                <a:effectLst/>
-              </a:rPr>
-              <a:t>Sigleton</a:t>
-            </a:r>
-            <a:r>
-              <a:rPr lang="it-IT" b="1" dirty="0">
-                <a:effectLst/>
-              </a:rPr>
-              <a:t> Pattern: </a:t>
+              <a:rPr lang="it-IT" sz="2000" b="1" dirty="0">
+                <a:effectLst/>
+              </a:rPr>
+              <a:t>Concetti utilizzati: </a:t>
+            </a:r>
+            <a:r>
+              <a:rPr lang="it-IT" dirty="0" err="1">
+                <a:effectLst/>
+              </a:rPr>
+              <a:t>Dependency</a:t>
             </a:r>
             <a:r>
               <a:rPr lang="it-IT" dirty="0">
                 <a:effectLst/>
               </a:rPr>
-              <a:t>utilizzato all’ interno dei repository del progetto. Assicura che una sola istanza di ciascuna di queste classi esista nell’applicazione, fornendo un’ unica porta di accesso a tali istanze. </a:t>
+              <a:t> Injection (@</a:t>
+            </a:r>
+            <a:r>
+              <a:rPr lang="it-IT" dirty="0" err="1">
+                <a:effectLst/>
+              </a:rPr>
+              <a:t>Autowired</a:t>
+            </a:r>
+            <a:r>
+              <a:rPr lang="it-IT" dirty="0">
+                <a:effectLst/>
+              </a:rPr>
+              <a:t>), </a:t>
+            </a:r>
+            <a:r>
+              <a:rPr lang="it-IT" dirty="0" err="1">
+                <a:effectLst/>
+              </a:rPr>
+              <a:t>Configuration</a:t>
+            </a:r>
+            <a:r>
+              <a:rPr lang="it-IT" dirty="0">
+                <a:effectLst/>
+              </a:rPr>
+              <a:t> (@</a:t>
+            </a:r>
+            <a:r>
+              <a:rPr lang="it-IT" dirty="0" err="1">
+                <a:effectLst/>
+              </a:rPr>
+              <a:t>Configuration</a:t>
+            </a:r>
+            <a:r>
+              <a:rPr lang="it-IT" dirty="0">
+                <a:effectLst/>
+              </a:rPr>
+              <a:t>), Valori </a:t>
+            </a:r>
+            <a:r>
+              <a:rPr lang="it-IT" dirty="0" err="1">
+                <a:effectLst/>
+              </a:rPr>
+              <a:t>externalizzati</a:t>
+            </a:r>
+            <a:r>
+              <a:rPr lang="it-IT" dirty="0">
+                <a:effectLst/>
+              </a:rPr>
+              <a:t> (@</a:t>
+            </a:r>
+            <a:r>
+              <a:rPr lang="it-IT" dirty="0"/>
+              <a:t>V</a:t>
+            </a:r>
+            <a:r>
+              <a:rPr lang="it-IT" dirty="0">
+                <a:effectLst/>
+              </a:rPr>
+              <a:t>alue), Gestione delle </a:t>
+            </a:r>
+            <a:r>
+              <a:rPr lang="it-IT" dirty="0" err="1">
+                <a:effectLst/>
+              </a:rPr>
+              <a:t>eccezzioni</a:t>
+            </a:r>
+            <a:r>
+              <a:rPr lang="it-IT" dirty="0">
+                <a:effectLst/>
+              </a:rPr>
+              <a:t>(</a:t>
+            </a:r>
+            <a:r>
+              <a:rPr lang="it-IT" dirty="0" err="1">
+                <a:effectLst/>
+              </a:rPr>
+              <a:t>try</a:t>
+            </a:r>
+            <a:r>
+              <a:rPr lang="it-IT" dirty="0">
+                <a:effectLst/>
+              </a:rPr>
+              <a:t>-catch), </a:t>
+            </a:r>
+            <a:r>
+              <a:rPr lang="it-IT" dirty="0" err="1">
+                <a:effectLst/>
+              </a:rPr>
+              <a:t>Multithrreading</a:t>
+            </a:r>
+            <a:r>
+              <a:rPr lang="it-IT" dirty="0">
+                <a:effectLst/>
+              </a:rPr>
+              <a:t> (</a:t>
+            </a:r>
+            <a:r>
+              <a:rPr lang="it-IT" dirty="0" err="1">
+                <a:effectLst/>
+              </a:rPr>
+              <a:t>KeepAlive</a:t>
+            </a:r>
+            <a:r>
+              <a:rPr lang="it-IT" dirty="0">
+                <a:effectLst/>
+              </a:rPr>
+              <a:t> </a:t>
+            </a:r>
+            <a:r>
+              <a:rPr lang="it-IT" dirty="0" err="1">
+                <a:effectLst/>
+              </a:rPr>
+              <a:t>runnable</a:t>
+            </a:r>
+            <a:r>
+              <a:rPr lang="it-IT" dirty="0">
+                <a:effectLst/>
+              </a:rPr>
+              <a:t>) di tipo Background. </a:t>
             </a:r>
             <a:br>
               <a:rPr lang="it-IT" dirty="0">
@@ -6621,82 +6144,144 @@
               <a:buChar char="•"/>
             </a:pPr>
             <a:r>
-              <a:rPr lang="it-IT" b="1" dirty="0" err="1"/>
-              <a:t>Factory</a:t>
-            </a:r>
-            <a:r>
-              <a:rPr lang="it-IT" b="1" dirty="0"/>
-              <a:t> </a:t>
-            </a:r>
-            <a:r>
-              <a:rPr lang="it-IT" b="1" dirty="0" err="1"/>
-              <a:t>method</a:t>
-            </a:r>
-            <a:r>
-              <a:rPr lang="it-IT" b="1" dirty="0"/>
-              <a:t>: </a:t>
-            </a:r>
-            <a:r>
-              <a:rPr lang="it-IT" dirty="0"/>
-              <a:t>utilizzato ad esempio nella classe </a:t>
-            </a:r>
-            <a:r>
-              <a:rPr lang="it-IT" dirty="0" err="1"/>
-              <a:t>RequestService</a:t>
-            </a:r>
-            <a:r>
-              <a:rPr lang="it-IT" dirty="0"/>
-              <a:t>, il metodo </a:t>
-            </a:r>
-            <a:r>
-              <a:rPr lang="it-IT" dirty="0" err="1"/>
-              <a:t>createRequest</a:t>
-            </a:r>
-            <a:r>
-              <a:rPr lang="it-IT" dirty="0"/>
-              <a:t>() funge da </a:t>
-            </a:r>
-            <a:r>
-              <a:rPr lang="it-IT" dirty="0" err="1"/>
-              <a:t>factory</a:t>
-            </a:r>
-            <a:r>
-              <a:rPr lang="it-IT" dirty="0"/>
-              <a:t> </a:t>
-            </a:r>
-            <a:r>
-              <a:rPr lang="it-IT" dirty="0" err="1"/>
-              <a:t>method</a:t>
-            </a:r>
-            <a:r>
-              <a:rPr lang="it-IT" dirty="0"/>
-              <a:t> per la creazione di nuovi oggetti. Separando la logica principale del servizio, facilitandone l’estensione e la personalizzazione. </a:t>
-            </a:r>
-            <a:br>
-              <a:rPr lang="it-IT" dirty="0"/>
-            </a:br>
-            <a:endParaRPr lang="it-IT" dirty="0"/>
+              <a:rPr lang="it-IT" b="1" dirty="0">
+                <a:effectLst/>
+              </a:rPr>
+              <a:t>Singleton</a:t>
+            </a:r>
+            <a:r>
+              <a:rPr lang="it-IT" dirty="0">
+                <a:effectLst/>
+              </a:rPr>
+              <a:t>: Il pattern Singleton è implicitamente utilizzato nella definizione dei </a:t>
+            </a:r>
+            <a:r>
+              <a:rPr lang="it-IT" dirty="0" err="1">
+                <a:effectLst/>
+              </a:rPr>
+              <a:t>bean</a:t>
+            </a:r>
+            <a:r>
+              <a:rPr lang="it-IT" dirty="0">
+                <a:effectLst/>
+              </a:rPr>
+              <a:t> con @Bean in una classe @</a:t>
+            </a:r>
+            <a:r>
+              <a:rPr lang="it-IT" dirty="0" err="1">
+                <a:effectLst/>
+              </a:rPr>
+              <a:t>Configuration</a:t>
+            </a:r>
+            <a:r>
+              <a:rPr lang="it-IT" dirty="0">
+                <a:effectLst/>
+              </a:rPr>
+              <a:t> in Spring.</a:t>
+            </a:r>
           </a:p>
           <a:p>
             <a:pPr marL="285750" indent="-285750">
               <a:buFont typeface="Arial" panose="020B0604020202020204" pitchFamily="34" charset="0"/>
               <a:buChar char="•"/>
             </a:pPr>
+            <a:endParaRPr lang="it-IT" dirty="0"/>
+          </a:p>
+          <a:p>
+            <a:pPr marL="285750" indent="-285750">
+              <a:buFont typeface="Arial" panose="020B0604020202020204" pitchFamily="34" charset="0"/>
+              <a:buChar char="•"/>
+            </a:pPr>
             <a:r>
               <a:rPr lang="it-IT" b="1" dirty="0">
                 <a:effectLst/>
               </a:rPr>
-              <a:t>DTO (Data Transfer Object): </a:t>
+              <a:t>Observer</a:t>
             </a:r>
             <a:r>
               <a:rPr lang="it-IT" dirty="0">
                 <a:effectLst/>
               </a:rPr>
-              <a:t>Sono presenti diversi DTO all’ interno </a:t>
-            </a:r>
-            <a:r>
-              <a:rPr lang="it-IT" dirty="0"/>
-              <a:t>del progetto, vengono utilizzati per trasferire i dati tra il livello di persistenza dei dati e il livello di presentazione. Attraverso l’utilizzo dei mapper convertiamo le entità JPA (presenti nei model) in DTO e viceversa</a:t>
+              <a:t>: Questo pattern è utilizzato nella gestione delle email in arrivo. </a:t>
+            </a:r>
+            <a:r>
+              <a:rPr lang="it-IT" dirty="0" err="1">
+                <a:effectLst/>
+              </a:rPr>
+              <a:t>EmailListener</a:t>
+            </a:r>
+            <a:r>
+              <a:rPr lang="it-IT" dirty="0">
+                <a:effectLst/>
+              </a:rPr>
+              <a:t> agisce come un </a:t>
+            </a:r>
+            <a:r>
+              <a:rPr lang="it-IT" dirty="0" err="1">
+                <a:effectLst/>
+              </a:rPr>
+              <a:t>observer</a:t>
+            </a:r>
+            <a:r>
+              <a:rPr lang="it-IT" dirty="0">
+                <a:effectLst/>
+              </a:rPr>
+              <a:t> che rimane in ascolto di nuove email.</a:t>
+            </a:r>
+          </a:p>
+          <a:p>
+            <a:pPr marL="285750" indent="-285750">
+              <a:buFont typeface="Arial" panose="020B0604020202020204" pitchFamily="34" charset="0"/>
+              <a:buChar char="•"/>
+            </a:pPr>
+            <a:endParaRPr lang="it-IT" dirty="0"/>
+          </a:p>
+          <a:p>
+            <a:pPr marL="285750" indent="-285750">
+              <a:buFont typeface="Arial" panose="020B0604020202020204" pitchFamily="34" charset="0"/>
+              <a:buChar char="•"/>
+            </a:pPr>
+            <a:r>
+              <a:rPr lang="it-IT" b="1" dirty="0" err="1">
+                <a:effectLst/>
+              </a:rPr>
+              <a:t>Factory</a:t>
+            </a:r>
+            <a:r>
+              <a:rPr lang="it-IT" b="1" dirty="0">
+                <a:effectLst/>
+              </a:rPr>
+              <a:t> Method:</a:t>
+            </a:r>
+            <a:r>
+              <a:rPr lang="it-IT" dirty="0">
+                <a:effectLst/>
+              </a:rPr>
+              <a:t> Anche se non esplicitamente indicato come tale, il concetto dietro l'uso di @Bean per creare istanze di Session e </a:t>
+            </a:r>
+            <a:r>
+              <a:rPr lang="it-IT" dirty="0" err="1">
+                <a:effectLst/>
+              </a:rPr>
+              <a:t>EmailListener</a:t>
+            </a:r>
+            <a:r>
+              <a:rPr lang="it-IT" dirty="0">
+                <a:effectLst/>
+              </a:rPr>
+              <a:t> rientra nella logica del </a:t>
+            </a:r>
+            <a:r>
+              <a:rPr lang="it-IT" dirty="0" err="1">
+                <a:effectLst/>
+              </a:rPr>
+              <a:t>Factory</a:t>
+            </a:r>
+            <a:r>
+              <a:rPr lang="it-IT" dirty="0">
+                <a:effectLst/>
+              </a:rPr>
+              <a:t> Method pattern</a:t>
             </a:r>
             <a:br>
               <a:rPr lang="it-IT" dirty="0">
@@ -6781,7 +6366,7 @@
             <a:pPr rtl="0"/>
             <a:fld id="{3A98EE3D-8CD1-4C3F-BD1C-C98C9596463C}" type="slidenum">
               <a:rPr lang="en-US" smtClean="0"/>
-              <a:t>11</a:t>
+              <a:t>13</a:t>
             </a:fld>
             <a:endParaRPr lang="en-US" dirty="0"/>
           </a:p>
@@ -6800,7 +6385,7 @@
 </p:sld>
 </file>
 
-<file path=ppt/slides/slide12.xml><?xml version="1.0" encoding="utf-8"?>
+<file path=ppt/slides/slide14.xml><?xml version="1.0" encoding="utf-8"?>
 <p:sld xmlns:a="http://schemas.openxmlformats.org/drawingml/2006/main" xmlns:r="http://schemas.openxmlformats.org/officeDocument/2006/relationships" xmlns:p="http://schemas.openxmlformats.org/presentationml/2006/main">
   <p:cSld>
     <p:spTree>
@@ -6846,7 +6431,7 @@
           <a:p>
             <a:r>
               <a:rPr lang="it-IT" dirty="0"/>
-              <a:t>Progettazione – Design Patterns Utilizzati</a:t>
+              <a:t>Progettazione – Componente richieste</a:t>
             </a:r>
           </a:p>
         </p:txBody>
@@ -6901,7 +6486,7 @@
         <p:spPr>
           <a:xfrm>
             <a:off x="581190" y="2245405"/>
-            <a:ext cx="8001333" cy="3693319"/>
+            <a:ext cx="8001333" cy="4801314"/>
           </a:xfrm>
           <a:prstGeom prst="rect">
             <a:avLst/>
@@ -6922,87 +6507,87 @@
               <a:rPr lang="it-IT" b="1" dirty="0">
                 <a:effectLst/>
               </a:rPr>
-              <a:t>Model-</a:t>
-            </a:r>
-            <a:r>
-              <a:rPr lang="it-IT" b="1" dirty="0" err="1">
-                <a:effectLst/>
-              </a:rPr>
-              <a:t>View</a:t>
-            </a:r>
-            <a:r>
-              <a:rPr lang="it-IT" b="1" dirty="0">
-                <a:effectLst/>
-              </a:rPr>
-              <a:t>-Controller (MVC): </a:t>
+              <a:t>Concetti Utilizzati: </a:t>
             </a:r>
             <a:r>
               <a:rPr lang="it-IT" dirty="0">
                 <a:effectLst/>
               </a:rPr>
-              <a:t>utilizzato all’ interno dei controller del progetto. dove il controller gestisce le richieste HTTP, chiama il servizio appropriato e restituisce una risposta</a:t>
-            </a:r>
-            <a:br>
+              <a:t>Annotazioni (@</a:t>
+            </a:r>
+            <a:r>
+              <a:rPr lang="it-IT" dirty="0" err="1">
+                <a:effectLst/>
+              </a:rPr>
+              <a:t>Autowired</a:t>
+            </a:r>
+            <a:r>
               <a:rPr lang="it-IT" dirty="0">
                 <a:effectLst/>
               </a:rPr>
-            </a:br>
-            <a:endParaRPr lang="it-IT" dirty="0">
-              <a:effectLst/>
-            </a:endParaRPr>
-          </a:p>
-          <a:p>
-            <a:pPr marL="285750" indent="-285750">
-              <a:buFont typeface="Arial" panose="020B0604020202020204" pitchFamily="34" charset="0"/>
-              <a:buChar char="•"/>
-            </a:pPr>
-            <a:r>
-              <a:rPr lang="it-IT" b="1" dirty="0"/>
-              <a:t>Repository Pattern: </a:t>
+              <a:t>, @Service, @Repository,@</a:t>
+            </a:r>
+            <a:r>
+              <a:rPr lang="it-IT" dirty="0" err="1">
+                <a:effectLst/>
+              </a:rPr>
+              <a:t>Entity</a:t>
+            </a:r>
+            <a:r>
+              <a:rPr lang="it-IT" dirty="0">
+                <a:effectLst/>
+              </a:rPr>
+              <a:t>, @</a:t>
+            </a:r>
+            <a:r>
+              <a:rPr lang="it-IT" dirty="0" err="1">
+                <a:effectLst/>
+              </a:rPr>
+              <a:t>RestController</a:t>
             </a:r>
             <a:r>
               <a:rPr lang="it-IT" dirty="0"/>
-              <a:t>utilizzo i repository per implementare le interfacce che estendono </a:t>
+              <a:t>, </a:t>
+            </a:r>
+            <a:r>
+              <a:rPr lang="it-IT" dirty="0" err="1">
+                <a:effectLst/>
+              </a:rPr>
+              <a:t>Dependency</a:t>
+            </a:r>
+            <a:r>
+              <a:rPr lang="it-IT" dirty="0">
+                <a:effectLst/>
+              </a:rPr>
+              <a:t> Injection (@</a:t>
+            </a:r>
+            <a:r>
+              <a:rPr lang="it-IT" dirty="0" err="1">
+                <a:effectLst/>
+              </a:rPr>
+              <a:t>Autowired</a:t>
+            </a:r>
+            <a:r>
+              <a:rPr lang="it-IT" dirty="0">
+                <a:effectLst/>
+              </a:rPr>
+              <a:t>), </a:t>
             </a:r>
             <a:r>
               <a:rPr lang="it-IT" dirty="0" err="1"/>
-              <a:t>JPARepository</a:t>
+              <a:t>Generics</a:t>
             </a:r>
             <a:r>
               <a:rPr lang="it-IT" dirty="0"/>
-              <a:t>, separando la logica di accesso ai dati</a:t>
-            </a:r>
-            <a:br>
+              <a:t>, Eccezioni (</a:t>
+            </a:r>
+            <a:r>
+              <a:rPr lang="it-IT" dirty="0" err="1"/>
+              <a:t>try</a:t>
+            </a:r>
+            <a:r>
               <a:rPr lang="it-IT" dirty="0"/>
-            </a:br>
-            <a:endParaRPr lang="it-IT" dirty="0"/>
-          </a:p>
-          <a:p>
-            <a:pPr marL="285750" indent="-285750">
-              <a:buFont typeface="Arial" panose="020B0604020202020204" pitchFamily="34" charset="0"/>
-              <a:buChar char="•"/>
-            </a:pPr>
-            <a:r>
-              <a:rPr lang="it-IT" b="1" dirty="0">
-                <a:effectLst/>
-              </a:rPr>
-              <a:t>Mapper Pattern: </a:t>
-            </a:r>
-            <a:r>
-              <a:rPr lang="it-IT" dirty="0">
-                <a:effectLst/>
-              </a:rPr>
-              <a:t>per gestire la conversione tra oggetti DTO e oggetti di modello. </a:t>
-            </a:r>
-            <a:r>
-              <a:rPr lang="it-IT" dirty="0"/>
-              <a:t>P</a:t>
-            </a:r>
-            <a:r>
-              <a:rPr lang="it-IT" dirty="0">
-                <a:effectLst/>
-              </a:rPr>
-              <a:t>attern di mappatura che aiuta a mantenere separati i modelli di dominio dai modelli di presentazione</a:t>
+              <a:t> catch)</a:t>
             </a:r>
           </a:p>
           <a:p>
@@ -7015,6 +6600,121 @@
             </a:endParaRPr>
           </a:p>
           <a:p>
+            <a:pPr marL="285750" indent="-285750">
+              <a:buFont typeface="Arial" panose="020B0604020202020204" pitchFamily="34" charset="0"/>
+              <a:buChar char="•"/>
+            </a:pPr>
+            <a:r>
+              <a:rPr lang="it-IT" b="1" dirty="0"/>
+              <a:t>Adapter Pattern: </a:t>
+            </a:r>
+            <a:r>
+              <a:rPr lang="it-IT" dirty="0"/>
+              <a:t>il mapper che converte tra entità e DTO. </a:t>
+            </a:r>
+          </a:p>
+          <a:p>
+            <a:pPr marL="285750" indent="-285750">
+              <a:buFont typeface="Arial" panose="020B0604020202020204" pitchFamily="34" charset="0"/>
+              <a:buChar char="•"/>
+            </a:pPr>
+            <a:endParaRPr lang="it-IT" dirty="0">
+              <a:effectLst/>
+            </a:endParaRPr>
+          </a:p>
+          <a:p>
+            <a:pPr marL="285750" indent="-285750">
+              <a:buFont typeface="Arial" panose="020B0604020202020204" pitchFamily="34" charset="0"/>
+              <a:buChar char="•"/>
+            </a:pPr>
+            <a:r>
+              <a:rPr lang="it-IT" b="1" dirty="0"/>
+              <a:t>Singleton Pattern: </a:t>
+            </a:r>
+            <a:r>
+              <a:rPr lang="it-IT" dirty="0"/>
+              <a:t>componenti di default @Service, @Repository, e @Controller per spring. </a:t>
+            </a:r>
+          </a:p>
+          <a:p>
+            <a:pPr marL="285750" indent="-285750">
+              <a:buFont typeface="Arial" panose="020B0604020202020204" pitchFamily="34" charset="0"/>
+              <a:buChar char="•"/>
+            </a:pPr>
+            <a:endParaRPr lang="it-IT" dirty="0">
+              <a:effectLst/>
+            </a:endParaRPr>
+          </a:p>
+          <a:p>
+            <a:pPr marL="285750" indent="-285750">
+              <a:buFont typeface="Arial" panose="020B0604020202020204" pitchFamily="34" charset="0"/>
+              <a:buChar char="•"/>
+            </a:pPr>
+            <a:r>
+              <a:rPr lang="it-IT" b="1" dirty="0"/>
+              <a:t>Model </a:t>
+            </a:r>
+            <a:r>
+              <a:rPr lang="it-IT" b="1" dirty="0" err="1"/>
+              <a:t>View</a:t>
+            </a:r>
+            <a:r>
+              <a:rPr lang="it-IT" b="1" dirty="0"/>
+              <a:t> Controller </a:t>
+            </a:r>
+            <a:r>
+              <a:rPr lang="it-IT" dirty="0"/>
+              <a:t>: il server comunica con il front-end tramite i controller i model e le </a:t>
+            </a:r>
+            <a:r>
+              <a:rPr lang="it-IT" dirty="0" err="1"/>
+              <a:t>view</a:t>
+            </a:r>
+            <a:r>
+              <a:rPr lang="it-IT" dirty="0"/>
+              <a:t>. </a:t>
+            </a:r>
+          </a:p>
+          <a:p>
+            <a:pPr marL="285750" indent="-285750">
+              <a:buFont typeface="Arial" panose="020B0604020202020204" pitchFamily="34" charset="0"/>
+              <a:buChar char="•"/>
+            </a:pPr>
+            <a:endParaRPr lang="it-IT" dirty="0">
+              <a:effectLst/>
+            </a:endParaRPr>
+          </a:p>
+          <a:p>
+            <a:pPr marL="285750" indent="-285750">
+              <a:buFont typeface="Arial" panose="020B0604020202020204" pitchFamily="34" charset="0"/>
+              <a:buChar char="•"/>
+            </a:pPr>
+            <a:r>
+              <a:rPr lang="it-IT" b="1" dirty="0" err="1"/>
+              <a:t>Factory</a:t>
+            </a:r>
+            <a:r>
+              <a:rPr lang="it-IT" b="1" dirty="0"/>
+              <a:t> Pattern: </a:t>
+            </a:r>
+            <a:r>
+              <a:rPr lang="it-IT" dirty="0"/>
+              <a:t>utilizzato esplicitamente per la creazione di oggetti senza esporre la logica di creazione al client. </a:t>
+            </a:r>
+            <a:endParaRPr lang="it-IT" dirty="0">
+              <a:effectLst/>
+            </a:endParaRPr>
+          </a:p>
+          <a:p>
+            <a:pPr marL="285750" indent="-285750">
+              <a:buFont typeface="Arial" panose="020B0604020202020204" pitchFamily="34" charset="0"/>
+              <a:buChar char="•"/>
+            </a:pPr>
+            <a:endParaRPr lang="it-IT" dirty="0">
+              <a:effectLst/>
+            </a:endParaRPr>
+          </a:p>
+          <a:p>
             <a:br>
               <a:rPr lang="it-IT" b="0" i="0" dirty="0">
                 <a:solidFill>
@@ -7088,7 +6788,7 @@
             <a:pPr rtl="0"/>
             <a:fld id="{3A98EE3D-8CD1-4C3F-BD1C-C98C9596463C}" type="slidenum">
               <a:rPr lang="en-US" smtClean="0"/>
-              <a:t>12</a:t>
+              <a:t>14</a:t>
             </a:fld>
             <a:endParaRPr lang="en-US" dirty="0"/>
           </a:p>
@@ -7098,406 +6798,6 @@
     <p:extLst>
       <p:ext uri="{BB962C8B-B14F-4D97-AF65-F5344CB8AC3E}">
         <p14:creationId xmlns:p14="http://schemas.microsoft.com/office/powerpoint/2010/main" val="2616922299"/>
-      </p:ext>
-    </p:extLst>
-  </p:cSld>
-  <p:clrMapOvr>
-    <a:masterClrMapping/>
-  </p:clrMapOvr>
-</p:sld>
-</file>
-
-<file path=ppt/slides/slide13.xml><?xml version="1.0" encoding="utf-8"?>
-<p:sld xmlns:a="http://schemas.openxmlformats.org/drawingml/2006/main" xmlns:r="http://schemas.openxmlformats.org/officeDocument/2006/relationships" xmlns:p="http://schemas.openxmlformats.org/presentationml/2006/main">
-  <p:cSld>
-    <p:spTree>
-      <p:nvGrpSpPr>
-        <p:cNvPr id="1" name="">
-          <a:extLst>
-            <a:ext uri="{FF2B5EF4-FFF2-40B4-BE49-F238E27FC236}">
-              <a16:creationId xmlns:a16="http://schemas.microsoft.com/office/drawing/2014/main" id="{2D57A686-B9BE-FE8B-17D4-92C2F41CEB84}"/>
-            </a:ext>
-          </a:extLst>
-        </p:cNvPr>
-        <p:cNvGrpSpPr/>
-        <p:nvPr/>
-      </p:nvGrpSpPr>
-      <p:grpSpPr>
-        <a:xfrm>
-          <a:off x="0" y="0"/>
-          <a:ext cx="0" cy="0"/>
-          <a:chOff x="0" y="0"/>
-          <a:chExt cx="0" cy="0"/>
-        </a:xfrm>
-      </p:grpSpPr>
-      <p:sp>
-        <p:nvSpPr>
-          <p:cNvPr id="2" name="Titolo 1">
-            <a:extLst>
-              <a:ext uri="{FF2B5EF4-FFF2-40B4-BE49-F238E27FC236}">
-                <a16:creationId xmlns:a16="http://schemas.microsoft.com/office/drawing/2014/main" id="{4B60B2D4-FCB3-5B66-1D3E-BB423044106F}"/>
-              </a:ext>
-            </a:extLst>
-          </p:cNvPr>
-          <p:cNvSpPr>
-            <a:spLocks noGrp="1"/>
-          </p:cNvSpPr>
-          <p:nvPr>
-            <p:ph type="title"/>
-          </p:nvPr>
-        </p:nvSpPr>
-        <p:spPr/>
-        <p:txBody>
-          <a:bodyPr/>
-          <a:lstStyle/>
-          <a:p>
-            <a:r>
-              <a:rPr lang="it-IT" dirty="0"/>
-              <a:t>Progettazione – Design Patterns Utilizzati</a:t>
-            </a:r>
-          </a:p>
-        </p:txBody>
-      </p:sp>
-      <p:sp>
-        <p:nvSpPr>
-          <p:cNvPr id="4" name="Segnaposto data 3">
-            <a:extLst>
-              <a:ext uri="{FF2B5EF4-FFF2-40B4-BE49-F238E27FC236}">
-                <a16:creationId xmlns:a16="http://schemas.microsoft.com/office/drawing/2014/main" id="{D2B0C686-E2CE-516A-9530-F3618A5F5727}"/>
-              </a:ext>
-            </a:extLst>
-          </p:cNvPr>
-          <p:cNvSpPr>
-            <a:spLocks noGrp="1"/>
-          </p:cNvSpPr>
-          <p:nvPr>
-            <p:ph type="dt" sz="half" idx="10"/>
-          </p:nvPr>
-        </p:nvSpPr>
-        <p:spPr>
-          <a:xfrm>
-            <a:off x="8766009" y="4784562"/>
-            <a:ext cx="2844799" cy="365125"/>
-          </a:xfrm>
-        </p:spPr>
-        <p:txBody>
-          <a:bodyPr/>
-          <a:lstStyle/>
-          <a:p>
-            <a:pPr rtl="0"/>
-            <a:r>
-              <a:rPr lang="it-IT"/>
-              <a:t>    </a:t>
-            </a:r>
-            <a:endParaRPr lang="en-US" dirty="0"/>
-          </a:p>
-        </p:txBody>
-      </p:sp>
-      <p:sp>
-        <p:nvSpPr>
-          <p:cNvPr id="5" name="CasellaDiTesto 4">
-            <a:extLst>
-              <a:ext uri="{FF2B5EF4-FFF2-40B4-BE49-F238E27FC236}">
-                <a16:creationId xmlns:a16="http://schemas.microsoft.com/office/drawing/2014/main" id="{F2B5D141-53E6-70C9-FECC-7F3F4D39C4D8}"/>
-              </a:ext>
-            </a:extLst>
-          </p:cNvPr>
-          <p:cNvSpPr txBox="1"/>
-          <p:nvPr/>
-        </p:nvSpPr>
-        <p:spPr>
-          <a:xfrm>
-            <a:off x="581190" y="2245405"/>
-            <a:ext cx="8001333" cy="3693319"/>
-          </a:xfrm>
-          <a:prstGeom prst="rect">
-            <a:avLst/>
-          </a:prstGeom>
-          <a:noFill/>
-        </p:spPr>
-        <p:txBody>
-          <a:bodyPr wrap="square" rtlCol="0">
-            <a:spAutoFit/>
-          </a:bodyPr>
-          <a:lstStyle/>
-          <a:p>
-            <a:pPr marL="285750" indent="-285750">
-              <a:buFont typeface="Arial" panose="020B0604020202020204" pitchFamily="34" charset="0"/>
-              <a:buChar char="•"/>
-            </a:pPr>
-            <a:r>
-              <a:rPr lang="it-IT" b="1" dirty="0"/>
-              <a:t>Observer</a:t>
-            </a:r>
-            <a:r>
-              <a:rPr lang="it-IT" b="1" dirty="0">
-                <a:effectLst/>
-              </a:rPr>
-              <a:t>: </a:t>
-            </a:r>
-            <a:r>
-              <a:rPr lang="it-IT" dirty="0">
-                <a:effectLst/>
-              </a:rPr>
-              <a:t>la classe </a:t>
-            </a:r>
-            <a:r>
-              <a:rPr lang="it-IT" dirty="0" err="1">
-                <a:effectLst/>
-              </a:rPr>
-              <a:t>emailListener</a:t>
-            </a:r>
-            <a:r>
-              <a:rPr lang="it-IT" dirty="0">
-                <a:effectLst/>
-              </a:rPr>
-              <a:t> implementa l’interfaccia «</a:t>
-            </a:r>
-            <a:r>
-              <a:rPr lang="it-IT" dirty="0" err="1">
-                <a:effectLst/>
-              </a:rPr>
-              <a:t>MessageCountListener</a:t>
-            </a:r>
-            <a:r>
-              <a:rPr lang="it-IT" dirty="0">
-                <a:effectLst/>
-              </a:rPr>
-              <a:t>», </a:t>
-            </a:r>
-            <a:r>
-              <a:rPr lang="it-IT" dirty="0" err="1">
-                <a:effectLst/>
-              </a:rPr>
-              <a:t>EmailListener</a:t>
-            </a:r>
-            <a:r>
-              <a:rPr lang="it-IT" dirty="0">
-                <a:effectLst/>
-              </a:rPr>
-              <a:t> in questo caso osserva i cambiamenti nel conteggio dei messaggi nella cartella IMAP.</a:t>
-            </a:r>
-            <a:br>
-              <a:rPr lang="it-IT" dirty="0">
-                <a:effectLst/>
-              </a:rPr>
-            </a:br>
-            <a:endParaRPr lang="it-IT" dirty="0">
-              <a:effectLst/>
-            </a:endParaRPr>
-          </a:p>
-          <a:p>
-            <a:pPr marL="285750" indent="-285750">
-              <a:buFont typeface="Arial" panose="020B0604020202020204" pitchFamily="34" charset="0"/>
-              <a:buChar char="•"/>
-            </a:pPr>
-            <a:r>
-              <a:rPr lang="it-IT" b="1" dirty="0"/>
-              <a:t>Strategy: </a:t>
-            </a:r>
-            <a:r>
-              <a:rPr lang="it-IT" dirty="0"/>
-              <a:t>nel metodo </a:t>
-            </a:r>
-            <a:r>
-              <a:rPr lang="it-IT" dirty="0" err="1"/>
-              <a:t>extractTextFromMultipart</a:t>
-            </a:r>
-            <a:r>
-              <a:rPr lang="it-IT" dirty="0"/>
-              <a:t> di </a:t>
-            </a:r>
-            <a:r>
-              <a:rPr lang="it-IT" dirty="0" err="1"/>
-              <a:t>EmailListener</a:t>
-            </a:r>
-            <a:r>
-              <a:rPr lang="it-IT" dirty="0"/>
-              <a:t> il codice varia in base al tipo di contenuto (</a:t>
-            </a:r>
-            <a:r>
-              <a:rPr lang="it-IT" dirty="0" err="1"/>
-              <a:t>plain</a:t>
-            </a:r>
-            <a:r>
-              <a:rPr lang="it-IT" dirty="0"/>
-              <a:t> text, html o </a:t>
-            </a:r>
-            <a:r>
-              <a:rPr lang="it-IT" dirty="0" err="1"/>
-              <a:t>multipart</a:t>
-            </a:r>
-            <a:r>
-              <a:rPr lang="it-IT" dirty="0"/>
-              <a:t>).</a:t>
-            </a:r>
-          </a:p>
-          <a:p>
-            <a:pPr marL="285750" indent="-285750">
-              <a:buFont typeface="Arial" panose="020B0604020202020204" pitchFamily="34" charset="0"/>
-              <a:buChar char="•"/>
-            </a:pPr>
-            <a:endParaRPr lang="it-IT" dirty="0"/>
-          </a:p>
-          <a:p>
-            <a:pPr marL="285750" indent="-285750">
-              <a:buFont typeface="Arial" panose="020B0604020202020204" pitchFamily="34" charset="0"/>
-              <a:buChar char="•"/>
-            </a:pPr>
-            <a:r>
-              <a:rPr lang="it-IT" b="1" dirty="0" err="1"/>
-              <a:t>Dependency</a:t>
-            </a:r>
-            <a:r>
-              <a:rPr lang="it-IT" dirty="0"/>
-              <a:t> </a:t>
-            </a:r>
-            <a:r>
-              <a:rPr lang="it-IT" b="1" dirty="0"/>
-              <a:t>Injection</a:t>
-            </a:r>
-            <a:r>
-              <a:rPr lang="it-IT" dirty="0"/>
-              <a:t>:  utilizzando le </a:t>
-            </a:r>
-            <a:r>
-              <a:rPr lang="it-IT" dirty="0" err="1"/>
-              <a:t>annotation</a:t>
-            </a:r>
-            <a:r>
-              <a:rPr lang="it-IT" dirty="0"/>
-              <a:t> @</a:t>
-            </a:r>
-            <a:r>
-              <a:rPr lang="it-IT" dirty="0" err="1"/>
-              <a:t>Autowired</a:t>
-            </a:r>
-            <a:r>
-              <a:rPr lang="it-IT" dirty="0"/>
-              <a:t>, andando ad iniettare </a:t>
-            </a:r>
-            <a:r>
-              <a:rPr lang="it-IT" dirty="0" err="1"/>
-              <a:t>automaticamnte</a:t>
-            </a:r>
-            <a:r>
-              <a:rPr lang="it-IT" dirty="0"/>
-              <a:t> l’istanza </a:t>
-            </a:r>
-            <a:r>
-              <a:rPr lang="it-IT" dirty="0" err="1"/>
-              <a:t>EmailService</a:t>
-            </a:r>
-            <a:r>
-              <a:rPr lang="it-IT" dirty="0"/>
-              <a:t> quando viene </a:t>
-            </a:r>
-            <a:r>
-              <a:rPr lang="it-IT" dirty="0" err="1"/>
-              <a:t>instanziato</a:t>
-            </a:r>
-            <a:r>
-              <a:rPr lang="it-IT" dirty="0"/>
-              <a:t> l’</a:t>
-            </a:r>
-            <a:r>
-              <a:rPr lang="it-IT" dirty="0" err="1"/>
-              <a:t>emailListener</a:t>
-            </a:r>
-            <a:r>
-              <a:rPr lang="it-IT" dirty="0"/>
-              <a:t>.</a:t>
-            </a:r>
-          </a:p>
-          <a:p>
-            <a:endParaRPr lang="it-IT" dirty="0">
-              <a:effectLst/>
-            </a:endParaRPr>
-          </a:p>
-          <a:p>
-            <a:br>
-              <a:rPr lang="it-IT" b="0" i="0" dirty="0">
-                <a:solidFill>
-                  <a:srgbClr val="5D6879"/>
-                </a:solidFill>
-                <a:effectLst/>
-                <a:latin typeface="Lato" panose="020B0604020202020204" pitchFamily="34" charset="0"/>
-              </a:rPr>
-            </a:br>
-            <a:endParaRPr lang="it-IT" dirty="0"/>
-          </a:p>
-        </p:txBody>
-      </p:sp>
-      <p:pic>
-        <p:nvPicPr>
-          <p:cNvPr id="7" name="Immagine 6">
-            <a:extLst>
-              <a:ext uri="{FF2B5EF4-FFF2-40B4-BE49-F238E27FC236}">
-                <a16:creationId xmlns:a16="http://schemas.microsoft.com/office/drawing/2014/main" id="{3E395350-D468-E144-9120-8E1C2B507C9F}"/>
-              </a:ext>
-            </a:extLst>
-          </p:cNvPr>
-          <p:cNvPicPr>
-            <a:picLocks noChangeAspect="1"/>
-          </p:cNvPicPr>
-          <p:nvPr/>
-        </p:nvPicPr>
-        <p:blipFill>
-          <a:blip r:embed="rId2">
-            <a:extLst>
-              <a:ext uri="{28A0092B-C50C-407E-A947-70E740481C1C}">
-                <a14:useLocalDpi xmlns:a14="http://schemas.microsoft.com/office/drawing/2010/main" val="0"/>
-              </a:ext>
-            </a:extLst>
-          </a:blip>
-          <a:stretch>
-            <a:fillRect/>
-          </a:stretch>
-        </p:blipFill>
-        <p:spPr>
-          <a:xfrm>
-            <a:off x="8134183" y="1890876"/>
-            <a:ext cx="3476625" cy="3810000"/>
-          </a:xfrm>
-          <a:prstGeom prst="rect">
-            <a:avLst/>
-          </a:prstGeom>
-        </p:spPr>
-      </p:pic>
-      <p:sp>
-        <p:nvSpPr>
-          <p:cNvPr id="8" name="Segnaposto numero diapositiva 7">
-            <a:extLst>
-              <a:ext uri="{FF2B5EF4-FFF2-40B4-BE49-F238E27FC236}">
-                <a16:creationId xmlns:a16="http://schemas.microsoft.com/office/drawing/2014/main" id="{61003198-77B3-3609-1530-B55D048F5AE1}"/>
-              </a:ext>
-            </a:extLst>
-          </p:cNvPr>
-          <p:cNvSpPr>
-            <a:spLocks noGrp="1"/>
-          </p:cNvSpPr>
-          <p:nvPr>
-            <p:ph type="sldNum" sz="quarter" idx="12"/>
-          </p:nvPr>
-        </p:nvSpPr>
-        <p:spPr/>
-        <p:txBody>
-          <a:bodyPr/>
-          <a:lstStyle/>
-          <a:p>
-            <a:pPr rtl="0"/>
-            <a:fld id="{3A98EE3D-8CD1-4C3F-BD1C-C98C9596463C}" type="slidenum">
-              <a:rPr lang="en-US" smtClean="0"/>
-              <a:t>13</a:t>
-            </a:fld>
-            <a:endParaRPr lang="en-US" dirty="0"/>
-          </a:p>
-        </p:txBody>
-      </p:sp>
-    </p:spTree>
-    <p:extLst>
-      <p:ext uri="{BB962C8B-B14F-4D97-AF65-F5344CB8AC3E}">
-        <p14:creationId xmlns:p14="http://schemas.microsoft.com/office/powerpoint/2010/main" val="831359135"/>
       </p:ext>
     </p:extLst>
   </p:cSld>
@@ -8376,155 +7676,6 @@
 <file path=ppt/slides/slide4.xml><?xml version="1.0" encoding="utf-8"?>
 <p:sld xmlns:a="http://schemas.openxmlformats.org/drawingml/2006/main" xmlns:r="http://schemas.openxmlformats.org/officeDocument/2006/relationships" xmlns:p="http://schemas.openxmlformats.org/presentationml/2006/main">
   <p:cSld>
-    <p:spTree>
-      <p:nvGrpSpPr>
-        <p:cNvPr id="1" name=""/>
-        <p:cNvGrpSpPr/>
-        <p:nvPr/>
-      </p:nvGrpSpPr>
-      <p:grpSpPr>
-        <a:xfrm>
-          <a:off x="0" y="0"/>
-          <a:ext cx="0" cy="0"/>
-          <a:chOff x="0" y="0"/>
-          <a:chExt cx="0" cy="0"/>
-        </a:xfrm>
-      </p:grpSpPr>
-      <p:sp>
-        <p:nvSpPr>
-          <p:cNvPr id="2" name="Titolo 1">
-            <a:extLst>
-              <a:ext uri="{FF2B5EF4-FFF2-40B4-BE49-F238E27FC236}">
-                <a16:creationId xmlns:a16="http://schemas.microsoft.com/office/drawing/2014/main" id="{AAF1BA65-0C10-4CC1-50AD-E44806E89BBB}"/>
-              </a:ext>
-            </a:extLst>
-          </p:cNvPr>
-          <p:cNvSpPr>
-            <a:spLocks noGrp="1"/>
-          </p:cNvSpPr>
-          <p:nvPr>
-            <p:ph type="title"/>
-          </p:nvPr>
-        </p:nvSpPr>
-        <p:spPr/>
-        <p:txBody>
-          <a:bodyPr/>
-          <a:lstStyle/>
-          <a:p>
-            <a:r>
-              <a:rPr lang="it-IT" dirty="0"/>
-              <a:t>Feedback dei clienti</a:t>
-            </a:r>
-          </a:p>
-        </p:txBody>
-      </p:sp>
-      <p:graphicFrame>
-        <p:nvGraphicFramePr>
-          <p:cNvPr id="11" name="Segnaposto contenuto 10">
-            <a:extLst>
-              <a:ext uri="{FF2B5EF4-FFF2-40B4-BE49-F238E27FC236}">
-                <a16:creationId xmlns:a16="http://schemas.microsoft.com/office/drawing/2014/main" id="{0F07E6E0-F223-975D-6511-CD2CA17BDBC4}"/>
-              </a:ext>
-            </a:extLst>
-          </p:cNvPr>
-          <p:cNvGraphicFramePr>
-            <a:graphicFrameLocks noGrp="1"/>
-          </p:cNvGraphicFramePr>
-          <p:nvPr>
-            <p:ph idx="1"/>
-            <p:extLst>
-              <p:ext uri="{D42A27DB-BD31-4B8C-83A1-F6EECF244321}">
-                <p14:modId xmlns:p14="http://schemas.microsoft.com/office/powerpoint/2010/main" val="1118550789"/>
-              </p:ext>
-            </p:extLst>
-          </p:nvPr>
-        </p:nvGraphicFramePr>
-        <p:xfrm>
-          <a:off x="581025" y="2341563"/>
-          <a:ext cx="11029950" cy="3633787"/>
-        </p:xfrm>
-        <a:graphic>
-          <a:graphicData uri="http://schemas.openxmlformats.org/drawingml/2006/chart">
-            <c:chart xmlns:c="http://schemas.openxmlformats.org/drawingml/2006/chart" xmlns:r="http://schemas.openxmlformats.org/officeDocument/2006/relationships" r:id="rId2"/>
-          </a:graphicData>
-        </a:graphic>
-      </p:graphicFrame>
-      <p:sp>
-        <p:nvSpPr>
-          <p:cNvPr id="5" name="Segnaposto data 4">
-            <a:extLst>
-              <a:ext uri="{FF2B5EF4-FFF2-40B4-BE49-F238E27FC236}">
-                <a16:creationId xmlns:a16="http://schemas.microsoft.com/office/drawing/2014/main" id="{7ADBF026-BAEA-B7A5-8A21-D17FDEC26968}"/>
-              </a:ext>
-            </a:extLst>
-          </p:cNvPr>
-          <p:cNvSpPr>
-            <a:spLocks noGrp="1"/>
-          </p:cNvSpPr>
-          <p:nvPr>
-            <p:ph type="dt" sz="half" idx="10"/>
-          </p:nvPr>
-        </p:nvSpPr>
-        <p:spPr/>
-        <p:txBody>
-          <a:bodyPr/>
-          <a:lstStyle/>
-          <a:p>
-            <a:pPr rtl="0"/>
-            <a:r>
-              <a:rPr lang="it-IT"/>
-              <a:t>    </a:t>
-            </a:r>
-            <a:endParaRPr lang="en-US" dirty="0"/>
-          </a:p>
-        </p:txBody>
-      </p:sp>
-      <p:sp>
-        <p:nvSpPr>
-          <p:cNvPr id="6" name="Segnaposto numero diapositiva 5">
-            <a:extLst>
-              <a:ext uri="{FF2B5EF4-FFF2-40B4-BE49-F238E27FC236}">
-                <a16:creationId xmlns:a16="http://schemas.microsoft.com/office/drawing/2014/main" id="{3FB10015-6169-4EAD-9E52-A9538604C443}"/>
-              </a:ext>
-            </a:extLst>
-          </p:cNvPr>
-          <p:cNvSpPr>
-            <a:spLocks noGrp="1"/>
-          </p:cNvSpPr>
-          <p:nvPr>
-            <p:ph type="sldNum" sz="quarter" idx="12"/>
-          </p:nvPr>
-        </p:nvSpPr>
-        <p:spPr/>
-        <p:txBody>
-          <a:bodyPr/>
-          <a:lstStyle/>
-          <a:p>
-            <a:pPr rtl="0"/>
-            <a:fld id="{3A98EE3D-8CD1-4C3F-BD1C-C98C9596463C}" type="slidenum">
-              <a:rPr lang="en-US" smtClean="0"/>
-              <a:t>4</a:t>
-            </a:fld>
-            <a:endParaRPr lang="en-US" dirty="0"/>
-          </a:p>
-        </p:txBody>
-      </p:sp>
-    </p:spTree>
-    <p:extLst>
-      <p:ext uri="{BB962C8B-B14F-4D97-AF65-F5344CB8AC3E}">
-        <p14:creationId xmlns:p14="http://schemas.microsoft.com/office/powerpoint/2010/main" val="2373086837"/>
-      </p:ext>
-    </p:extLst>
-  </p:cSld>
-  <p:clrMapOvr>
-    <a:masterClrMapping/>
-  </p:clrMapOvr>
-</p:sld>
-</file>
-
-<file path=ppt/slides/slide5.xml><?xml version="1.0" encoding="utf-8"?>
-<p:sld xmlns:a="http://schemas.openxmlformats.org/drawingml/2006/main" xmlns:r="http://schemas.openxmlformats.org/officeDocument/2006/relationships" xmlns:p="http://schemas.openxmlformats.org/presentationml/2006/main">
-  <p:cSld>
     <p:bg>
       <p:bgPr>
         <a:solidFill>
@@ -8955,7 +8106,7 @@
             <a:pPr rtl="0"/>
             <a:fld id="{3A98EE3D-8CD1-4C3F-BD1C-C98C9596463C}" type="slidenum">
               <a:rPr lang="en-US" smtClean="0"/>
-              <a:t>5</a:t>
+              <a:t>4</a:t>
             </a:fld>
             <a:endParaRPr lang="en-US" dirty="0"/>
           </a:p>
@@ -8965,6 +8116,429 @@
     <p:extLst>
       <p:ext uri="{BB962C8B-B14F-4D97-AF65-F5344CB8AC3E}">
         <p14:creationId xmlns:p14="http://schemas.microsoft.com/office/powerpoint/2010/main" val="2759473271"/>
+      </p:ext>
+    </p:extLst>
+  </p:cSld>
+  <p:clrMapOvr>
+    <a:masterClrMapping/>
+  </p:clrMapOvr>
+</p:sld>
+</file>
+
+<file path=ppt/slides/slide5.xml><?xml version="1.0" encoding="utf-8"?>
+<p:sld xmlns:a="http://schemas.openxmlformats.org/drawingml/2006/main" xmlns:r="http://schemas.openxmlformats.org/officeDocument/2006/relationships" xmlns:p="http://schemas.openxmlformats.org/presentationml/2006/main">
+  <p:cSld>
+    <p:spTree>
+      <p:nvGrpSpPr>
+        <p:cNvPr id="1" name=""/>
+        <p:cNvGrpSpPr/>
+        <p:nvPr/>
+      </p:nvGrpSpPr>
+      <p:grpSpPr>
+        <a:xfrm>
+          <a:off x="0" y="0"/>
+          <a:ext cx="0" cy="0"/>
+          <a:chOff x="0" y="0"/>
+          <a:chExt cx="0" cy="0"/>
+        </a:xfrm>
+      </p:grpSpPr>
+      <p:sp>
+        <p:nvSpPr>
+          <p:cNvPr id="2" name="Titolo 1">
+            <a:extLst>
+              <a:ext uri="{FF2B5EF4-FFF2-40B4-BE49-F238E27FC236}">
+                <a16:creationId xmlns:a16="http://schemas.microsoft.com/office/drawing/2014/main" id="{19BD7C44-1338-9945-1190-21BC6757B93D}"/>
+              </a:ext>
+            </a:extLst>
+          </p:cNvPr>
+          <p:cNvSpPr>
+            <a:spLocks noGrp="1"/>
+          </p:cNvSpPr>
+          <p:nvPr>
+            <p:ph type="title"/>
+          </p:nvPr>
+        </p:nvSpPr>
+        <p:spPr/>
+        <p:txBody>
+          <a:bodyPr/>
+          <a:lstStyle/>
+          <a:p>
+            <a:r>
+              <a:rPr lang="it-IT" dirty="0"/>
+              <a:t>Progettazione – Design and Developer Goals</a:t>
+            </a:r>
+          </a:p>
+        </p:txBody>
+      </p:sp>
+      <p:sp>
+        <p:nvSpPr>
+          <p:cNvPr id="4" name="Segnaposto data 3">
+            <a:extLst>
+              <a:ext uri="{FF2B5EF4-FFF2-40B4-BE49-F238E27FC236}">
+                <a16:creationId xmlns:a16="http://schemas.microsoft.com/office/drawing/2014/main" id="{1E809507-9697-4F94-3852-4D910D63FC2C}"/>
+              </a:ext>
+            </a:extLst>
+          </p:cNvPr>
+          <p:cNvSpPr>
+            <a:spLocks noGrp="1"/>
+          </p:cNvSpPr>
+          <p:nvPr>
+            <p:ph type="dt" sz="half" idx="10"/>
+          </p:nvPr>
+        </p:nvSpPr>
+        <p:spPr>
+          <a:xfrm>
+            <a:off x="8766009" y="4784562"/>
+            <a:ext cx="2844799" cy="365125"/>
+          </a:xfrm>
+        </p:spPr>
+        <p:txBody>
+          <a:bodyPr/>
+          <a:lstStyle/>
+          <a:p>
+            <a:pPr rtl="0"/>
+            <a:r>
+              <a:rPr lang="it-IT"/>
+              <a:t>    </a:t>
+            </a:r>
+            <a:endParaRPr lang="en-US" dirty="0"/>
+          </a:p>
+        </p:txBody>
+      </p:sp>
+      <p:sp>
+        <p:nvSpPr>
+          <p:cNvPr id="5" name="CasellaDiTesto 4">
+            <a:extLst>
+              <a:ext uri="{FF2B5EF4-FFF2-40B4-BE49-F238E27FC236}">
+                <a16:creationId xmlns:a16="http://schemas.microsoft.com/office/drawing/2014/main" id="{989FAF90-838F-E2FA-EE19-A41565126B4F}"/>
+              </a:ext>
+            </a:extLst>
+          </p:cNvPr>
+          <p:cNvSpPr txBox="1"/>
+          <p:nvPr/>
+        </p:nvSpPr>
+        <p:spPr>
+          <a:xfrm>
+            <a:off x="581190" y="2245405"/>
+            <a:ext cx="8001333" cy="5078313"/>
+          </a:xfrm>
+          <a:prstGeom prst="rect">
+            <a:avLst/>
+          </a:prstGeom>
+          <a:noFill/>
+        </p:spPr>
+        <p:txBody>
+          <a:bodyPr wrap="square" rtlCol="0">
+            <a:spAutoFit/>
+          </a:bodyPr>
+          <a:lstStyle/>
+          <a:p>
+            <a:pPr marL="285750" indent="-285750">
+              <a:buFont typeface="Arial" panose="020B0604020202020204" pitchFamily="34" charset="0"/>
+              <a:buChar char="•"/>
+            </a:pPr>
+            <a:r>
+              <a:rPr lang="it-IT" b="1" dirty="0">
+                <a:effectLst/>
+                <a:latin typeface="Arial" panose="020B0604020202020204" pitchFamily="34" charset="0"/>
+              </a:rPr>
+              <a:t>Pattern</a:t>
+            </a:r>
+            <a:r>
+              <a:rPr lang="it-IT" dirty="0">
+                <a:effectLst/>
+                <a:latin typeface="Arial" panose="020B0604020202020204" pitchFamily="34" charset="0"/>
+              </a:rPr>
+              <a:t>:</a:t>
+            </a:r>
+            <a:br>
+              <a:rPr lang="it-IT" dirty="0">
+                <a:effectLst/>
+              </a:rPr>
+            </a:br>
+            <a:r>
+              <a:rPr lang="it-IT" dirty="0">
+                <a:effectLst/>
+                <a:latin typeface="Arial" panose="020B0604020202020204" pitchFamily="34" charset="0"/>
+              </a:rPr>
+              <a:t>usare almeno due pattern per persona (almeno uno per chi sceglie la modalità Web Application) tra i design pattern noti.</a:t>
+            </a:r>
+          </a:p>
+          <a:p>
+            <a:pPr marL="285750" indent="-285750">
+              <a:buFont typeface="Arial" panose="020B0604020202020204" pitchFamily="34" charset="0"/>
+              <a:buChar char="•"/>
+            </a:pPr>
+            <a:endParaRPr lang="it-IT" dirty="0">
+              <a:latin typeface="Arial" panose="020B0604020202020204" pitchFamily="34" charset="0"/>
+            </a:endParaRPr>
+          </a:p>
+          <a:p>
+            <a:pPr marL="285750" indent="-285750">
+              <a:buFont typeface="Arial" panose="020B0604020202020204" pitchFamily="34" charset="0"/>
+              <a:buChar char="•"/>
+            </a:pPr>
+            <a:r>
+              <a:rPr lang="it-IT" b="1" dirty="0">
+                <a:effectLst/>
+                <a:latin typeface="Arial" panose="020B0604020202020204" pitchFamily="34" charset="0"/>
+              </a:rPr>
+              <a:t>Conformit</a:t>
+            </a:r>
+            <a:r>
+              <a:rPr lang="it-IT" b="1" dirty="0">
+                <a:latin typeface="Arial" panose="020B0604020202020204" pitchFamily="34" charset="0"/>
+              </a:rPr>
+              <a:t>à</a:t>
+            </a:r>
+            <a:r>
+              <a:rPr lang="it-IT" b="1" dirty="0">
+                <a:effectLst/>
+                <a:latin typeface="Arial" panose="020B0604020202020204" pitchFamily="34" charset="0"/>
+              </a:rPr>
+              <a:t> alle linee guida:</a:t>
+            </a:r>
+            <a:br>
+              <a:rPr lang="it-IT" dirty="0">
+                <a:effectLst/>
+              </a:rPr>
+            </a:br>
+            <a:r>
+              <a:rPr lang="it-IT" dirty="0">
+                <a:effectLst/>
+                <a:latin typeface="Arial" panose="020B0604020202020204" pitchFamily="34" charset="0"/>
+              </a:rPr>
+              <a:t>attenersi ai principi della programmazione </a:t>
+            </a:r>
+            <a:r>
+              <a:rPr lang="it-IT" b="1" dirty="0">
+                <a:effectLst/>
+                <a:latin typeface="Arial" panose="020B0604020202020204" pitchFamily="34" charset="0"/>
+              </a:rPr>
+              <a:t>SOLID</a:t>
+            </a:r>
+            <a:r>
+              <a:rPr lang="it-IT" dirty="0">
+                <a:effectLst/>
+                <a:latin typeface="Arial" panose="020B0604020202020204" pitchFamily="34" charset="0"/>
+              </a:rPr>
+              <a:t>.</a:t>
+            </a:r>
+          </a:p>
+          <a:p>
+            <a:pPr marL="285750" indent="-285750">
+              <a:buFont typeface="Arial" panose="020B0604020202020204" pitchFamily="34" charset="0"/>
+              <a:buChar char="•"/>
+            </a:pPr>
+            <a:endParaRPr lang="it-IT" dirty="0">
+              <a:latin typeface="Arial" panose="020B0604020202020204" pitchFamily="34" charset="0"/>
+            </a:endParaRPr>
+          </a:p>
+          <a:p>
+            <a:pPr marL="285750" indent="-285750" algn="l" rtl="0">
+              <a:buFont typeface="Arial" panose="020B0604020202020204" pitchFamily="34" charset="0"/>
+              <a:buChar char="•"/>
+            </a:pPr>
+            <a:r>
+              <a:rPr lang="it-IT" b="1" dirty="0">
+                <a:effectLst/>
+                <a:latin typeface="Arial" panose="020B0604020202020204" pitchFamily="34" charset="0"/>
+              </a:rPr>
+              <a:t>Piattaforma di destinazione:</a:t>
+            </a:r>
+            <a:br>
+              <a:rPr lang="it-IT" b="1" dirty="0">
+                <a:effectLst/>
+              </a:rPr>
+            </a:br>
+            <a:r>
+              <a:rPr lang="it-IT" dirty="0">
+                <a:effectLst/>
+                <a:latin typeface="Arial" panose="020B0604020202020204" pitchFamily="34" charset="0"/>
+              </a:rPr>
+              <a:t>Il sistema deve essere sviluppato in Java</a:t>
+            </a:r>
+          </a:p>
+          <a:p>
+            <a:pPr algn="l" rtl="0"/>
+            <a:r>
+              <a:rPr lang="it-IT" dirty="0">
+                <a:latin typeface="Arial" panose="020B0604020202020204" pitchFamily="34" charset="0"/>
+              </a:rPr>
+              <a:t>    inserire sufficienti </a:t>
+            </a:r>
+            <a:r>
+              <a:rPr lang="it-IT" b="1" dirty="0">
+                <a:latin typeface="Arial" panose="020B0604020202020204" pitchFamily="34" charset="0"/>
+              </a:rPr>
+              <a:t>commenti</a:t>
+            </a:r>
+            <a:r>
+              <a:rPr lang="it-IT" dirty="0">
+                <a:latin typeface="Arial" panose="020B0604020202020204" pitchFamily="34" charset="0"/>
+              </a:rPr>
+              <a:t> (anche per </a:t>
+            </a:r>
+            <a:r>
+              <a:rPr lang="it-IT" b="1" dirty="0" err="1">
+                <a:latin typeface="Arial" panose="020B0604020202020204" pitchFamily="34" charset="0"/>
+              </a:rPr>
+              <a:t>Javadoc</a:t>
+            </a:r>
+            <a:r>
+              <a:rPr lang="it-IT" dirty="0">
+                <a:latin typeface="Arial" panose="020B0604020202020204" pitchFamily="34" charset="0"/>
+              </a:rPr>
+              <a:t>) e annotazioni;</a:t>
+            </a:r>
+          </a:p>
+          <a:p>
+            <a:r>
+              <a:rPr lang="it-IT" dirty="0">
+                <a:latin typeface="Arial" panose="020B0604020202020204" pitchFamily="34" charset="0"/>
+              </a:rPr>
+              <a:t>    gestione delle </a:t>
+            </a:r>
+            <a:r>
+              <a:rPr lang="it-IT" b="1" i="0" dirty="0">
+                <a:effectLst/>
+                <a:latin typeface="Open Sans" panose="020B0606030504020204" pitchFamily="34" charset="0"/>
+              </a:rPr>
+              <a:t>eccezioni</a:t>
+            </a:r>
+            <a:r>
+              <a:rPr lang="it-IT" b="0" i="0" dirty="0">
+                <a:solidFill>
+                  <a:srgbClr val="67748E"/>
+                </a:solidFill>
+                <a:effectLst/>
+                <a:latin typeface="Open Sans" panose="020B0606030504020204" pitchFamily="34" charset="0"/>
+              </a:rPr>
+              <a:t>;</a:t>
+            </a:r>
+          </a:p>
+          <a:p>
+            <a:endParaRPr lang="it-IT" b="1" dirty="0">
+              <a:effectLst/>
+              <a:latin typeface="Arial" panose="020B0604020202020204" pitchFamily="34" charset="0"/>
+            </a:endParaRPr>
+          </a:p>
+          <a:p>
+            <a:pPr marL="285750" indent="-285750" algn="l" rtl="0">
+              <a:buFont typeface="Arial" panose="020B0604020202020204" pitchFamily="34" charset="0"/>
+              <a:buChar char="•"/>
+            </a:pPr>
+            <a:r>
+              <a:rPr lang="it-IT" b="1" dirty="0">
+                <a:latin typeface="Arial" panose="020B0604020202020204" pitchFamily="34" charset="0"/>
+              </a:rPr>
+              <a:t>Usare i file o Database</a:t>
+            </a:r>
+            <a:br>
+              <a:rPr lang="it-IT" dirty="0">
+                <a:effectLst/>
+              </a:rPr>
+            </a:br>
+            <a:r>
+              <a:rPr lang="it-IT" dirty="0">
+                <a:effectLst/>
+                <a:latin typeface="Arial" panose="020B0604020202020204" pitchFamily="34" charset="0"/>
+              </a:rPr>
+              <a:t>L’interfaccia si adatterà in base al tipo gestore che effettua l’accesso (se è  un dipendente o se è il cliente finale)</a:t>
+            </a:r>
+            <a:br>
+              <a:rPr lang="it-IT" dirty="0">
+                <a:effectLst/>
+              </a:rPr>
+            </a:br>
+            <a:endParaRPr lang="it-IT" dirty="0">
+              <a:effectLst/>
+            </a:endParaRPr>
+          </a:p>
+          <a:p>
+            <a:br>
+              <a:rPr lang="it-IT" b="0" i="0" dirty="0">
+                <a:solidFill>
+                  <a:srgbClr val="5D6879"/>
+                </a:solidFill>
+                <a:effectLst/>
+                <a:latin typeface="Lato" panose="020B0604020202020204" pitchFamily="34" charset="0"/>
+              </a:rPr>
+            </a:br>
+            <a:endParaRPr lang="it-IT" dirty="0"/>
+          </a:p>
+        </p:txBody>
+      </p:sp>
+      <p:pic>
+        <p:nvPicPr>
+          <p:cNvPr id="7" name="Immagine 6">
+            <a:extLst>
+              <a:ext uri="{FF2B5EF4-FFF2-40B4-BE49-F238E27FC236}">
+                <a16:creationId xmlns:a16="http://schemas.microsoft.com/office/drawing/2014/main" id="{AC6D4A8D-4022-2065-3519-89DB2C0E2786}"/>
+              </a:ext>
+            </a:extLst>
+          </p:cNvPr>
+          <p:cNvPicPr>
+            <a:picLocks noChangeAspect="1"/>
+          </p:cNvPicPr>
+          <p:nvPr/>
+        </p:nvPicPr>
+        <p:blipFill>
+          <a:blip r:embed="rId2">
+            <a:extLst>
+              <a:ext uri="{28A0092B-C50C-407E-A947-70E740481C1C}">
+                <a14:useLocalDpi xmlns:a14="http://schemas.microsoft.com/office/drawing/2010/main" val="0"/>
+              </a:ext>
+            </a:extLst>
+          </a:blip>
+          <a:stretch>
+            <a:fillRect/>
+          </a:stretch>
+        </p:blipFill>
+        <p:spPr>
+          <a:xfrm>
+            <a:off x="8134183" y="1890876"/>
+            <a:ext cx="3476625" cy="3810000"/>
+          </a:xfrm>
+          <a:prstGeom prst="rect">
+            <a:avLst/>
+          </a:prstGeom>
+        </p:spPr>
+      </p:pic>
+      <p:sp>
+        <p:nvSpPr>
+          <p:cNvPr id="8" name="Segnaposto numero diapositiva 7">
+            <a:extLst>
+              <a:ext uri="{FF2B5EF4-FFF2-40B4-BE49-F238E27FC236}">
+                <a16:creationId xmlns:a16="http://schemas.microsoft.com/office/drawing/2014/main" id="{FC77E416-4F5E-E580-4AA7-DE8792C438F5}"/>
+              </a:ext>
+            </a:extLst>
+          </p:cNvPr>
+          <p:cNvSpPr>
+            <a:spLocks noGrp="1"/>
+          </p:cNvSpPr>
+          <p:nvPr>
+            <p:ph type="sldNum" sz="quarter" idx="12"/>
+          </p:nvPr>
+        </p:nvSpPr>
+        <p:spPr/>
+        <p:txBody>
+          <a:bodyPr/>
+          <a:lstStyle/>
+          <a:p>
+            <a:pPr rtl="0"/>
+            <a:fld id="{3A98EE3D-8CD1-4C3F-BD1C-C98C9596463C}" type="slidenum">
+              <a:rPr lang="en-US" smtClean="0"/>
+              <a:t>5</a:t>
+            </a:fld>
+            <a:endParaRPr lang="en-US" dirty="0"/>
+          </a:p>
+        </p:txBody>
+      </p:sp>
+    </p:spTree>
+    <p:extLst>
+      <p:ext uri="{BB962C8B-B14F-4D97-AF65-F5344CB8AC3E}">
+        <p14:creationId xmlns:p14="http://schemas.microsoft.com/office/powerpoint/2010/main" val="490483905"/>
       </p:ext>
     </p:extLst>
   </p:cSld>
@@ -9014,7 +8588,7 @@
           <a:p>
             <a:r>
               <a:rPr lang="it-IT" dirty="0"/>
-              <a:t>Progettazione – Design and Developer Goals</a:t>
+              <a:t>Progettazione – Sequence - Class Diagrams</a:t>
             </a:r>
           </a:p>
         </p:txBody>
@@ -9068,8 +8642,8 @@
         </p:nvSpPr>
         <p:spPr>
           <a:xfrm>
-            <a:off x="581190" y="2245405"/>
-            <a:ext cx="8001333" cy="5078313"/>
+            <a:off x="581192" y="2453596"/>
+            <a:ext cx="8001333" cy="2031325"/>
           </a:xfrm>
           <a:prstGeom prst="rect">
             <a:avLst/>
@@ -9082,218 +8656,69 @@
           </a:bodyPr>
           <a:lstStyle/>
           <a:p>
-            <a:pPr marL="285750" indent="-285750">
-              <a:buFont typeface="Arial" panose="020B0604020202020204" pitchFamily="34" charset="0"/>
-              <a:buChar char="•"/>
-            </a:pPr>
-            <a:r>
-              <a:rPr lang="it-IT" b="1" dirty="0">
-                <a:effectLst/>
-                <a:latin typeface="Arial" panose="020B0604020202020204" pitchFamily="34" charset="0"/>
-              </a:rPr>
-              <a:t>Pattern</a:t>
-            </a:r>
+            <a:pPr algn="l" rtl="0"/>
             <a:r>
               <a:rPr lang="it-IT" dirty="0">
                 <a:effectLst/>
-                <a:latin typeface="Arial" panose="020B0604020202020204" pitchFamily="34" charset="0"/>
-              </a:rPr>
-              <a:t>:</a:t>
+              </a:rPr>
+              <a:t>Per lo sviluppo sono stati creati dei </a:t>
+            </a:r>
+            <a:r>
+              <a:rPr lang="it-IT" b="1" dirty="0" err="1">
+                <a:effectLst/>
+              </a:rPr>
+              <a:t>sequence</a:t>
+            </a:r>
+            <a:r>
+              <a:rPr lang="it-IT" dirty="0"/>
+              <a:t> – </a:t>
+            </a:r>
+            <a:r>
+              <a:rPr lang="it-IT" b="1" dirty="0"/>
+              <a:t>class</a:t>
+            </a:r>
+            <a:r>
+              <a:rPr lang="it-IT" dirty="0"/>
+              <a:t> </a:t>
+            </a:r>
+            <a:r>
+              <a:rPr lang="it-IT" b="1" dirty="0"/>
+              <a:t>diagram</a:t>
+            </a:r>
+            <a:r>
+              <a:rPr lang="it-IT" dirty="0"/>
+              <a:t> </a:t>
+            </a:r>
+          </a:p>
+          <a:p>
+            <a:pPr algn="l" rtl="0"/>
+            <a:r>
+              <a:rPr lang="it-IT" dirty="0"/>
+              <a:t>Per rendere lo sviluppo molto più chiaro e veloce. </a:t>
             </a:r>
             <a:br>
+              <a:rPr lang="it-IT" dirty="0"/>
+            </a:br>
+            <a:br>
+              <a:rPr lang="it-IT" dirty="0"/>
+            </a:br>
+            <a:r>
+              <a:rPr lang="it-IT" dirty="0"/>
+              <a:t>Così da poter definire fin da subito il </a:t>
+            </a:r>
+            <a:r>
+              <a:rPr lang="it-IT" b="1" dirty="0"/>
+              <a:t>business need </a:t>
+            </a:r>
+            <a:r>
+              <a:rPr lang="it-IT" dirty="0"/>
+              <a:t>dell’applicazione   </a:t>
+            </a:r>
+            <a:r>
               <a:rPr lang="it-IT" dirty="0">
                 <a:effectLst/>
               </a:rPr>
-            </a:br>
-            <a:r>
-              <a:rPr lang="it-IT" dirty="0">
-                <a:effectLst/>
-                <a:latin typeface="Arial" panose="020B0604020202020204" pitchFamily="34" charset="0"/>
-              </a:rPr>
-              <a:t>usare almeno due pattern per persona (almeno uno per chi sceglie la modalità Web Application) tra i design pattern noti.</a:t>
-            </a:r>
-          </a:p>
-          <a:p>
-            <a:pPr marL="285750" indent="-285750">
-              <a:buFont typeface="Arial" panose="020B0604020202020204" pitchFamily="34" charset="0"/>
-              <a:buChar char="•"/>
-            </a:pPr>
-            <a:endParaRPr lang="it-IT" dirty="0">
-              <a:latin typeface="Arial" panose="020B0604020202020204" pitchFamily="34" charset="0"/>
-            </a:endParaRPr>
-          </a:p>
-          <a:p>
-            <a:pPr marL="285750" indent="-285750">
-              <a:buFont typeface="Arial" panose="020B0604020202020204" pitchFamily="34" charset="0"/>
-              <a:buChar char="•"/>
-            </a:pPr>
-            <a:r>
-              <a:rPr lang="it-IT" b="1" dirty="0">
-                <a:effectLst/>
-                <a:latin typeface="Arial" panose="020B0604020202020204" pitchFamily="34" charset="0"/>
-              </a:rPr>
-              <a:t>Conformit</a:t>
-            </a:r>
-            <a:r>
-              <a:rPr lang="it-IT" b="1" dirty="0">
-                <a:latin typeface="Arial" panose="020B0604020202020204" pitchFamily="34" charset="0"/>
-              </a:rPr>
-              <a:t>à</a:t>
-            </a:r>
-            <a:r>
-              <a:rPr lang="it-IT" b="1" dirty="0">
-                <a:effectLst/>
-                <a:latin typeface="Arial" panose="020B0604020202020204" pitchFamily="34" charset="0"/>
-              </a:rPr>
-              <a:t> alle linee guida:</a:t>
-            </a:r>
-            <a:br>
-              <a:rPr lang="it-IT" dirty="0">
-                <a:effectLst/>
-              </a:rPr>
-            </a:br>
-            <a:r>
-              <a:rPr lang="it-IT" dirty="0">
-                <a:effectLst/>
-                <a:latin typeface="Arial" panose="020B0604020202020204" pitchFamily="34" charset="0"/>
-              </a:rPr>
-              <a:t>attenersi ai principi della programmazione </a:t>
-            </a:r>
-            <a:r>
-              <a:rPr lang="it-IT" b="1" dirty="0">
-                <a:effectLst/>
-                <a:latin typeface="Arial" panose="020B0604020202020204" pitchFamily="34" charset="0"/>
-              </a:rPr>
-              <a:t>SOLID</a:t>
-            </a:r>
-            <a:r>
-              <a:rPr lang="it-IT" dirty="0">
-                <a:effectLst/>
-                <a:latin typeface="Arial" panose="020B0604020202020204" pitchFamily="34" charset="0"/>
-              </a:rPr>
-              <a:t>.</a:t>
-            </a:r>
-          </a:p>
-          <a:p>
-            <a:pPr marL="285750" indent="-285750">
-              <a:buFont typeface="Arial" panose="020B0604020202020204" pitchFamily="34" charset="0"/>
-              <a:buChar char="•"/>
-            </a:pPr>
-            <a:endParaRPr lang="it-IT" dirty="0">
-              <a:latin typeface="Arial" panose="020B0604020202020204" pitchFamily="34" charset="0"/>
-            </a:endParaRPr>
-          </a:p>
-          <a:p>
-            <a:pPr marL="285750" indent="-285750" algn="l" rtl="0">
-              <a:buFont typeface="Arial" panose="020B0604020202020204" pitchFamily="34" charset="0"/>
-              <a:buChar char="•"/>
-            </a:pPr>
-            <a:r>
-              <a:rPr lang="it-IT" b="1" dirty="0">
-                <a:effectLst/>
-                <a:latin typeface="Arial" panose="020B0604020202020204" pitchFamily="34" charset="0"/>
-              </a:rPr>
-              <a:t>Piattaforma di destinazione:</a:t>
-            </a:r>
-            <a:br>
-              <a:rPr lang="it-IT" b="1" dirty="0">
-                <a:effectLst/>
-              </a:rPr>
-            </a:br>
-            <a:r>
-              <a:rPr lang="it-IT" dirty="0">
-                <a:effectLst/>
-                <a:latin typeface="Arial" panose="020B0604020202020204" pitchFamily="34" charset="0"/>
-              </a:rPr>
-              <a:t>Il sistema deve essere sviluppato in Java</a:t>
-            </a:r>
-          </a:p>
-          <a:p>
-            <a:pPr algn="l" rtl="0"/>
-            <a:r>
-              <a:rPr lang="it-IT" dirty="0">
-                <a:latin typeface="Arial" panose="020B0604020202020204" pitchFamily="34" charset="0"/>
-              </a:rPr>
-              <a:t>    inserire sufficienti </a:t>
-            </a:r>
-            <a:r>
-              <a:rPr lang="it-IT" b="1" dirty="0">
-                <a:latin typeface="Arial" panose="020B0604020202020204" pitchFamily="34" charset="0"/>
-              </a:rPr>
-              <a:t>commenti</a:t>
-            </a:r>
-            <a:r>
-              <a:rPr lang="it-IT" dirty="0">
-                <a:latin typeface="Arial" panose="020B0604020202020204" pitchFamily="34" charset="0"/>
-              </a:rPr>
-              <a:t> (anche per </a:t>
-            </a:r>
-            <a:r>
-              <a:rPr lang="it-IT" b="1" dirty="0" err="1">
-                <a:latin typeface="Arial" panose="020B0604020202020204" pitchFamily="34" charset="0"/>
-              </a:rPr>
-              <a:t>Javadoc</a:t>
-            </a:r>
-            <a:r>
-              <a:rPr lang="it-IT" dirty="0">
-                <a:latin typeface="Arial" panose="020B0604020202020204" pitchFamily="34" charset="0"/>
-              </a:rPr>
-              <a:t>) e annotazioni;</a:t>
-            </a:r>
-          </a:p>
-          <a:p>
-            <a:r>
-              <a:rPr lang="it-IT" dirty="0">
-                <a:latin typeface="Arial" panose="020B0604020202020204" pitchFamily="34" charset="0"/>
-              </a:rPr>
-              <a:t>    gestione delle </a:t>
-            </a:r>
-            <a:r>
-              <a:rPr lang="it-IT" b="1" i="0" dirty="0">
-                <a:effectLst/>
-                <a:latin typeface="Open Sans" panose="020B0606030504020204" pitchFamily="34" charset="0"/>
-              </a:rPr>
-              <a:t>eccezioni</a:t>
-            </a:r>
-            <a:r>
-              <a:rPr lang="it-IT" b="0" i="0" dirty="0">
-                <a:solidFill>
-                  <a:srgbClr val="67748E"/>
-                </a:solidFill>
-                <a:effectLst/>
-                <a:latin typeface="Open Sans" panose="020B0606030504020204" pitchFamily="34" charset="0"/>
-              </a:rPr>
-              <a:t>;</a:t>
-            </a:r>
-          </a:p>
-          <a:p>
-            <a:endParaRPr lang="it-IT" b="1" dirty="0">
-              <a:effectLst/>
-              <a:latin typeface="Arial" panose="020B0604020202020204" pitchFamily="34" charset="0"/>
-            </a:endParaRPr>
-          </a:p>
-          <a:p>
-            <a:pPr marL="285750" indent="-285750" algn="l" rtl="0">
-              <a:buFont typeface="Arial" panose="020B0604020202020204" pitchFamily="34" charset="0"/>
-              <a:buChar char="•"/>
-            </a:pPr>
-            <a:r>
-              <a:rPr lang="it-IT" b="1" dirty="0">
-                <a:latin typeface="Arial" panose="020B0604020202020204" pitchFamily="34" charset="0"/>
-              </a:rPr>
-              <a:t>Usare i file o Database</a:t>
-            </a:r>
-            <a:br>
-              <a:rPr lang="it-IT" dirty="0">
-                <a:effectLst/>
-              </a:rPr>
-            </a:br>
-            <a:r>
-              <a:rPr lang="it-IT" dirty="0">
-                <a:effectLst/>
-                <a:latin typeface="Arial" panose="020B0604020202020204" pitchFamily="34" charset="0"/>
-              </a:rPr>
-              <a:t>L’interfaccia si adatterà in base al tipo gestore che effettua l’accesso (se è  un dipendente o se è il cliente finale)</a:t>
+              <a:t> </a:t>
             </a:r>
             <a:br>
               <a:rPr lang="it-IT" dirty="0">
@@ -9320,10 +8745,10 @@
       </p:sp>
       <p:pic>
         <p:nvPicPr>
-          <p:cNvPr id="7" name="Immagine 6">
-            <a:extLst>
-              <a:ext uri="{FF2B5EF4-FFF2-40B4-BE49-F238E27FC236}">
-                <a16:creationId xmlns:a16="http://schemas.microsoft.com/office/drawing/2014/main" id="{AC6D4A8D-4022-2065-3519-89DB2C0E2786}"/>
+          <p:cNvPr id="9" name="Immagine 8">
+            <a:extLst>
+              <a:ext uri="{FF2B5EF4-FFF2-40B4-BE49-F238E27FC236}">
+                <a16:creationId xmlns:a16="http://schemas.microsoft.com/office/drawing/2014/main" id="{ECF8E9AD-BF19-1F6B-F279-4C4FC7946380}"/>
               </a:ext>
             </a:extLst>
           </p:cNvPr>
@@ -9346,20 +8771,56 @@
         </p:blipFill>
         <p:spPr>
           <a:xfrm>
-            <a:off x="8134183" y="1890876"/>
-            <a:ext cx="3476625" cy="3810000"/>
+            <a:off x="8029408" y="2053390"/>
+            <a:ext cx="3581400" cy="3810000"/>
           </a:xfrm>
           <a:prstGeom prst="rect">
             <a:avLst/>
           </a:prstGeom>
         </p:spPr>
       </p:pic>
-      <p:sp>
-        <p:nvSpPr>
-          <p:cNvPr id="8" name="Segnaposto numero diapositiva 7">
-            <a:extLst>
-              <a:ext uri="{FF2B5EF4-FFF2-40B4-BE49-F238E27FC236}">
-                <a16:creationId xmlns:a16="http://schemas.microsoft.com/office/drawing/2014/main" id="{FC77E416-4F5E-E580-4AA7-DE8792C438F5}"/>
+      <p:pic>
+        <p:nvPicPr>
+          <p:cNvPr id="11" name="Immagine 10">
+            <a:extLst>
+              <a:ext uri="{FF2B5EF4-FFF2-40B4-BE49-F238E27FC236}">
+                <a16:creationId xmlns:a16="http://schemas.microsoft.com/office/drawing/2014/main" id="{0DF36104-D6DD-167A-0C43-1DC9883F7E89}"/>
+              </a:ext>
+            </a:extLst>
+          </p:cNvPr>
+          <p:cNvPicPr>
+            <a:picLocks noChangeAspect="1"/>
+          </p:cNvPicPr>
+          <p:nvPr/>
+        </p:nvPicPr>
+        <p:blipFill>
+          <a:blip r:embed="rId3">
+            <a:extLst>
+              <a:ext uri="{28A0092B-C50C-407E-A947-70E740481C1C}">
+                <a14:useLocalDpi xmlns:a14="http://schemas.microsoft.com/office/drawing/2010/main" val="0"/>
+              </a:ext>
+            </a:extLst>
+          </a:blip>
+          <a:stretch>
+            <a:fillRect/>
+          </a:stretch>
+        </p:blipFill>
+        <p:spPr>
+          <a:xfrm>
+            <a:off x="581192" y="3970996"/>
+            <a:ext cx="2255925" cy="2406320"/>
+          </a:xfrm>
+          <a:prstGeom prst="rect">
+            <a:avLst/>
+          </a:prstGeom>
+        </p:spPr>
+      </p:pic>
+      <p:sp>
+        <p:nvSpPr>
+          <p:cNvPr id="7" name="Segnaposto numero diapositiva 6">
+            <a:extLst>
+              <a:ext uri="{FF2B5EF4-FFF2-40B4-BE49-F238E27FC236}">
+                <a16:creationId xmlns:a16="http://schemas.microsoft.com/office/drawing/2014/main" id="{F403B1E6-5EFA-CD16-9C93-76963D78BBF0}"/>
               </a:ext>
             </a:extLst>
           </p:cNvPr>
@@ -9387,7 +8848,7 @@
     </p:spTree>
     <p:extLst>
       <p:ext uri="{BB962C8B-B14F-4D97-AF65-F5344CB8AC3E}">
-        <p14:creationId xmlns:p14="http://schemas.microsoft.com/office/powerpoint/2010/main" val="490483905"/>
+        <p14:creationId xmlns:p14="http://schemas.microsoft.com/office/powerpoint/2010/main" val="3184742582"/>
       </p:ext>
     </p:extLst>
   </p:cSld>
@@ -9437,7 +8898,7 @@
           <a:p>
             <a:r>
               <a:rPr lang="it-IT" dirty="0"/>
-              <a:t>Progettazione – Sequence - Class Diagrams</a:t>
+              <a:t>Progettazione – Subsystem decomposition</a:t>
             </a:r>
           </a:p>
         </p:txBody>
@@ -9491,8 +8952,8 @@
         </p:nvSpPr>
         <p:spPr>
           <a:xfrm>
-            <a:off x="581192" y="2453596"/>
-            <a:ext cx="8001333" cy="2031325"/>
+            <a:off x="581192" y="2170071"/>
+            <a:ext cx="7600282" cy="4524315"/>
           </a:xfrm>
           <a:prstGeom prst="rect">
             <a:avLst/>
@@ -9505,69 +8966,112 @@
           </a:bodyPr>
           <a:lstStyle/>
           <a:p>
+            <a:pPr marL="285750" indent="-285750" algn="l" rtl="0">
+              <a:buFont typeface="Arial" panose="020B0604020202020204" pitchFamily="34" charset="0"/>
+              <a:buChar char="•"/>
+            </a:pPr>
+            <a:r>
+              <a:rPr lang="it-IT" b="1" dirty="0">
+                <a:effectLst/>
+                <a:latin typeface="Arial" panose="020B0604020202020204" pitchFamily="34" charset="0"/>
+              </a:rPr>
+              <a:t>Payment Management</a:t>
+            </a:r>
+            <a:br>
+              <a:rPr lang="it-IT" dirty="0">
+                <a:effectLst/>
+              </a:rPr>
+            </a:br>
+            <a:r>
+              <a:rPr lang="it-IT" dirty="0">
+                <a:effectLst/>
+                <a:latin typeface="Arial" panose="020B0604020202020204" pitchFamily="34" charset="0"/>
+              </a:rPr>
+              <a:t>Permette di gestire i pagamenti con carta di credito, bancomat e contanti.</a:t>
+            </a:r>
+            <a:br>
+              <a:rPr lang="it-IT" dirty="0">
+                <a:effectLst/>
+                <a:latin typeface="Arial" panose="020B0604020202020204" pitchFamily="34" charset="0"/>
+              </a:rPr>
+            </a:br>
+            <a:endParaRPr lang="it-IT" dirty="0">
+              <a:effectLst/>
+              <a:latin typeface="Arial" panose="020B0604020202020204" pitchFamily="34" charset="0"/>
+            </a:endParaRPr>
+          </a:p>
+          <a:p>
+            <a:pPr marL="285750" indent="-285750" algn="l" rtl="0">
+              <a:buFont typeface="Arial" panose="020B0604020202020204" pitchFamily="34" charset="0"/>
+              <a:buChar char="•"/>
+            </a:pPr>
+            <a:r>
+              <a:rPr lang="it-IT" b="1" dirty="0">
+                <a:effectLst/>
+                <a:latin typeface="Arial" panose="020B0604020202020204" pitchFamily="34" charset="0"/>
+              </a:rPr>
+              <a:t>DBMS:</a:t>
+            </a:r>
+            <a:r>
+              <a:rPr lang="it-IT" dirty="0">
+                <a:effectLst/>
+                <a:latin typeface="Arial" panose="020B0604020202020204" pitchFamily="34" charset="0"/>
+              </a:rPr>
+              <a:t> </a:t>
+            </a:r>
+          </a:p>
+          <a:p>
             <a:pPr algn="l" rtl="0"/>
             <a:r>
               <a:rPr lang="it-IT" dirty="0">
-                <a:effectLst/>
-              </a:rPr>
-              <a:t>Per lo sviluppo sono stati creati dei </a:t>
-            </a:r>
-            <a:r>
-              <a:rPr lang="it-IT" b="1" dirty="0" err="1">
-                <a:effectLst/>
-              </a:rPr>
-              <a:t>sequence</a:t>
-            </a:r>
-            <a:r>
-              <a:rPr lang="it-IT" dirty="0"/>
-              <a:t> – </a:t>
-            </a:r>
-            <a:r>
-              <a:rPr lang="it-IT" b="1" dirty="0"/>
-              <a:t>class</a:t>
-            </a:r>
-            <a:r>
-              <a:rPr lang="it-IT" dirty="0"/>
-              <a:t> </a:t>
-            </a:r>
-            <a:r>
-              <a:rPr lang="it-IT" b="1" dirty="0"/>
-              <a:t>diagram</a:t>
-            </a:r>
-            <a:r>
-              <a:rPr lang="it-IT" dirty="0"/>
-              <a:t> </a:t>
+                <a:latin typeface="Arial" panose="020B0604020202020204" pitchFamily="34" charset="0"/>
+              </a:rPr>
+              <a:t>    </a:t>
+            </a:r>
+            <a:r>
+              <a:rPr lang="it-IT" dirty="0">
+                <a:effectLst/>
+                <a:latin typeface="Arial" panose="020B0604020202020204" pitchFamily="34" charset="0"/>
+              </a:rPr>
+              <a:t>Contiene le informazioni riguardo gli ordini e gli utenti registrati.</a:t>
             </a:r>
           </a:p>
           <a:p>
             <a:pPr algn="l" rtl="0"/>
-            <a:r>
-              <a:rPr lang="it-IT" dirty="0"/>
-              <a:t>Per rendere lo sviluppo molto più chiaro e veloce. </a:t>
+            <a:endParaRPr lang="it-IT" dirty="0">
+              <a:latin typeface="Arial" panose="020B0604020202020204" pitchFamily="34" charset="0"/>
+            </a:endParaRPr>
+          </a:p>
+          <a:p>
+            <a:pPr marL="285750" indent="-285750" algn="l" rtl="0">
+              <a:buFont typeface="Arial" panose="020B0604020202020204" pitchFamily="34" charset="0"/>
+              <a:buChar char="•"/>
+            </a:pPr>
+            <a:r>
+              <a:rPr lang="it-IT" b="1" dirty="0">
+                <a:effectLst/>
+                <a:latin typeface="Arial" panose="020B0604020202020204" pitchFamily="34" charset="0"/>
+              </a:rPr>
+              <a:t>Email:</a:t>
             </a:r>
             <a:br>
-              <a:rPr lang="it-IT" dirty="0"/>
+              <a:rPr lang="it-IT" b="1" dirty="0">
+                <a:effectLst/>
+                <a:latin typeface="Arial" panose="020B0604020202020204" pitchFamily="34" charset="0"/>
+              </a:rPr>
             </a:br>
-            <a:br>
-              <a:rPr lang="it-IT" dirty="0"/>
-            </a:br>
-            <a:r>
-              <a:rPr lang="it-IT" dirty="0"/>
-              <a:t>Così da poter definire fin da subito il </a:t>
-            </a:r>
-            <a:r>
-              <a:rPr lang="it-IT" b="1" dirty="0"/>
-              <a:t>business need </a:t>
-            </a:r>
-            <a:r>
-              <a:rPr lang="it-IT" dirty="0"/>
-              <a:t>dell’applicazione   </a:t>
-            </a:r>
             <a:r>
               <a:rPr lang="it-IT" dirty="0">
                 <a:effectLst/>
-              </a:rPr>
-              <a:t> </a:t>
+                <a:latin typeface="Arial" panose="020B0604020202020204" pitchFamily="34" charset="0"/>
+              </a:rPr>
+              <a:t>Permette all’ utente di inviare una email ed effettuare una prenotazione senza passare dall</a:t>
+            </a:r>
+            <a:r>
+              <a:rPr lang="it-IT" dirty="0">
+                <a:latin typeface="Arial" panose="020B0604020202020204" pitchFamily="34" charset="0"/>
+              </a:rPr>
+              <a:t>’ interfaccia web</a:t>
             </a:r>
             <a:br>
               <a:rPr lang="it-IT" dirty="0">
@@ -9585,6 +9089,25 @@
                   <a:srgbClr val="5D6879"/>
                 </a:solidFill>
                 <a:effectLst/>
+                <a:latin typeface="Lato" panose="020F0502020204030203" pitchFamily="34" charset="0"/>
+              </a:rPr>
+            </a:br>
+            <a:br>
+              <a:rPr lang="it-IT" dirty="0">
+                <a:effectLst/>
+              </a:rPr>
+            </a:br>
+            <a:endParaRPr lang="it-IT" dirty="0">
+              <a:effectLst/>
+            </a:endParaRPr>
+          </a:p>
+          <a:p>
+            <a:br>
+              <a:rPr lang="it-IT" b="0" i="0" dirty="0">
+                <a:solidFill>
+                  <a:srgbClr val="5D6879"/>
+                </a:solidFill>
+                <a:effectLst/>
                 <a:latin typeface="Lato" panose="020B0604020202020204" pitchFamily="34" charset="0"/>
               </a:rPr>
             </a:br>
@@ -9594,10 +9117,10 @@
       </p:sp>
       <p:pic>
         <p:nvPicPr>
-          <p:cNvPr id="9" name="Immagine 8">
-            <a:extLst>
-              <a:ext uri="{FF2B5EF4-FFF2-40B4-BE49-F238E27FC236}">
-                <a16:creationId xmlns:a16="http://schemas.microsoft.com/office/drawing/2014/main" id="{ECF8E9AD-BF19-1F6B-F279-4C4FC7946380}"/>
+          <p:cNvPr id="6" name="Immagine 5">
+            <a:extLst>
+              <a:ext uri="{FF2B5EF4-FFF2-40B4-BE49-F238E27FC236}">
+                <a16:creationId xmlns:a16="http://schemas.microsoft.com/office/drawing/2014/main" id="{1E8DEFE8-01DC-416D-8407-164E5D96FC55}"/>
               </a:ext>
             </a:extLst>
           </p:cNvPr>
@@ -9620,8 +9143,8 @@
         </p:blipFill>
         <p:spPr>
           <a:xfrm>
-            <a:off x="8029408" y="2053390"/>
-            <a:ext cx="3581400" cy="3810000"/>
+            <a:off x="-3343" y="4967125"/>
+            <a:ext cx="2161658" cy="1913067"/>
           </a:xfrm>
           <a:prstGeom prst="rect">
             <a:avLst/>
@@ -9630,10 +9153,10 @@
       </p:pic>
       <p:pic>
         <p:nvPicPr>
-          <p:cNvPr id="11" name="Immagine 10">
-            <a:extLst>
-              <a:ext uri="{FF2B5EF4-FFF2-40B4-BE49-F238E27FC236}">
-                <a16:creationId xmlns:a16="http://schemas.microsoft.com/office/drawing/2014/main" id="{0DF36104-D6DD-167A-0C43-1DC9883F7E89}"/>
+          <p:cNvPr id="8" name="Immagine 7">
+            <a:extLst>
+              <a:ext uri="{FF2B5EF4-FFF2-40B4-BE49-F238E27FC236}">
+                <a16:creationId xmlns:a16="http://schemas.microsoft.com/office/drawing/2014/main" id="{5B5F6384-D745-CF96-65AC-DFE05E75C284}"/>
               </a:ext>
             </a:extLst>
           </p:cNvPr>
@@ -9656,8 +9179,8 @@
         </p:blipFill>
         <p:spPr>
           <a:xfrm>
-            <a:off x="581192" y="3970996"/>
-            <a:ext cx="2255925" cy="2406320"/>
+            <a:off x="7391439" y="2210409"/>
+            <a:ext cx="4800561" cy="3432401"/>
           </a:xfrm>
           <a:prstGeom prst="rect">
             <a:avLst/>
@@ -9666,10 +9189,10 @@
       </p:pic>
       <p:sp>
         <p:nvSpPr>
-          <p:cNvPr id="7" name="Segnaposto numero diapositiva 6">
-            <a:extLst>
-              <a:ext uri="{FF2B5EF4-FFF2-40B4-BE49-F238E27FC236}">
-                <a16:creationId xmlns:a16="http://schemas.microsoft.com/office/drawing/2014/main" id="{F403B1E6-5EFA-CD16-9C93-76963D78BBF0}"/>
+          <p:cNvPr id="9" name="Segnaposto numero diapositiva 8">
+            <a:extLst>
+              <a:ext uri="{FF2B5EF4-FFF2-40B4-BE49-F238E27FC236}">
+                <a16:creationId xmlns:a16="http://schemas.microsoft.com/office/drawing/2014/main" id="{753FFFEB-8BB7-D57D-4E06-06F845289FE6}"/>
               </a:ext>
             </a:extLst>
           </p:cNvPr>
@@ -9697,7 +9220,7 @@
     </p:spTree>
     <p:extLst>
       <p:ext uri="{BB962C8B-B14F-4D97-AF65-F5344CB8AC3E}">
-        <p14:creationId xmlns:p14="http://schemas.microsoft.com/office/powerpoint/2010/main" val="3184742582"/>
+        <p14:creationId xmlns:p14="http://schemas.microsoft.com/office/powerpoint/2010/main" val="87073777"/>
       </p:ext>
     </p:extLst>
   </p:cSld>
@@ -9710,6 +9233,14 @@
 <file path=ppt/slides/slide8.xml><?xml version="1.0" encoding="utf-8"?>
 <p:sld xmlns:a="http://schemas.openxmlformats.org/drawingml/2006/main" xmlns:r="http://schemas.openxmlformats.org/officeDocument/2006/relationships" xmlns:p="http://schemas.openxmlformats.org/presentationml/2006/main">
   <p:cSld>
+    <p:bg>
+      <p:bgPr>
+        <a:solidFill>
+          <a:schemeClr val="bg1"/>
+        </a:solidFill>
+        <a:effectLst/>
+      </p:bgPr>
+    </p:bg>
     <p:spTree>
       <p:nvGrpSpPr>
         <p:cNvPr id="1" name=""/>
@@ -9724,252 +9255,331 @@
           <a:chExt cx="0" cy="0"/>
         </a:xfrm>
       </p:grpSpPr>
-      <p:sp>
-        <p:nvSpPr>
-          <p:cNvPr id="2" name="Titolo 1">
-            <a:extLst>
-              <a:ext uri="{FF2B5EF4-FFF2-40B4-BE49-F238E27FC236}">
-                <a16:creationId xmlns:a16="http://schemas.microsoft.com/office/drawing/2014/main" id="{19BD7C44-1338-9945-1190-21BC6757B93D}"/>
-              </a:ext>
-            </a:extLst>
-          </p:cNvPr>
-          <p:cNvSpPr>
-            <a:spLocks noGrp="1"/>
-          </p:cNvSpPr>
-          <p:nvPr>
-            <p:ph type="title"/>
-          </p:nvPr>
-        </p:nvSpPr>
-        <p:spPr/>
-        <p:txBody>
-          <a:bodyPr/>
-          <a:lstStyle/>
-          <a:p>
-            <a:r>
-              <a:rPr lang="it-IT" dirty="0"/>
-              <a:t>Progettazione – Subsystem decomposition</a:t>
-            </a:r>
-          </a:p>
-        </p:txBody>
-      </p:sp>
-      <p:sp>
-        <p:nvSpPr>
-          <p:cNvPr id="4" name="Segnaposto data 3">
-            <a:extLst>
-              <a:ext uri="{FF2B5EF4-FFF2-40B4-BE49-F238E27FC236}">
-                <a16:creationId xmlns:a16="http://schemas.microsoft.com/office/drawing/2014/main" id="{1E809507-9697-4F94-3852-4D910D63FC2C}"/>
-              </a:ext>
-            </a:extLst>
-          </p:cNvPr>
-          <p:cNvSpPr>
-            <a:spLocks noGrp="1"/>
-          </p:cNvSpPr>
-          <p:nvPr>
-            <p:ph type="dt" sz="half" idx="10"/>
-          </p:nvPr>
-        </p:nvSpPr>
-        <p:spPr>
-          <a:xfrm>
-            <a:off x="8766009" y="4784562"/>
-            <a:ext cx="2844799" cy="365125"/>
-          </a:xfrm>
-        </p:spPr>
-        <p:txBody>
-          <a:bodyPr/>
-          <a:lstStyle/>
-          <a:p>
-            <a:pPr rtl="0"/>
-            <a:r>
-              <a:rPr lang="it-IT"/>
-              <a:t>    </a:t>
-            </a:r>
-            <a:endParaRPr lang="en-US" dirty="0"/>
-          </a:p>
-        </p:txBody>
-      </p:sp>
-      <p:sp>
-        <p:nvSpPr>
-          <p:cNvPr id="5" name="CasellaDiTesto 4">
-            <a:extLst>
-              <a:ext uri="{FF2B5EF4-FFF2-40B4-BE49-F238E27FC236}">
-                <a16:creationId xmlns:a16="http://schemas.microsoft.com/office/drawing/2014/main" id="{989FAF90-838F-E2FA-EE19-A41565126B4F}"/>
-              </a:ext>
-            </a:extLst>
-          </p:cNvPr>
-          <p:cNvSpPr txBox="1"/>
-          <p:nvPr/>
-        </p:nvSpPr>
-        <p:spPr>
-          <a:xfrm>
-            <a:off x="581192" y="2170071"/>
-            <a:ext cx="7600282" cy="4524315"/>
+      <p:sp useBgFill="1">
+        <p:nvSpPr>
+          <p:cNvPr id="18" name="Rettangolo 17">
+            <a:extLst>
+              <a:ext uri="{FF2B5EF4-FFF2-40B4-BE49-F238E27FC236}">
+                <a16:creationId xmlns:a16="http://schemas.microsoft.com/office/drawing/2014/main" id="{D6D7A0BC-0046-4CAA-8E7F-DCAFE511EA0E}"/>
+              </a:ext>
+              <a:ext uri="{C183D7F6-B498-43B3-948B-1728B52AA6E4}">
+                <adec:decorative xmlns:adec="http://schemas.microsoft.com/office/drawing/2017/decorative" val="1"/>
+              </a:ext>
+            </a:extLst>
+          </p:cNvPr>
+          <p:cNvSpPr>
+            <a:spLocks noGrp="1" noRot="1" noChangeAspect="1" noMove="1" noResize="1" noEditPoints="1" noAdjustHandles="1" noChangeArrowheads="1" noChangeShapeType="1" noTextEdit="1"/>
+          </p:cNvSpPr>
+          <p:nvPr>
+            <p:extLst>
+              <p:ext uri="{386F3935-93C4-4BCD-93E2-E3B085C9AB24}">
+                <p16:designElem xmlns:p16="http://schemas.microsoft.com/office/powerpoint/2015/main" val="1"/>
+              </p:ext>
+            </p:extLst>
+          </p:nvPr>
+        </p:nvSpPr>
+        <p:spPr>
+          <a:xfrm>
+            <a:off x="0" y="0"/>
+            <a:ext cx="12192000" cy="6858000"/>
           </a:xfrm>
           <a:prstGeom prst="rect">
             <a:avLst/>
           </a:prstGeom>
-          <a:noFill/>
-        </p:spPr>
-        <p:txBody>
-          <a:bodyPr wrap="square" rtlCol="0">
-            <a:spAutoFit/>
+          <a:ln>
+            <a:noFill/>
+          </a:ln>
+        </p:spPr>
+        <p:style>
+          <a:lnRef idx="2">
+            <a:schemeClr val="accent1">
+              <a:shade val="50000"/>
+            </a:schemeClr>
+          </a:lnRef>
+          <a:fillRef idx="1">
+            <a:schemeClr val="accent1"/>
+          </a:fillRef>
+          <a:effectRef idx="0">
+            <a:schemeClr val="accent1"/>
+          </a:effectRef>
+          <a:fontRef idx="minor">
+            <a:schemeClr val="lt1"/>
+          </a:fontRef>
+        </p:style>
+        <p:txBody>
+          <a:bodyPr rtlCol="0" anchor="ctr"/>
+          <a:lstStyle/>
+          <a:p>
+            <a:pPr algn="ctr" rtl="0"/>
+            <a:endParaRPr lang="en-US"/>
+          </a:p>
+        </p:txBody>
+      </p:sp>
+      <p:sp>
+        <p:nvSpPr>
+          <p:cNvPr id="2" name="Titolo 1">
+            <a:extLst>
+              <a:ext uri="{FF2B5EF4-FFF2-40B4-BE49-F238E27FC236}">
+                <a16:creationId xmlns:a16="http://schemas.microsoft.com/office/drawing/2014/main" id="{1C21E816-31F5-48BB-BD02-D15F2F18B48A}"/>
+              </a:ext>
+            </a:extLst>
+          </p:cNvPr>
+          <p:cNvSpPr>
+            <a:spLocks noGrp="1"/>
+          </p:cNvSpPr>
+          <p:nvPr>
+            <p:ph type="ctrTitle"/>
+          </p:nvPr>
+        </p:nvSpPr>
+        <p:spPr>
+          <a:xfrm>
+            <a:off x="581191" y="1020431"/>
+            <a:ext cx="10993549" cy="1475013"/>
+          </a:xfrm>
+        </p:spPr>
+        <p:txBody>
+          <a:bodyPr rtlCol="0">
+            <a:normAutofit/>
           </a:bodyPr>
           <a:lstStyle/>
           <a:p>
-            <a:pPr marL="285750" indent="-285750" algn="l" rtl="0">
-              <a:buFont typeface="Arial" panose="020B0604020202020204" pitchFamily="34" charset="0"/>
-              <a:buChar char="•"/>
-            </a:pPr>
-            <a:r>
-              <a:rPr lang="it-IT" b="1" dirty="0">
-                <a:effectLst/>
-                <a:latin typeface="Arial" panose="020B0604020202020204" pitchFamily="34" charset="0"/>
-              </a:rPr>
-              <a:t>Payment Management</a:t>
-            </a:r>
-            <a:br>
-              <a:rPr lang="it-IT" dirty="0">
-                <a:effectLst/>
-              </a:rPr>
-            </a:br>
-            <a:r>
-              <a:rPr lang="it-IT" dirty="0">
-                <a:effectLst/>
-                <a:latin typeface="Arial" panose="020B0604020202020204" pitchFamily="34" charset="0"/>
-              </a:rPr>
-              <a:t>Permette di gestire i pagamenti con carta di credito, bancomat e contanti.</a:t>
-            </a:r>
-            <a:br>
-              <a:rPr lang="it-IT" dirty="0">
-                <a:effectLst/>
-                <a:latin typeface="Arial" panose="020B0604020202020204" pitchFamily="34" charset="0"/>
-              </a:rPr>
-            </a:br>
-            <a:endParaRPr lang="it-IT" dirty="0">
-              <a:effectLst/>
-              <a:latin typeface="Arial" panose="020B0604020202020204" pitchFamily="34" charset="0"/>
-            </a:endParaRPr>
-          </a:p>
-          <a:p>
-            <a:pPr marL="285750" indent="-285750" algn="l" rtl="0">
-              <a:buFont typeface="Arial" panose="020B0604020202020204" pitchFamily="34" charset="0"/>
-              <a:buChar char="•"/>
-            </a:pPr>
-            <a:r>
-              <a:rPr lang="it-IT" b="1" dirty="0">
-                <a:effectLst/>
-                <a:latin typeface="Arial" panose="020B0604020202020204" pitchFamily="34" charset="0"/>
-              </a:rPr>
-              <a:t>DBMS:</a:t>
-            </a:r>
-            <a:r>
-              <a:rPr lang="it-IT" dirty="0">
-                <a:effectLst/>
-                <a:latin typeface="Arial" panose="020B0604020202020204" pitchFamily="34" charset="0"/>
-              </a:rPr>
-              <a:t> </a:t>
-            </a:r>
-          </a:p>
-          <a:p>
-            <a:pPr algn="l" rtl="0"/>
-            <a:r>
-              <a:rPr lang="it-IT" dirty="0">
-                <a:latin typeface="Arial" panose="020B0604020202020204" pitchFamily="34" charset="0"/>
-              </a:rPr>
-              <a:t>    </a:t>
-            </a:r>
-            <a:r>
-              <a:rPr lang="it-IT" dirty="0">
-                <a:effectLst/>
-                <a:latin typeface="Arial" panose="020B0604020202020204" pitchFamily="34" charset="0"/>
-              </a:rPr>
-              <a:t>Contiene le informazioni riguardo gli ordini e gli utenti registrati.</a:t>
-            </a:r>
-          </a:p>
-          <a:p>
-            <a:pPr algn="l" rtl="0"/>
-            <a:endParaRPr lang="it-IT" dirty="0">
-              <a:latin typeface="Arial" panose="020B0604020202020204" pitchFamily="34" charset="0"/>
-            </a:endParaRPr>
-          </a:p>
-          <a:p>
-            <a:pPr marL="285750" indent="-285750" algn="l" rtl="0">
-              <a:buFont typeface="Arial" panose="020B0604020202020204" pitchFamily="34" charset="0"/>
-              <a:buChar char="•"/>
-            </a:pPr>
-            <a:r>
-              <a:rPr lang="it-IT" b="1" dirty="0">
-                <a:effectLst/>
-                <a:latin typeface="Arial" panose="020B0604020202020204" pitchFamily="34" charset="0"/>
-              </a:rPr>
-              <a:t>Email:</a:t>
-            </a:r>
-            <a:br>
-              <a:rPr lang="it-IT" b="1" dirty="0">
-                <a:effectLst/>
-                <a:latin typeface="Arial" panose="020B0604020202020204" pitchFamily="34" charset="0"/>
-              </a:rPr>
-            </a:br>
-            <a:r>
-              <a:rPr lang="it-IT" dirty="0">
-                <a:effectLst/>
-                <a:latin typeface="Arial" panose="020B0604020202020204" pitchFamily="34" charset="0"/>
-              </a:rPr>
-              <a:t>Permette all’ utente di inviare una email ed effettuare una prenotazione senza passare dall</a:t>
-            </a:r>
-            <a:r>
-              <a:rPr lang="it-IT" dirty="0">
-                <a:latin typeface="Arial" panose="020B0604020202020204" pitchFamily="34" charset="0"/>
-              </a:rPr>
-              <a:t>’ interfaccia web</a:t>
-            </a:r>
-            <a:br>
-              <a:rPr lang="it-IT" dirty="0">
-                <a:effectLst/>
-              </a:rPr>
-            </a:br>
-            <a:endParaRPr lang="it-IT" dirty="0">
-              <a:effectLst/>
-            </a:endParaRPr>
-          </a:p>
-          <a:p>
-            <a:br>
-              <a:rPr lang="it-IT" b="0" i="0" dirty="0">
+            <a:pPr rtl="0"/>
+            <a:r>
+              <a:rPr lang="it" dirty="0"/>
+              <a:t>TaxiToGo</a:t>
+            </a:r>
+          </a:p>
+        </p:txBody>
+      </p:sp>
+      <p:sp>
+        <p:nvSpPr>
+          <p:cNvPr id="3" name="Sottotitolo 2">
+            <a:extLst>
+              <a:ext uri="{FF2B5EF4-FFF2-40B4-BE49-F238E27FC236}">
+                <a16:creationId xmlns:a16="http://schemas.microsoft.com/office/drawing/2014/main" id="{835D6E6B-3353-491C-A3C6-F278D6CED8B3}"/>
+              </a:ext>
+            </a:extLst>
+          </p:cNvPr>
+          <p:cNvSpPr>
+            <a:spLocks noGrp="1"/>
+          </p:cNvSpPr>
+          <p:nvPr>
+            <p:ph type="subTitle" idx="1"/>
+          </p:nvPr>
+        </p:nvSpPr>
+        <p:spPr>
+          <a:xfrm>
+            <a:off x="581194" y="2495445"/>
+            <a:ext cx="10993546" cy="468233"/>
+          </a:xfrm>
+        </p:spPr>
+        <p:txBody>
+          <a:bodyPr rtlCol="0">
+            <a:normAutofit/>
+          </a:bodyPr>
+          <a:lstStyle/>
+          <a:p>
+            <a:pPr rtl="0"/>
+            <a:r>
+              <a:rPr lang="it" dirty="0">
                 <a:solidFill>
-                  <a:srgbClr val="5D6879"/>
+                  <a:srgbClr val="1CADE4"/>
                 </a:solidFill>
-                <a:effectLst/>
-                <a:latin typeface="Lato" panose="020F0502020204030203" pitchFamily="34" charset="0"/>
-              </a:rPr>
-            </a:br>
-            <a:br>
-              <a:rPr lang="it-IT" dirty="0">
-                <a:effectLst/>
-              </a:rPr>
-            </a:br>
-            <a:endParaRPr lang="it-IT" dirty="0">
-              <a:effectLst/>
-            </a:endParaRPr>
-          </a:p>
-          <a:p>
-            <a:br>
-              <a:rPr lang="it-IT" b="0" i="0" dirty="0">
-                <a:solidFill>
-                  <a:srgbClr val="5D6879"/>
-                </a:solidFill>
-                <a:effectLst/>
-                <a:latin typeface="Lato" panose="020B0604020202020204" pitchFamily="34" charset="0"/>
-              </a:rPr>
-            </a:br>
-            <a:endParaRPr lang="it-IT" dirty="0"/>
+              </a:rPr>
+              <a:t>Implementazione</a:t>
+            </a:r>
+          </a:p>
+        </p:txBody>
+      </p:sp>
+      <p:sp>
+        <p:nvSpPr>
+          <p:cNvPr id="20" name="Rettangolo 19">
+            <a:extLst>
+              <a:ext uri="{FF2B5EF4-FFF2-40B4-BE49-F238E27FC236}">
+                <a16:creationId xmlns:a16="http://schemas.microsoft.com/office/drawing/2014/main" id="{E7C6334F-6411-41EC-AD7D-179EDD8B58CB}"/>
+              </a:ext>
+              <a:ext uri="{C183D7F6-B498-43B3-948B-1728B52AA6E4}">
+                <adec:decorative xmlns:adec="http://schemas.microsoft.com/office/drawing/2017/decorative" val="1"/>
+              </a:ext>
+            </a:extLst>
+          </p:cNvPr>
+          <p:cNvSpPr>
+            <a:spLocks noGrp="1" noRot="1" noChangeAspect="1" noMove="1" noResize="1" noEditPoints="1" noAdjustHandles="1" noChangeArrowheads="1" noChangeShapeType="1" noTextEdit="1"/>
+          </p:cNvSpPr>
+          <p:nvPr>
+            <p:extLst>
+              <p:ext uri="{386F3935-93C4-4BCD-93E2-E3B085C9AB24}">
+                <p16:designElem xmlns:p16="http://schemas.microsoft.com/office/powerpoint/2015/main" val="1"/>
+              </p:ext>
+            </p:extLst>
+          </p:nvPr>
+        </p:nvSpPr>
+        <p:spPr>
+          <a:xfrm>
+            <a:off x="446534" y="457200"/>
+            <a:ext cx="3703320" cy="94997"/>
+          </a:xfrm>
+          <a:prstGeom prst="rect">
+            <a:avLst/>
+          </a:prstGeom>
+          <a:solidFill>
+            <a:srgbClr val="465359"/>
+          </a:solidFill>
+          <a:ln>
+            <a:noFill/>
+          </a:ln>
+          <a:effectLst/>
+        </p:spPr>
+        <p:style>
+          <a:lnRef idx="1">
+            <a:schemeClr val="accent1"/>
+          </a:lnRef>
+          <a:fillRef idx="3">
+            <a:schemeClr val="accent1"/>
+          </a:fillRef>
+          <a:effectRef idx="2">
+            <a:schemeClr val="accent1"/>
+          </a:effectRef>
+          <a:fontRef idx="minor">
+            <a:schemeClr val="lt1"/>
+          </a:fontRef>
+        </p:style>
+        <p:txBody>
+          <a:bodyPr/>
+          <a:lstStyle/>
+          <a:p>
+            <a:endParaRPr lang="it-IT"/>
+          </a:p>
+        </p:txBody>
+      </p:sp>
+      <p:sp>
+        <p:nvSpPr>
+          <p:cNvPr id="22" name="Rettangolo 21">
+            <a:extLst>
+              <a:ext uri="{FF2B5EF4-FFF2-40B4-BE49-F238E27FC236}">
+                <a16:creationId xmlns:a16="http://schemas.microsoft.com/office/drawing/2014/main" id="{E6B02CEE-3AF8-4349-9B3E-8970E6DF62B3}"/>
+              </a:ext>
+              <a:ext uri="{C183D7F6-B498-43B3-948B-1728B52AA6E4}">
+                <adec:decorative xmlns:adec="http://schemas.microsoft.com/office/drawing/2017/decorative" val="1"/>
+              </a:ext>
+            </a:extLst>
+          </p:cNvPr>
+          <p:cNvSpPr>
+            <a:spLocks noGrp="1" noRot="1" noChangeAspect="1" noMove="1" noResize="1" noEditPoints="1" noAdjustHandles="1" noChangeArrowheads="1" noChangeShapeType="1" noTextEdit="1"/>
+          </p:cNvSpPr>
+          <p:nvPr>
+            <p:extLst>
+              <p:ext uri="{386F3935-93C4-4BCD-93E2-E3B085C9AB24}">
+                <p16:designElem xmlns:p16="http://schemas.microsoft.com/office/powerpoint/2015/main" val="1"/>
+              </p:ext>
+            </p:extLst>
+          </p:nvPr>
+        </p:nvSpPr>
+        <p:spPr>
+          <a:xfrm>
+            <a:off x="4241830" y="457200"/>
+            <a:ext cx="3703320" cy="91440"/>
+          </a:xfrm>
+          <a:prstGeom prst="rect">
+            <a:avLst/>
+          </a:prstGeom>
+          <a:solidFill>
+            <a:schemeClr val="accent1"/>
+          </a:solidFill>
+          <a:ln>
+            <a:noFill/>
+          </a:ln>
+          <a:effectLst/>
+        </p:spPr>
+        <p:style>
+          <a:lnRef idx="1">
+            <a:schemeClr val="accent1"/>
+          </a:lnRef>
+          <a:fillRef idx="3">
+            <a:schemeClr val="accent1"/>
+          </a:fillRef>
+          <a:effectRef idx="2">
+            <a:schemeClr val="accent1"/>
+          </a:effectRef>
+          <a:fontRef idx="minor">
+            <a:schemeClr val="lt1"/>
+          </a:fontRef>
+        </p:style>
+        <p:txBody>
+          <a:bodyPr/>
+          <a:lstStyle/>
+          <a:p>
+            <a:endParaRPr lang="it-IT"/>
+          </a:p>
+        </p:txBody>
+      </p:sp>
+      <p:sp>
+        <p:nvSpPr>
+          <p:cNvPr id="24" name="Rettangolo 23">
+            <a:extLst>
+              <a:ext uri="{FF2B5EF4-FFF2-40B4-BE49-F238E27FC236}">
+                <a16:creationId xmlns:a16="http://schemas.microsoft.com/office/drawing/2014/main" id="{AAA01CF0-3FB5-44EB-B7DE-F2E86374C2FB}"/>
+              </a:ext>
+              <a:ext uri="{C183D7F6-B498-43B3-948B-1728B52AA6E4}">
+                <adec:decorative xmlns:adec="http://schemas.microsoft.com/office/drawing/2017/decorative" val="1"/>
+              </a:ext>
+            </a:extLst>
+          </p:cNvPr>
+          <p:cNvSpPr>
+            <a:spLocks noGrp="1" noRot="1" noChangeAspect="1" noMove="1" noResize="1" noEditPoints="1" noAdjustHandles="1" noChangeArrowheads="1" noChangeShapeType="1" noTextEdit="1"/>
+          </p:cNvSpPr>
+          <p:nvPr>
+            <p:extLst>
+              <p:ext uri="{386F3935-93C4-4BCD-93E2-E3B085C9AB24}">
+                <p16:designElem xmlns:p16="http://schemas.microsoft.com/office/powerpoint/2015/main" val="1"/>
+              </p:ext>
+            </p:extLst>
+          </p:nvPr>
+        </p:nvSpPr>
+        <p:spPr>
+          <a:xfrm>
+            <a:off x="8042147" y="453643"/>
+            <a:ext cx="3703320" cy="98554"/>
+          </a:xfrm>
+          <a:prstGeom prst="rect">
+            <a:avLst/>
+          </a:prstGeom>
+          <a:solidFill>
+            <a:srgbClr val="969FA7"/>
+          </a:solidFill>
+          <a:ln>
+            <a:noFill/>
+          </a:ln>
+          <a:effectLst/>
+        </p:spPr>
+        <p:style>
+          <a:lnRef idx="1">
+            <a:schemeClr val="accent1"/>
+          </a:lnRef>
+          <a:fillRef idx="3">
+            <a:schemeClr val="accent1"/>
+          </a:fillRef>
+          <a:effectRef idx="2">
+            <a:schemeClr val="accent1"/>
+          </a:effectRef>
+          <a:fontRef idx="minor">
+            <a:schemeClr val="lt1"/>
+          </a:fontRef>
+        </p:style>
+        <p:txBody>
+          <a:bodyPr/>
+          <a:lstStyle/>
+          <a:p>
+            <a:endParaRPr lang="it-IT"/>
           </a:p>
         </p:txBody>
       </p:sp>
       <p:pic>
         <p:nvPicPr>
-          <p:cNvPr id="6" name="Immagine 5">
-            <a:extLst>
-              <a:ext uri="{FF2B5EF4-FFF2-40B4-BE49-F238E27FC236}">
-                <a16:creationId xmlns:a16="http://schemas.microsoft.com/office/drawing/2014/main" id="{1E8DEFE8-01DC-416D-8407-164E5D96FC55}"/>
+          <p:cNvPr id="6" name="Immagine 5" descr="Primo piano di un logo&#10;&#10;Descrizione generata automaticamente">
+            <a:extLst>
+              <a:ext uri="{FF2B5EF4-FFF2-40B4-BE49-F238E27FC236}">
+                <a16:creationId xmlns:a16="http://schemas.microsoft.com/office/drawing/2014/main" id="{F1A8C364-94D4-4630-BAD0-78722F347055}"/>
               </a:ext>
             </a:extLst>
           </p:cNvPr>
@@ -9978,70 +9588,63 @@
           </p:cNvPicPr>
           <p:nvPr/>
         </p:nvPicPr>
-        <p:blipFill>
-          <a:blip r:embed="rId2">
+        <p:blipFill rotWithShape="1">
+          <a:blip r:embed="rId2" cstate="hqprint">
             <a:extLst>
               <a:ext uri="{28A0092B-C50C-407E-A947-70E740481C1C}">
                 <a14:useLocalDpi xmlns:a14="http://schemas.microsoft.com/office/drawing/2010/main" val="0"/>
               </a:ext>
             </a:extLst>
           </a:blip>
-          <a:stretch>
-            <a:fillRect/>
-          </a:stretch>
+          <a:srcRect/>
+          <a:stretch/>
         </p:blipFill>
         <p:spPr>
           <a:xfrm>
-            <a:off x="-3343" y="4967125"/>
-            <a:ext cx="2161658" cy="1913067"/>
+            <a:off x="448733" y="3081867"/>
+            <a:ext cx="11260667" cy="3310466"/>
           </a:xfrm>
           <a:prstGeom prst="rect">
             <a:avLst/>
           </a:prstGeom>
         </p:spPr>
       </p:pic>
-      <p:pic>
-        <p:nvPicPr>
-          <p:cNvPr id="8" name="Immagine 7">
-            <a:extLst>
-              <a:ext uri="{FF2B5EF4-FFF2-40B4-BE49-F238E27FC236}">
-                <a16:creationId xmlns:a16="http://schemas.microsoft.com/office/drawing/2014/main" id="{5B5F6384-D745-CF96-65AC-DFE05E75C284}"/>
-              </a:ext>
-            </a:extLst>
-          </p:cNvPr>
-          <p:cNvPicPr>
-            <a:picLocks noChangeAspect="1"/>
-          </p:cNvPicPr>
-          <p:nvPr/>
-        </p:nvPicPr>
-        <p:blipFill>
-          <a:blip r:embed="rId3">
-            <a:extLst>
-              <a:ext uri="{28A0092B-C50C-407E-A947-70E740481C1C}">
-                <a14:useLocalDpi xmlns:a14="http://schemas.microsoft.com/office/drawing/2010/main" val="0"/>
-              </a:ext>
-            </a:extLst>
-          </a:blip>
-          <a:stretch>
-            <a:fillRect/>
-          </a:stretch>
-        </p:blipFill>
-        <p:spPr>
-          <a:xfrm>
-            <a:off x="7391439" y="2210409"/>
-            <a:ext cx="4800561" cy="3432401"/>
-          </a:xfrm>
-          <a:prstGeom prst="rect">
-            <a:avLst/>
-          </a:prstGeom>
-        </p:spPr>
-      </p:pic>
-      <p:sp>
-        <p:nvSpPr>
-          <p:cNvPr id="9" name="Segnaposto numero diapositiva 8">
-            <a:extLst>
-              <a:ext uri="{FF2B5EF4-FFF2-40B4-BE49-F238E27FC236}">
-                <a16:creationId xmlns:a16="http://schemas.microsoft.com/office/drawing/2014/main" id="{753FFFEB-8BB7-D57D-4E06-06F845289FE6}"/>
+      <p:sp>
+        <p:nvSpPr>
+          <p:cNvPr id="7" name="Segnaposto data 6">
+            <a:extLst>
+              <a:ext uri="{FF2B5EF4-FFF2-40B4-BE49-F238E27FC236}">
+                <a16:creationId xmlns:a16="http://schemas.microsoft.com/office/drawing/2014/main" id="{51EEAC83-9168-F30B-ECAF-A8639AB134E4}"/>
+              </a:ext>
+            </a:extLst>
+          </p:cNvPr>
+          <p:cNvSpPr>
+            <a:spLocks noGrp="1"/>
+          </p:cNvSpPr>
+          <p:nvPr>
+            <p:ph type="dt" sz="half" idx="10"/>
+          </p:nvPr>
+        </p:nvSpPr>
+        <p:spPr/>
+        <p:txBody>
+          <a:bodyPr/>
+          <a:lstStyle/>
+          <a:p>
+            <a:pPr rtl="0"/>
+            <a:r>
+              <a:rPr lang="it-IT"/>
+              <a:t>    </a:t>
+            </a:r>
+            <a:endParaRPr lang="en-US" dirty="0"/>
+          </a:p>
+        </p:txBody>
+      </p:sp>
+      <p:sp>
+        <p:nvSpPr>
+          <p:cNvPr id="8" name="Segnaposto numero diapositiva 7">
+            <a:extLst>
+              <a:ext uri="{FF2B5EF4-FFF2-40B4-BE49-F238E27FC236}">
+                <a16:creationId xmlns:a16="http://schemas.microsoft.com/office/drawing/2014/main" id="{EABFACFA-BF33-92D2-FE26-590514216860}"/>
               </a:ext>
             </a:extLst>
           </p:cNvPr>
@@ -10069,7 +9672,7 @@
     </p:spTree>
     <p:extLst>
       <p:ext uri="{BB962C8B-B14F-4D97-AF65-F5344CB8AC3E}">
-        <p14:creationId xmlns:p14="http://schemas.microsoft.com/office/powerpoint/2010/main" val="87073777"/>
+        <p14:creationId xmlns:p14="http://schemas.microsoft.com/office/powerpoint/2010/main" val="2267013733"/>
       </p:ext>
     </p:extLst>
   </p:cSld>
@@ -10084,7 +9687,13 @@
   <p:cSld>
     <p:spTree>
       <p:nvGrpSpPr>
-        <p:cNvPr id="1" name=""/>
+        <p:cNvPr id="1" name="">
+          <a:extLst>
+            <a:ext uri="{FF2B5EF4-FFF2-40B4-BE49-F238E27FC236}">
+              <a16:creationId xmlns:a16="http://schemas.microsoft.com/office/drawing/2014/main" id="{426B3FB5-8C8A-9719-C3A1-666573E0A25C}"/>
+            </a:ext>
+          </a:extLst>
+        </p:cNvPr>
         <p:cNvGrpSpPr/>
         <p:nvPr/>
       </p:nvGrpSpPr>
@@ -10101,7 +9710,7 @@
           <p:cNvPr id="2" name="Titolo 1">
             <a:extLst>
               <a:ext uri="{FF2B5EF4-FFF2-40B4-BE49-F238E27FC236}">
-                <a16:creationId xmlns:a16="http://schemas.microsoft.com/office/drawing/2014/main" id="{19BD7C44-1338-9945-1190-21BC6757B93D}"/>
+                <a16:creationId xmlns:a16="http://schemas.microsoft.com/office/drawing/2014/main" id="{9576969B-07D5-A3E6-F960-21D273ED9CD8}"/>
               </a:ext>
             </a:extLst>
           </p:cNvPr>
@@ -10119,7 +9728,7 @@
           <a:p>
             <a:r>
               <a:rPr lang="it-IT" dirty="0"/>
-              <a:t>Progettazione – Test di usabilità</a:t>
+              <a:t>Implementazione – Software</a:t>
             </a:r>
           </a:p>
         </p:txBody>
@@ -10129,7 +9738,7 @@
           <p:cNvPr id="4" name="Segnaposto data 3">
             <a:extLst>
               <a:ext uri="{FF2B5EF4-FFF2-40B4-BE49-F238E27FC236}">
-                <a16:creationId xmlns:a16="http://schemas.microsoft.com/office/drawing/2014/main" id="{1E809507-9697-4F94-3852-4D910D63FC2C}"/>
+                <a16:creationId xmlns:a16="http://schemas.microsoft.com/office/drawing/2014/main" id="{02F77D51-C43B-A96F-E830-42353EE6CCDE}"/>
               </a:ext>
             </a:extLst>
           </p:cNvPr>
@@ -10164,7 +9773,7 @@
           <p:cNvPr id="5" name="CasellaDiTesto 4">
             <a:extLst>
               <a:ext uri="{FF2B5EF4-FFF2-40B4-BE49-F238E27FC236}">
-                <a16:creationId xmlns:a16="http://schemas.microsoft.com/office/drawing/2014/main" id="{989FAF90-838F-E2FA-EE19-A41565126B4F}"/>
+                <a16:creationId xmlns:a16="http://schemas.microsoft.com/office/drawing/2014/main" id="{9D1A699C-48D9-751F-96D9-32F5F228D575}"/>
               </a:ext>
             </a:extLst>
           </p:cNvPr>
@@ -10174,7 +9783,7 @@
         <p:spPr>
           <a:xfrm>
             <a:off x="581192" y="2170071"/>
-            <a:ext cx="7600282" cy="6186309"/>
+            <a:ext cx="7135061" cy="4524315"/>
           </a:xfrm>
           <a:prstGeom prst="rect">
             <a:avLst/>
@@ -10187,110 +9796,106 @@
           </a:bodyPr>
           <a:lstStyle/>
           <a:p>
-            <a:pPr marL="285750" indent="-285750" algn="l" rtl="0">
-              <a:buFont typeface="Arial" panose="020B0604020202020204" pitchFamily="34" charset="0"/>
-              <a:buChar char="•"/>
-            </a:pPr>
+            <a:pPr algn="l" rtl="0"/>
+            <a:r>
+              <a:rPr lang="it-IT" dirty="0"/>
+              <a:t>Il</a:t>
+            </a:r>
+            <a:r>
+              <a:rPr lang="it-IT" dirty="0">
+                <a:effectLst/>
+              </a:rPr>
+              <a:t> </a:t>
+            </a:r>
             <a:r>
               <a:rPr lang="it-IT" b="1" dirty="0">
                 <a:effectLst/>
-                <a:latin typeface="Arial" panose="020B0604020202020204" pitchFamily="34" charset="0"/>
-              </a:rPr>
-              <a:t>Partecipanti:</a:t>
-            </a:r>
-            <a:br>
+              </a:rPr>
+              <a:t>Prototipo</a:t>
+            </a:r>
+            <a:r>
               <a:rPr lang="it-IT" dirty="0">
                 <a:effectLst/>
               </a:rPr>
-            </a:br>
+              <a:t> del progetto è stato realizzato utilizzando MySQL per il database, il framework </a:t>
+            </a:r>
+            <a:r>
+              <a:rPr lang="it-IT" dirty="0" err="1">
+                <a:effectLst/>
+              </a:rPr>
+              <a:t>SpringBoot</a:t>
+            </a:r>
+            <a:r>
+              <a:rPr lang="it-IT" dirty="0">
+                <a:effectLst/>
+              </a:rPr>
+              <a:t> per la parte Back-End e </a:t>
+            </a:r>
+            <a:r>
+              <a:rPr lang="it-IT" dirty="0" err="1">
+                <a:effectLst/>
+              </a:rPr>
+              <a:t>Angular</a:t>
+            </a:r>
+            <a:r>
+              <a:rPr lang="it-IT" dirty="0">
+                <a:effectLst/>
+              </a:rPr>
+              <a:t> 2+ per la parte front-end. </a:t>
+            </a:r>
+          </a:p>
+          <a:p>
+            <a:pPr algn="l" rtl="0"/>
+            <a:endParaRPr lang="it-IT" dirty="0">
+              <a:effectLst/>
+            </a:endParaRPr>
+          </a:p>
+          <a:p>
+            <a:pPr algn="l" rtl="0"/>
             <a:r>
               <a:rPr lang="it-IT" dirty="0"/>
-              <a:t>10 persone che non conoscevano con esattezza il sistema ma avevano una panoramica generale. </a:t>
-            </a:r>
-          </a:p>
-          <a:p>
-            <a:pPr marL="285750" indent="-285750" algn="l" rtl="0">
-              <a:buFont typeface="Arial" panose="020B0604020202020204" pitchFamily="34" charset="0"/>
-              <a:buChar char="•"/>
-            </a:pPr>
-            <a:r>
-              <a:rPr lang="it-IT" b="1" dirty="0"/>
-              <a:t>Test navigazione </a:t>
-            </a:r>
-            <a:br>
-              <a:rPr lang="it-IT" b="1" dirty="0"/>
-            </a:br>
+              <a:t>Ho usufruito dei </a:t>
+            </a:r>
+            <a:r>
+              <a:rPr lang="it-IT" dirty="0" err="1"/>
+              <a:t>sguenti</a:t>
+            </a:r>
             <a:r>
               <a:rPr lang="it-IT" dirty="0"/>
-              <a:t>Gli utenti hanno navigato all’interno dell’applicazione e ne definivano la semplicità, l’immediatezza e la stabilità.</a:t>
-            </a:r>
-          </a:p>
-          <a:p>
-            <a:pPr marL="285750" indent="-285750" algn="l" rtl="0">
-              <a:buFont typeface="Arial" panose="020B0604020202020204" pitchFamily="34" charset="0"/>
-              <a:buChar char="•"/>
-            </a:pPr>
-            <a:r>
-              <a:rPr lang="it-IT" b="1" dirty="0"/>
-              <a:t>Test Prenotazione</a:t>
-            </a:r>
-            <a:br>
-              <a:rPr lang="it-IT" b="1" dirty="0"/>
-            </a:br>
+              <a:t> strumenti: </a:t>
+            </a:r>
+            <a:r>
+              <a:rPr lang="it-IT" dirty="0" err="1"/>
+              <a:t>swagger-ui</a:t>
+            </a:r>
             <a:r>
               <a:rPr lang="it-IT" dirty="0"/>
-              <a:t>Prova ad effettuare una prenotazione e ne definivamo la semplicità, la non immediatezza, la difficoltà.</a:t>
-            </a:r>
-          </a:p>
-          <a:p>
-            <a:pPr marL="285750" indent="-285750" algn="l" rtl="0">
-              <a:buFont typeface="Arial" panose="020B0604020202020204" pitchFamily="34" charset="0"/>
-              <a:buChar char="•"/>
-            </a:pPr>
-            <a:r>
-              <a:rPr lang="it-IT" b="1" dirty="0">
-                <a:effectLst/>
-              </a:rPr>
-              <a:t>Test Gestione Corse: </a:t>
-            </a:r>
-            <a:br>
-              <a:rPr lang="it-IT" b="1" dirty="0">
-                <a:effectLst/>
-              </a:rPr>
-            </a:br>
-            <a:r>
-              <a:rPr lang="it-IT" dirty="0">
-                <a:effectLst/>
-              </a:rPr>
-              <a:t>I tassisti hanno provato a navigare all’ interno dell</a:t>
-            </a:r>
+              <a:t> </a:t>
+            </a:r>
+          </a:p>
+          <a:p>
+            <a:pPr algn="l" rtl="0"/>
+            <a:endParaRPr lang="it-IT" dirty="0"/>
+          </a:p>
+          <a:p>
+            <a:pPr algn="l" rtl="0"/>
+            <a:endParaRPr lang="it-IT" dirty="0"/>
+          </a:p>
+          <a:p>
+            <a:pPr algn="l" rtl="0"/>
             <a:r>
               <a:rPr lang="it-IT" dirty="0"/>
-              <a:t>’ interfaccia per gestire le richieste di prenotazione, in modo da poter accettare o rifiutare le corse</a:t>
-            </a:r>
-          </a:p>
-          <a:p>
-            <a:pPr marL="285750" indent="-285750" algn="l" rtl="0">
-              <a:buFont typeface="Arial" panose="020B0604020202020204" pitchFamily="34" charset="0"/>
-              <a:buChar char="•"/>
-            </a:pPr>
-            <a:r>
-              <a:rPr lang="it-IT" b="1" dirty="0">
-                <a:effectLst/>
-              </a:rPr>
-              <a:t>Test Admin: </a:t>
-            </a:r>
-            <a:br>
-              <a:rPr lang="it-IT" dirty="0">
-                <a:effectLst/>
-              </a:rPr>
-            </a:br>
-            <a:r>
-              <a:rPr lang="it-IT" dirty="0">
-                <a:effectLst/>
-              </a:rPr>
-              <a:t>Gli Admin hanno navigato all’interno dell’ interfaccia per visualizzare tutte le funzionalità, gestione anagrafica, gestione corse, e visualizzazione delle statistiche.</a:t>
-            </a:r>
+              <a:t>Il tutto è stato sviluppato all’interno di un repository GitHub</a:t>
+            </a:r>
+          </a:p>
+          <a:p>
+            <a:pPr algn="l" rtl="0"/>
+            <a:endParaRPr lang="it-IT" dirty="0">
+              <a:effectLst/>
+            </a:endParaRPr>
+          </a:p>
+          <a:p>
+            <a:pPr algn="l" rtl="0"/>
             <a:br>
               <a:rPr lang="it-IT" dirty="0">
                 <a:effectLst/>
@@ -10335,10 +9940,10 @@
       </p:sp>
       <p:pic>
         <p:nvPicPr>
-          <p:cNvPr id="6" name="Immagine 5">
-            <a:extLst>
-              <a:ext uri="{FF2B5EF4-FFF2-40B4-BE49-F238E27FC236}">
-                <a16:creationId xmlns:a16="http://schemas.microsoft.com/office/drawing/2014/main" id="{595784BF-0AD3-450E-89CA-B753BC183529}"/>
+          <p:cNvPr id="7" name="Immagine 6">
+            <a:extLst>
+              <a:ext uri="{FF2B5EF4-FFF2-40B4-BE49-F238E27FC236}">
+                <a16:creationId xmlns:a16="http://schemas.microsoft.com/office/drawing/2014/main" id="{A85D1EC7-F277-FDCB-7487-EBD8D43C563B}"/>
               </a:ext>
             </a:extLst>
           </p:cNvPr>
@@ -10361,20 +9966,56 @@
         </p:blipFill>
         <p:spPr>
           <a:xfrm>
-            <a:off x="8181474" y="3036013"/>
-            <a:ext cx="3810000" cy="3381375"/>
+            <a:off x="8069179" y="1097908"/>
+            <a:ext cx="3724191" cy="4420405"/>
           </a:xfrm>
           <a:prstGeom prst="rect">
             <a:avLst/>
           </a:prstGeom>
         </p:spPr>
       </p:pic>
-      <p:sp>
-        <p:nvSpPr>
-          <p:cNvPr id="9" name="Segnaposto numero diapositiva 8">
-            <a:extLst>
-              <a:ext uri="{FF2B5EF4-FFF2-40B4-BE49-F238E27FC236}">
-                <a16:creationId xmlns:a16="http://schemas.microsoft.com/office/drawing/2014/main" id="{70C8A1C6-9C34-7256-584B-C74F2C121606}"/>
+      <p:pic>
+        <p:nvPicPr>
+          <p:cNvPr id="10" name="Immagine 9">
+            <a:extLst>
+              <a:ext uri="{FF2B5EF4-FFF2-40B4-BE49-F238E27FC236}">
+                <a16:creationId xmlns:a16="http://schemas.microsoft.com/office/drawing/2014/main" id="{1E93F28F-5A86-53F6-1116-FA19AF440F36}"/>
+              </a:ext>
+            </a:extLst>
+          </p:cNvPr>
+          <p:cNvPicPr>
+            <a:picLocks noChangeAspect="1"/>
+          </p:cNvPicPr>
+          <p:nvPr/>
+        </p:nvPicPr>
+        <p:blipFill>
+          <a:blip r:embed="rId3">
+            <a:extLst>
+              <a:ext uri="{28A0092B-C50C-407E-A947-70E740481C1C}">
+                <a14:useLocalDpi xmlns:a14="http://schemas.microsoft.com/office/drawing/2010/main" val="0"/>
+              </a:ext>
+            </a:extLst>
+          </a:blip>
+          <a:stretch>
+            <a:fillRect/>
+          </a:stretch>
+        </p:blipFill>
+        <p:spPr>
+          <a:xfrm rot="1734579">
+            <a:off x="-437845" y="4619396"/>
+            <a:ext cx="2617110" cy="2703149"/>
+          </a:xfrm>
+          <a:prstGeom prst="rect">
+            <a:avLst/>
+          </a:prstGeom>
+        </p:spPr>
+      </p:pic>
+      <p:sp>
+        <p:nvSpPr>
+          <p:cNvPr id="8" name="Segnaposto numero diapositiva 7">
+            <a:extLst>
+              <a:ext uri="{FF2B5EF4-FFF2-40B4-BE49-F238E27FC236}">
+                <a16:creationId xmlns:a16="http://schemas.microsoft.com/office/drawing/2014/main" id="{17C5DABF-6058-C96A-5268-812CF7101198}"/>
               </a:ext>
             </a:extLst>
           </p:cNvPr>
@@ -10399,10 +10040,48 @@
           </a:p>
         </p:txBody>
       </p:sp>
+      <p:sp>
+        <p:nvSpPr>
+          <p:cNvPr id="3" name="CasellaDiTesto 2">
+            <a:extLst>
+              <a:ext uri="{FF2B5EF4-FFF2-40B4-BE49-F238E27FC236}">
+                <a16:creationId xmlns:a16="http://schemas.microsoft.com/office/drawing/2014/main" id="{20D783F3-FFCE-682E-5A89-5ADC86C92101}"/>
+              </a:ext>
+            </a:extLst>
+          </p:cNvPr>
+          <p:cNvSpPr txBox="1"/>
+          <p:nvPr/>
+        </p:nvSpPr>
+        <p:spPr>
+          <a:xfrm>
+            <a:off x="1748689" y="4721083"/>
+            <a:ext cx="6389763" cy="369332"/>
+          </a:xfrm>
+          <a:prstGeom prst="rect">
+            <a:avLst/>
+          </a:prstGeom>
+          <a:noFill/>
+        </p:spPr>
+        <p:txBody>
+          <a:bodyPr wrap="none" rtlCol="0">
+            <a:spAutoFit/>
+          </a:bodyPr>
+          <a:lstStyle/>
+          <a:p>
+            <a:r>
+              <a:rPr lang="it-IT" dirty="0">
+                <a:hlinkClick r:id="rId4"/>
+              </a:rPr>
+              <a:t>https://github.com/Emanuele-Chiummo/Taxi-Project/tree/main</a:t>
+            </a:r>
+            <a:endParaRPr lang="it-IT" dirty="0"/>
+          </a:p>
+        </p:txBody>
+      </p:sp>
     </p:spTree>
     <p:extLst>
       <p:ext uri="{BB962C8B-B14F-4D97-AF65-F5344CB8AC3E}">
-        <p14:creationId xmlns:p14="http://schemas.microsoft.com/office/powerpoint/2010/main" val="3288412475"/>
+        <p14:creationId xmlns:p14="http://schemas.microsoft.com/office/powerpoint/2010/main" val="3670658406"/>
       </p:ext>
     </p:extLst>
   </p:cSld>
